--- a/Week 3 - Proofs/Proofs.pptx
+++ b/Week 3 - Proofs/Proofs.pptx
@@ -5,13 +5,15 @@
     <p:sldMasterId id="2147483648" r:id="rId4"/>
   </p:sldMasterIdLst>
   <p:notesMasterIdLst>
-    <p:notesMasterId r:id="rId9"/>
+    <p:notesMasterId r:id="rId11"/>
   </p:notesMasterIdLst>
   <p:sldIdLst>
     <p:sldId id="257" r:id="rId5"/>
     <p:sldId id="366" r:id="rId6"/>
-    <p:sldId id="383" r:id="rId7"/>
-    <p:sldId id="384" r:id="rId8"/>
+    <p:sldId id="385" r:id="rId7"/>
+    <p:sldId id="386" r:id="rId8"/>
+    <p:sldId id="387" r:id="rId9"/>
+    <p:sldId id="388" r:id="rId10"/>
   </p:sldIdLst>
   <p:sldSz cx="12192000" cy="6858000"/>
   <p:notesSz cx="6858000" cy="9144000"/>
@@ -200,7 +202,7 @@
           <a:p>
             <a:fld id="{F666E1FD-E7A0-497B-BBC0-740BAAC97C64}" type="datetimeFigureOut">
               <a:rPr lang="en-PH" smtClean="0"/>
-              <a:t>4/14/24</a:t>
+              <a:t>14/04/2024</a:t>
             </a:fld>
             <a:endParaRPr lang="en-PH"/>
           </a:p>
@@ -710,7 +712,7 @@
     </p:spTree>
     <p:extLst>
       <p:ext uri="{BB962C8B-B14F-4D97-AF65-F5344CB8AC3E}">
-        <p14:creationId xmlns:p14="http://schemas.microsoft.com/office/powerpoint/2010/main" val="2192794834"/>
+        <p14:creationId xmlns:p14="http://schemas.microsoft.com/office/powerpoint/2010/main" val="4214753394"/>
       </p:ext>
     </p:extLst>
   </p:cSld>
@@ -794,7 +796,175 @@
     </p:spTree>
     <p:extLst>
       <p:ext uri="{BB962C8B-B14F-4D97-AF65-F5344CB8AC3E}">
-        <p14:creationId xmlns:p14="http://schemas.microsoft.com/office/powerpoint/2010/main" val="1784535140"/>
+        <p14:creationId xmlns:p14="http://schemas.microsoft.com/office/powerpoint/2010/main" val="2536921163"/>
+      </p:ext>
+    </p:extLst>
+  </p:cSld>
+  <p:clrMapOvr>
+    <a:masterClrMapping/>
+  </p:clrMapOvr>
+</p:notes>
+</file>
+
+<file path=ppt/notesSlides/notesSlide5.xml><?xml version="1.0" encoding="utf-8"?>
+<p:notes xmlns:a="http://schemas.openxmlformats.org/drawingml/2006/main" xmlns:r="http://schemas.openxmlformats.org/officeDocument/2006/relationships" xmlns:p="http://schemas.openxmlformats.org/presentationml/2006/main">
+  <p:cSld>
+    <p:spTree>
+      <p:nvGrpSpPr>
+        <p:cNvPr id="1" name=""/>
+        <p:cNvGrpSpPr/>
+        <p:nvPr/>
+      </p:nvGrpSpPr>
+      <p:grpSpPr>
+        <a:xfrm>
+          <a:off x="0" y="0"/>
+          <a:ext cx="0" cy="0"/>
+          <a:chOff x="0" y="0"/>
+          <a:chExt cx="0" cy="0"/>
+        </a:xfrm>
+      </p:grpSpPr>
+      <p:sp>
+        <p:nvSpPr>
+          <p:cNvPr id="2" name="Slide Image Placeholder 1"/>
+          <p:cNvSpPr>
+            <a:spLocks noGrp="1" noRot="1" noChangeAspect="1"/>
+          </p:cNvSpPr>
+          <p:nvPr>
+            <p:ph type="sldImg"/>
+          </p:nvPr>
+        </p:nvSpPr>
+        <p:spPr/>
+      </p:sp>
+      <p:sp>
+        <p:nvSpPr>
+          <p:cNvPr id="3" name="Notes Placeholder 2"/>
+          <p:cNvSpPr>
+            <a:spLocks noGrp="1"/>
+          </p:cNvSpPr>
+          <p:nvPr>
+            <p:ph type="body" idx="1"/>
+          </p:nvPr>
+        </p:nvSpPr>
+        <p:spPr/>
+        <p:txBody>
+          <a:bodyPr/>
+          <a:lstStyle/>
+          <a:p>
+            <a:endParaRPr lang="en-PH" dirty="0"/>
+          </a:p>
+        </p:txBody>
+      </p:sp>
+      <p:sp>
+        <p:nvSpPr>
+          <p:cNvPr id="4" name="Slide Number Placeholder 3"/>
+          <p:cNvSpPr>
+            <a:spLocks noGrp="1"/>
+          </p:cNvSpPr>
+          <p:nvPr>
+            <p:ph type="sldNum" sz="quarter" idx="5"/>
+          </p:nvPr>
+        </p:nvSpPr>
+        <p:spPr/>
+        <p:txBody>
+          <a:bodyPr/>
+          <a:lstStyle/>
+          <a:p>
+            <a:fld id="{FE90CCE9-4AAE-4E1F-85AD-521A406D6524}" type="slidenum">
+              <a:rPr lang="en-PH" smtClean="0"/>
+              <a:t>5</a:t>
+            </a:fld>
+            <a:endParaRPr lang="en-PH"/>
+          </a:p>
+        </p:txBody>
+      </p:sp>
+    </p:spTree>
+    <p:extLst>
+      <p:ext uri="{BB962C8B-B14F-4D97-AF65-F5344CB8AC3E}">
+        <p14:creationId xmlns:p14="http://schemas.microsoft.com/office/powerpoint/2010/main" val="2060642903"/>
+      </p:ext>
+    </p:extLst>
+  </p:cSld>
+  <p:clrMapOvr>
+    <a:masterClrMapping/>
+  </p:clrMapOvr>
+</p:notes>
+</file>
+
+<file path=ppt/notesSlides/notesSlide6.xml><?xml version="1.0" encoding="utf-8"?>
+<p:notes xmlns:a="http://schemas.openxmlformats.org/drawingml/2006/main" xmlns:r="http://schemas.openxmlformats.org/officeDocument/2006/relationships" xmlns:p="http://schemas.openxmlformats.org/presentationml/2006/main">
+  <p:cSld>
+    <p:spTree>
+      <p:nvGrpSpPr>
+        <p:cNvPr id="1" name=""/>
+        <p:cNvGrpSpPr/>
+        <p:nvPr/>
+      </p:nvGrpSpPr>
+      <p:grpSpPr>
+        <a:xfrm>
+          <a:off x="0" y="0"/>
+          <a:ext cx="0" cy="0"/>
+          <a:chOff x="0" y="0"/>
+          <a:chExt cx="0" cy="0"/>
+        </a:xfrm>
+      </p:grpSpPr>
+      <p:sp>
+        <p:nvSpPr>
+          <p:cNvPr id="2" name="Slide Image Placeholder 1"/>
+          <p:cNvSpPr>
+            <a:spLocks noGrp="1" noRot="1" noChangeAspect="1"/>
+          </p:cNvSpPr>
+          <p:nvPr>
+            <p:ph type="sldImg"/>
+          </p:nvPr>
+        </p:nvSpPr>
+        <p:spPr/>
+      </p:sp>
+      <p:sp>
+        <p:nvSpPr>
+          <p:cNvPr id="3" name="Notes Placeholder 2"/>
+          <p:cNvSpPr>
+            <a:spLocks noGrp="1"/>
+          </p:cNvSpPr>
+          <p:nvPr>
+            <p:ph type="body" idx="1"/>
+          </p:nvPr>
+        </p:nvSpPr>
+        <p:spPr/>
+        <p:txBody>
+          <a:bodyPr/>
+          <a:lstStyle/>
+          <a:p>
+            <a:endParaRPr lang="en-PH" dirty="0"/>
+          </a:p>
+        </p:txBody>
+      </p:sp>
+      <p:sp>
+        <p:nvSpPr>
+          <p:cNvPr id="4" name="Slide Number Placeholder 3"/>
+          <p:cNvSpPr>
+            <a:spLocks noGrp="1"/>
+          </p:cNvSpPr>
+          <p:nvPr>
+            <p:ph type="sldNum" sz="quarter" idx="5"/>
+          </p:nvPr>
+        </p:nvSpPr>
+        <p:spPr/>
+        <p:txBody>
+          <a:bodyPr/>
+          <a:lstStyle/>
+          <a:p>
+            <a:fld id="{FE90CCE9-4AAE-4E1F-85AD-521A406D6524}" type="slidenum">
+              <a:rPr lang="en-PH" smtClean="0"/>
+              <a:t>6</a:t>
+            </a:fld>
+            <a:endParaRPr lang="en-PH"/>
+          </a:p>
+        </p:txBody>
+      </p:sp>
+    </p:spTree>
+    <p:extLst>
+      <p:ext uri="{BB962C8B-B14F-4D97-AF65-F5344CB8AC3E}">
+        <p14:creationId xmlns:p14="http://schemas.microsoft.com/office/powerpoint/2010/main" val="4203301790"/>
       </p:ext>
     </p:extLst>
   </p:cSld>
@@ -953,7 +1123,7 @@
           <a:p>
             <a:fld id="{0CCF0B81-6BD8-4C65-9459-815598C5F1F4}" type="datetimeFigureOut">
               <a:rPr lang="en-PH" smtClean="0"/>
-              <a:t>4/14/24</a:t>
+              <a:t>14/04/2024</a:t>
             </a:fld>
             <a:endParaRPr lang="en-PH"/>
           </a:p>
@@ -1153,7 +1323,7 @@
           <a:p>
             <a:fld id="{0CCF0B81-6BD8-4C65-9459-815598C5F1F4}" type="datetimeFigureOut">
               <a:rPr lang="en-PH" smtClean="0"/>
-              <a:t>4/14/24</a:t>
+              <a:t>14/04/2024</a:t>
             </a:fld>
             <a:endParaRPr lang="en-PH"/>
           </a:p>
@@ -1363,7 +1533,7 @@
           <a:p>
             <a:fld id="{0CCF0B81-6BD8-4C65-9459-815598C5F1F4}" type="datetimeFigureOut">
               <a:rPr lang="en-PH" smtClean="0"/>
-              <a:t>4/14/24</a:t>
+              <a:t>14/04/2024</a:t>
             </a:fld>
             <a:endParaRPr lang="en-PH"/>
           </a:p>
@@ -1563,7 +1733,7 @@
           <a:p>
             <a:fld id="{0CCF0B81-6BD8-4C65-9459-815598C5F1F4}" type="datetimeFigureOut">
               <a:rPr lang="en-PH" smtClean="0"/>
-              <a:t>4/14/24</a:t>
+              <a:t>14/04/2024</a:t>
             </a:fld>
             <a:endParaRPr lang="en-PH"/>
           </a:p>
@@ -1839,7 +2009,7 @@
           <a:p>
             <a:fld id="{0CCF0B81-6BD8-4C65-9459-815598C5F1F4}" type="datetimeFigureOut">
               <a:rPr lang="en-PH" smtClean="0"/>
-              <a:t>4/14/24</a:t>
+              <a:t>14/04/2024</a:t>
             </a:fld>
             <a:endParaRPr lang="en-PH"/>
           </a:p>
@@ -2107,7 +2277,7 @@
           <a:p>
             <a:fld id="{0CCF0B81-6BD8-4C65-9459-815598C5F1F4}" type="datetimeFigureOut">
               <a:rPr lang="en-PH" smtClean="0"/>
-              <a:t>4/14/24</a:t>
+              <a:t>14/04/2024</a:t>
             </a:fld>
             <a:endParaRPr lang="en-PH"/>
           </a:p>
@@ -2522,7 +2692,7 @@
           <a:p>
             <a:fld id="{0CCF0B81-6BD8-4C65-9459-815598C5F1F4}" type="datetimeFigureOut">
               <a:rPr lang="en-PH" smtClean="0"/>
-              <a:t>4/14/24</a:t>
+              <a:t>14/04/2024</a:t>
             </a:fld>
             <a:endParaRPr lang="en-PH"/>
           </a:p>
@@ -2664,7 +2834,7 @@
           <a:p>
             <a:fld id="{0CCF0B81-6BD8-4C65-9459-815598C5F1F4}" type="datetimeFigureOut">
               <a:rPr lang="en-PH" smtClean="0"/>
-              <a:t>4/14/24</a:t>
+              <a:t>14/04/2024</a:t>
             </a:fld>
             <a:endParaRPr lang="en-PH"/>
           </a:p>
@@ -2777,7 +2947,7 @@
           <a:p>
             <a:fld id="{0CCF0B81-6BD8-4C65-9459-815598C5F1F4}" type="datetimeFigureOut">
               <a:rPr lang="en-PH" smtClean="0"/>
-              <a:t>4/14/24</a:t>
+              <a:t>14/04/2024</a:t>
             </a:fld>
             <a:endParaRPr lang="en-PH"/>
           </a:p>
@@ -3090,7 +3260,7 @@
           <a:p>
             <a:fld id="{0CCF0B81-6BD8-4C65-9459-815598C5F1F4}" type="datetimeFigureOut">
               <a:rPr lang="en-PH" smtClean="0"/>
-              <a:t>4/14/24</a:t>
+              <a:t>14/04/2024</a:t>
             </a:fld>
             <a:endParaRPr lang="en-PH"/>
           </a:p>
@@ -3379,7 +3549,7 @@
           <a:p>
             <a:fld id="{0CCF0B81-6BD8-4C65-9459-815598C5F1F4}" type="datetimeFigureOut">
               <a:rPr lang="en-PH" smtClean="0"/>
-              <a:t>4/14/24</a:t>
+              <a:t>14/04/2024</a:t>
             </a:fld>
             <a:endParaRPr lang="en-PH"/>
           </a:p>
@@ -3622,7 +3792,7 @@
           <a:p>
             <a:fld id="{0CCF0B81-6BD8-4C65-9459-815598C5F1F4}" type="datetimeFigureOut">
               <a:rPr lang="en-PH" smtClean="0"/>
-              <a:t>4/14/24</a:t>
+              <a:t>14/04/2024</a:t>
             </a:fld>
             <a:endParaRPr lang="en-PH"/>
           </a:p>
@@ -4351,6 +4521,42 @@
               <a:t>Introduction and Definition</a:t>
             </a:r>
           </a:p>
+          <a:p>
+            <a:pPr marL="457200" indent="-457200" algn="l">
+              <a:buFont typeface="Wingdings" pitchFamily="2" charset="2"/>
+              <a:buChar char="Ø"/>
+            </a:pPr>
+            <a:endParaRPr lang="en-US" sz="2800" b="1" dirty="0">
+              <a:latin typeface="Calibri Light (Headings)"/>
+            </a:endParaRPr>
+          </a:p>
+          <a:p>
+            <a:pPr marL="457200" indent="-457200" algn="l">
+              <a:buFont typeface="Wingdings" pitchFamily="2" charset="2"/>
+              <a:buChar char="Ø"/>
+            </a:pPr>
+            <a:endParaRPr lang="en-US" sz="2800" b="1" dirty="0">
+              <a:latin typeface="Calibri Light (Headings)"/>
+            </a:endParaRPr>
+          </a:p>
+          <a:p>
+            <a:pPr marL="457200" indent="-457200" algn="l">
+              <a:buFont typeface="Wingdings" pitchFamily="2" charset="2"/>
+              <a:buChar char="Ø"/>
+            </a:pPr>
+            <a:endParaRPr lang="en-US" sz="2800" b="1" dirty="0">
+              <a:latin typeface="Calibri Light (Headings)"/>
+            </a:endParaRPr>
+          </a:p>
+          <a:p>
+            <a:pPr marL="457200" indent="-457200" algn="l">
+              <a:buFont typeface="Wingdings" pitchFamily="2" charset="2"/>
+              <a:buChar char="Ø"/>
+            </a:pPr>
+            <a:endParaRPr lang="en-US" sz="2800" b="1" dirty="0">
+              <a:latin typeface="Calibri Light (Headings)"/>
+            </a:endParaRPr>
+          </a:p>
         </p:txBody>
       </p:sp>
       <p:sp>
@@ -4464,7 +4670,7 @@
           <a:p>
             <a:r>
               <a:rPr lang="en-PH" b="1" dirty="0"/>
-              <a:t>Proof</a:t>
+              <a:t>Introduction to Proofs</a:t>
             </a:r>
           </a:p>
         </p:txBody>
@@ -4528,8 +4734,8 @@
         </p:nvSpPr>
         <p:spPr>
           <a:xfrm>
-            <a:off x="525611" y="1215609"/>
-            <a:ext cx="10464122" cy="3231654"/>
+            <a:off x="525610" y="1215609"/>
+            <a:ext cx="11250077" cy="4154984"/>
           </a:xfrm>
           <a:prstGeom prst="rect">
             <a:avLst/>
@@ -4543,240 +4749,85 @@
           <a:lstStyle/>
           <a:p>
             <a:r>
-              <a:rPr lang="en-PH" sz="1800" dirty="0">
-                <a:effectLst/>
-                <a:latin typeface="SFRM1095"/>
+              <a:rPr lang="en-US" sz="2400" dirty="0"/>
+              <a:t>Until this point in your education, mathematics has probably been presented as a primarily </a:t>
+            </a:r>
+            <a:r>
+              <a:rPr lang="en-US" sz="2400" b="1" dirty="0">
+                <a:solidFill>
+                  <a:srgbClr val="0070C0"/>
+                </a:solidFill>
               </a:rPr>
-              <a:t>A </a:t>
-            </a:r>
-            <a:r>
-              <a:rPr lang="en-PH" sz="1800" dirty="0">
-                <a:effectLst/>
-                <a:latin typeface="SFTI1095"/>
+              <a:t>computational discipline</a:t>
+            </a:r>
+            <a:r>
+              <a:rPr lang="en-US" sz="2400" dirty="0"/>
+              <a:t>. </a:t>
+            </a:r>
+          </a:p>
+          <a:p>
+            <a:endParaRPr lang="en-US" sz="2400" dirty="0"/>
+          </a:p>
+          <a:p>
+            <a:r>
+              <a:rPr lang="en-US" sz="2400" dirty="0"/>
+              <a:t>You have learned to:</a:t>
+            </a:r>
+          </a:p>
+          <a:p>
+            <a:pPr marL="457200" indent="-457200">
+              <a:buAutoNum type="arabicPeriod"/>
+            </a:pPr>
+            <a:r>
+              <a:rPr lang="en-US" sz="2400" dirty="0"/>
+              <a:t>Solve equations</a:t>
+            </a:r>
+          </a:p>
+          <a:p>
+            <a:pPr marL="457200" indent="-457200">
+              <a:buAutoNum type="arabicPeriod"/>
+            </a:pPr>
+            <a:r>
+              <a:rPr lang="en-US" sz="2400" dirty="0"/>
+              <a:t>Compute derivatives and integrals</a:t>
+            </a:r>
+          </a:p>
+          <a:p>
+            <a:pPr marL="457200" indent="-457200">
+              <a:buAutoNum type="arabicPeriod"/>
+            </a:pPr>
+            <a:r>
+              <a:rPr lang="en-US" sz="2400" dirty="0"/>
+              <a:t>Multiply matrices and find determinants </a:t>
+            </a:r>
+          </a:p>
+          <a:p>
+            <a:endParaRPr lang="en-US" sz="2400" dirty="0"/>
+          </a:p>
+          <a:p>
+            <a:r>
+              <a:rPr lang="en-US" sz="2400" dirty="0"/>
+              <a:t>And you have seen how these things can answer practical questions about the real world. In this setting your primary goal in using mathematics has been to</a:t>
+            </a:r>
+            <a:r>
+              <a:rPr lang="en-US" sz="2400" b="1" dirty="0">
+                <a:solidFill>
+                  <a:srgbClr val="0070C0"/>
+                </a:solidFill>
               </a:rPr>
-              <a:t>theorem </a:t>
-            </a:r>
-            <a:r>
-              <a:rPr lang="en-PH" sz="1800" dirty="0">
-                <a:effectLst/>
-                <a:latin typeface="SFRM1095"/>
-              </a:rPr>
-              <a:t>is an important result</a:t>
-            </a:r>
-            <a:r>
-              <a:rPr lang="en-PH" sz="1800" dirty="0">
-                <a:effectLst/>
-                <a:latin typeface="SFRM0800"/>
-              </a:rPr>
-              <a:t>11 </a:t>
-            </a:r>
-            <a:r>
-              <a:rPr lang="en-PH" sz="1800" dirty="0">
-                <a:effectLst/>
-                <a:latin typeface="SFRM1095"/>
-              </a:rPr>
-              <a:t>that has been proved. </a:t>
-            </a:r>
-            <a:endParaRPr lang="en-PH" sz="1800" dirty="0">
-              <a:effectLst/>
-              <a:latin typeface="CMSY10"/>
-            </a:endParaRPr>
-          </a:p>
-          <a:p>
-            <a:r>
-              <a:rPr lang="en-PH" sz="1800" dirty="0">
-                <a:effectLst/>
-                <a:latin typeface="SFRM1095"/>
-              </a:rPr>
-              <a:t>A </a:t>
-            </a:r>
-            <a:r>
-              <a:rPr lang="en-PH" sz="1800" dirty="0">
-                <a:effectLst/>
-                <a:latin typeface="SFTI1095"/>
-              </a:rPr>
-              <a:t>proposition </a:t>
-            </a:r>
-            <a:r>
-              <a:rPr lang="en-PH" sz="1800" dirty="0">
-                <a:effectLst/>
-                <a:latin typeface="SFRM1095"/>
-              </a:rPr>
-              <a:t>is a result that is less important than a theorem. It has also been </a:t>
-            </a:r>
-            <a:endParaRPr lang="en-PH" sz="1800" dirty="0">
-              <a:effectLst/>
-              <a:latin typeface="CMSY10"/>
-            </a:endParaRPr>
-          </a:p>
-          <a:p>
-            <a:r>
-              <a:rPr lang="en-PH" sz="1800" dirty="0">
-                <a:effectLst/>
-                <a:latin typeface="SFRM1095"/>
-              </a:rPr>
-              <a:t>proved. </a:t>
-            </a:r>
-            <a:endParaRPr lang="en-PH" sz="1800" dirty="0">
-              <a:effectLst/>
-              <a:latin typeface="CMSY10"/>
-            </a:endParaRPr>
-          </a:p>
-          <a:p>
-            <a:r>
-              <a:rPr lang="en-PH" sz="1800" dirty="0">
-                <a:effectLst/>
-                <a:latin typeface="SFRM1095"/>
-              </a:rPr>
-              <a:t>A </a:t>
-            </a:r>
-            <a:r>
-              <a:rPr lang="en-PH" sz="1800" dirty="0">
-                <a:effectLst/>
-                <a:latin typeface="SFTI1095"/>
-              </a:rPr>
-              <a:t>lemma </a:t>
-            </a:r>
-            <a:r>
-              <a:rPr lang="en-PH" sz="1800" dirty="0">
-                <a:effectLst/>
-                <a:latin typeface="SFRM1095"/>
-              </a:rPr>
-              <a:t>is typically a small result that is proved before a proposition or a </a:t>
-            </a:r>
-            <a:endParaRPr lang="en-PH" sz="1800" dirty="0">
-              <a:effectLst/>
-              <a:latin typeface="CMSY10"/>
-            </a:endParaRPr>
-          </a:p>
-          <a:p>
-            <a:r>
-              <a:rPr lang="en-PH" sz="1800" dirty="0">
-                <a:effectLst/>
-                <a:latin typeface="SFRM1095"/>
-              </a:rPr>
-              <a:t>theorem, and is used to prove the following proposition or theorem.</a:t>
-            </a:r>
-            <a:r>
-              <a:rPr lang="en-PH" sz="1800" dirty="0">
-                <a:effectLst/>
-                <a:latin typeface="SFRM0800"/>
-              </a:rPr>
-              <a:t>12 </a:t>
-            </a:r>
-            <a:endParaRPr lang="en-PH" sz="1800" dirty="0">
-              <a:effectLst/>
-              <a:latin typeface="CMSY10"/>
-            </a:endParaRPr>
-          </a:p>
-          <a:p>
-            <a:r>
-              <a:rPr lang="en-PH" sz="1800" dirty="0">
-                <a:effectLst/>
-                <a:latin typeface="SFRM1095"/>
-              </a:rPr>
-              <a:t>A </a:t>
-            </a:r>
-            <a:r>
-              <a:rPr lang="en-PH" sz="1800" dirty="0">
-                <a:effectLst/>
-                <a:latin typeface="SFTI1095"/>
-              </a:rPr>
-              <a:t>corollary </a:t>
-            </a:r>
-            <a:r>
-              <a:rPr lang="en-PH" sz="1800" dirty="0">
-                <a:effectLst/>
-                <a:latin typeface="SFRM1095"/>
-              </a:rPr>
-              <a:t>is a result that is proved after a proposition or a theorem, and which follows quickly from the proposition or theorem. It is often a special case of the proposition or theorem. </a:t>
-            </a:r>
-            <a:endParaRPr lang="en-PH" sz="1800" dirty="0">
-              <a:effectLst/>
-              <a:latin typeface="CMSY10"/>
-            </a:endParaRPr>
-          </a:p>
-          <a:p>
-            <a:r>
-              <a:rPr lang="en-PH" sz="1800" dirty="0">
-                <a:effectLst/>
-                <a:latin typeface="SFRM1095"/>
-              </a:rPr>
-              <a:t>All of the above are results that have been proved — a </a:t>
-            </a:r>
-            <a:r>
-              <a:rPr lang="en-PH" sz="1800" dirty="0">
-                <a:effectLst/>
-                <a:latin typeface="SFTI1095"/>
-              </a:rPr>
-              <a:t>conjecture</a:t>
-            </a:r>
-            <a:r>
-              <a:rPr lang="en-PH" sz="1800" dirty="0">
-                <a:effectLst/>
-                <a:latin typeface="SFRM1095"/>
-              </a:rPr>
-              <a:t>, though, has not. </a:t>
-            </a:r>
-            <a:r>
-              <a:rPr lang="en-PH" sz="1800" dirty="0">
-                <a:effectLst/>
-                <a:latin typeface="CMSY10"/>
-              </a:rPr>
-              <a:t>• </a:t>
-            </a:r>
-            <a:r>
-              <a:rPr lang="en-PH" sz="1800" dirty="0">
-                <a:effectLst/>
-                <a:latin typeface="SFRM1095"/>
-              </a:rPr>
-              <a:t>A </a:t>
-            </a:r>
-            <a:r>
-              <a:rPr lang="en-PH" sz="1800" dirty="0">
-                <a:effectLst/>
-                <a:latin typeface="SFTI1095"/>
-              </a:rPr>
-              <a:t>conjecture </a:t>
-            </a:r>
-            <a:r>
-              <a:rPr lang="en-PH" sz="1800" dirty="0">
-                <a:effectLst/>
-                <a:latin typeface="SFRM1095"/>
-              </a:rPr>
-              <a:t>is a statement that someone guesses to be true, although they are </a:t>
-            </a:r>
-            <a:endParaRPr lang="en-PH" sz="1800" dirty="0">
-              <a:effectLst/>
-              <a:latin typeface="CMSY10"/>
-            </a:endParaRPr>
-          </a:p>
-          <a:p>
-            <a:r>
-              <a:rPr lang="en-PH" sz="1800" dirty="0">
-                <a:effectLst/>
-                <a:latin typeface="SFRM1095"/>
-              </a:rPr>
-              <a:t>not yet able to prove or disprove it. </a:t>
-            </a:r>
-            <a:endParaRPr lang="en-PH" sz="1800" dirty="0">
-              <a:effectLst/>
-              <a:latin typeface="CMSY10"/>
-            </a:endParaRPr>
-          </a:p>
-          <a:p>
-            <a:endParaRPr lang="el-GR" sz="2400" b="1" dirty="0">
-              <a:solidFill>
-                <a:srgbClr val="0070C0"/>
-              </a:solidFill>
-            </a:endParaRPr>
+              <a:t> compute answers. </a:t>
+            </a:r>
+            <a:br>
+              <a:rPr lang="en-US" sz="2400" dirty="0"/>
+            </a:br>
+            <a:endParaRPr lang="el-GR" sz="2400" dirty="0"/>
           </a:p>
         </p:txBody>
       </p:sp>
     </p:spTree>
     <p:extLst>
       <p:ext uri="{BB962C8B-B14F-4D97-AF65-F5344CB8AC3E}">
-        <p14:creationId xmlns:p14="http://schemas.microsoft.com/office/powerpoint/2010/main" val="3066161188"/>
+        <p14:creationId xmlns:p14="http://schemas.microsoft.com/office/powerpoint/2010/main" val="1215482947"/>
       </p:ext>
     </p:extLst>
   </p:cSld>
@@ -4848,7 +4899,7 @@
           <a:p>
             <a:r>
               <a:rPr lang="en-PH" b="1" dirty="0"/>
-              <a:t>Proof</a:t>
+              <a:t>Introduction to Proofs</a:t>
             </a:r>
           </a:p>
         </p:txBody>
@@ -4912,8 +4963,8 @@
         </p:nvSpPr>
         <p:spPr>
           <a:xfrm>
-            <a:off x="525611" y="1215609"/>
-            <a:ext cx="10464122" cy="2862322"/>
+            <a:off x="525610" y="1215609"/>
+            <a:ext cx="11138565" cy="3046988"/>
           </a:xfrm>
           <a:prstGeom prst="rect">
             <a:avLst/>
@@ -4927,61 +4978,458 @@
           <a:lstStyle/>
           <a:p>
             <a:r>
-              <a:rPr lang="en-PH" sz="1800" dirty="0">
-                <a:effectLst/>
-                <a:latin typeface="SFRM1095"/>
+              <a:rPr lang="en-US" sz="2400" dirty="0"/>
+              <a:t>But there is another side of mathematics that is more </a:t>
+            </a:r>
+            <a:r>
+              <a:rPr lang="en-US" sz="2400" b="1" dirty="0">
+                <a:solidFill>
+                  <a:srgbClr val="0070C0"/>
+                </a:solidFill>
               </a:rPr>
-              <a:t>We need proofs to ensure that we aren’t just guessing at what seems reasonable. Proofs ensure we are always on solid ground. </a:t>
-            </a:r>
-            <a:endParaRPr lang="en-PH" sz="2400" dirty="0"/>
-          </a:p>
-          <a:p>
-            <a:endParaRPr lang="en-GB" sz="2400" b="1" dirty="0">
-              <a:solidFill>
-                <a:srgbClr val="0070C0"/>
-              </a:solidFill>
-            </a:endParaRPr>
-          </a:p>
-          <a:p>
-            <a:r>
-              <a:rPr lang="en-PH" sz="1800" dirty="0">
-                <a:effectLst/>
-                <a:latin typeface="SFRM1095"/>
+              <a:t>theoretical than computational</a:t>
+            </a:r>
+          </a:p>
+          <a:p>
+            <a:endParaRPr lang="en-US" sz="2400" dirty="0"/>
+          </a:p>
+          <a:p>
+            <a:r>
+              <a:rPr lang="en-US" sz="2400" dirty="0"/>
+              <a:t>Here the </a:t>
+            </a:r>
+            <a:r>
+              <a:rPr lang="en-US" sz="2400" b="1" dirty="0">
+                <a:solidFill>
+                  <a:srgbClr val="00B050"/>
+                </a:solidFill>
               </a:rPr>
-              <a:t>we study proofs because they are what mathematicians do, and one goal of this book is to teach you how to think and act like a mathematician </a:t>
-            </a:r>
-            <a:endParaRPr lang="en-PH" sz="2400" dirty="0"/>
-          </a:p>
-          <a:p>
-            <a:endParaRPr lang="en-GB" sz="2400" b="1" dirty="0">
-              <a:solidFill>
-                <a:srgbClr val="0070C0"/>
-              </a:solidFill>
-            </a:endParaRPr>
-          </a:p>
-          <a:p>
-            <a:r>
-              <a:rPr lang="en-PH" sz="1800" dirty="0">
-                <a:effectLst/>
-                <a:latin typeface="SFRM1095"/>
-              </a:rPr>
-              <a:t>Develop the skills to read and analyze mathematical statements, learn techniques to prove or disprove such statements, and improve one’s ability to communicate mathematics clearly. </a:t>
-            </a:r>
-            <a:endParaRPr lang="en-PH" sz="2400" dirty="0"/>
-          </a:p>
-          <a:p>
-            <a:endParaRPr lang="el-GR" sz="2400" b="1" dirty="0">
-              <a:solidFill>
-                <a:srgbClr val="0070C0"/>
-              </a:solidFill>
-            </a:endParaRPr>
+              <a:t>primary goal </a:t>
+            </a:r>
+            <a:r>
+              <a:rPr lang="en-US" sz="2400" dirty="0"/>
+              <a:t>is to:</a:t>
+            </a:r>
+          </a:p>
+          <a:p>
+            <a:pPr marL="457200" indent="-457200">
+              <a:buAutoNum type="arabicPeriod"/>
+            </a:pPr>
+            <a:r>
+              <a:rPr lang="en-US" sz="2400" dirty="0"/>
+              <a:t>Understand mathematical structures</a:t>
+            </a:r>
+          </a:p>
+          <a:p>
+            <a:pPr marL="457200" indent="-457200">
+              <a:buAutoNum type="arabicPeriod"/>
+            </a:pPr>
+            <a:r>
+              <a:rPr lang="en-US" sz="2400" dirty="0"/>
+              <a:t>Prove mathematical statements</a:t>
+            </a:r>
+          </a:p>
+          <a:p>
+            <a:pPr marL="457200" indent="-457200">
+              <a:buAutoNum type="arabicPeriod"/>
+            </a:pPr>
+            <a:r>
+              <a:rPr lang="en-US" sz="2400" dirty="0"/>
+              <a:t>Invent or discover new mathematical theorems and theories </a:t>
+            </a:r>
+            <a:br>
+              <a:rPr lang="en-US" sz="2400" dirty="0"/>
+            </a:br>
+            <a:r>
+              <a:rPr lang="en-US" sz="2400" dirty="0"/>
+              <a:t> </a:t>
+            </a:r>
+            <a:br>
+              <a:rPr lang="en-US" sz="2400" dirty="0"/>
+            </a:br>
+            <a:endParaRPr lang="el-GR" sz="2400" dirty="0"/>
           </a:p>
         </p:txBody>
       </p:sp>
     </p:spTree>
     <p:extLst>
       <p:ext uri="{BB962C8B-B14F-4D97-AF65-F5344CB8AC3E}">
-        <p14:creationId xmlns:p14="http://schemas.microsoft.com/office/powerpoint/2010/main" val="3208024449"/>
+        <p14:creationId xmlns:p14="http://schemas.microsoft.com/office/powerpoint/2010/main" val="93779268"/>
+      </p:ext>
+    </p:extLst>
+  </p:cSld>
+  <p:clrMapOvr>
+    <a:masterClrMapping/>
+  </p:clrMapOvr>
+</p:sld>
+</file>
+
+<file path=ppt/slides/slide5.xml><?xml version="1.0" encoding="utf-8"?>
+<p:sld xmlns:a="http://schemas.openxmlformats.org/drawingml/2006/main" xmlns:r="http://schemas.openxmlformats.org/officeDocument/2006/relationships" xmlns:p="http://schemas.openxmlformats.org/presentationml/2006/main">
+  <p:cSld>
+    <p:bg>
+      <p:bgPr>
+        <a:blipFill dpi="0" rotWithShape="1">
+          <a:blip r:embed="rId3">
+            <a:alphaModFix amt="99000"/>
+            <a:lum/>
+          </a:blip>
+          <a:srcRect/>
+          <a:stretch>
+            <a:fillRect t="89000" r="85000" b="-1000"/>
+          </a:stretch>
+        </a:blipFill>
+        <a:effectLst/>
+      </p:bgPr>
+    </p:bg>
+    <p:spTree>
+      <p:nvGrpSpPr>
+        <p:cNvPr id="1" name=""/>
+        <p:cNvGrpSpPr/>
+        <p:nvPr/>
+      </p:nvGrpSpPr>
+      <p:grpSpPr>
+        <a:xfrm>
+          <a:off x="0" y="0"/>
+          <a:ext cx="0" cy="0"/>
+          <a:chOff x="0" y="0"/>
+          <a:chExt cx="0" cy="0"/>
+        </a:xfrm>
+      </p:grpSpPr>
+      <p:sp>
+        <p:nvSpPr>
+          <p:cNvPr id="2" name="Title 1">
+            <a:extLst>
+              <a:ext uri="{FF2B5EF4-FFF2-40B4-BE49-F238E27FC236}">
+                <a16:creationId xmlns:a16="http://schemas.microsoft.com/office/drawing/2014/main" id="{6A3DCE86-C2BA-4713-9E7A-73589E8D6CCF}"/>
+              </a:ext>
+            </a:extLst>
+          </p:cNvPr>
+          <p:cNvSpPr>
+            <a:spLocks noGrp="1"/>
+          </p:cNvSpPr>
+          <p:nvPr>
+            <p:ph type="ctrTitle"/>
+          </p:nvPr>
+        </p:nvSpPr>
+        <p:spPr>
+          <a:xfrm>
+            <a:off x="1524000" y="497150"/>
+            <a:ext cx="9144000" cy="718459"/>
+          </a:xfrm>
+        </p:spPr>
+        <p:txBody>
+          <a:bodyPr>
+            <a:normAutofit fontScale="90000"/>
+          </a:bodyPr>
+          <a:lstStyle/>
+          <a:p>
+            <a:r>
+              <a:rPr lang="en-PH" b="1" dirty="0"/>
+              <a:t>Introduction to Proofs</a:t>
+            </a:r>
+          </a:p>
+        </p:txBody>
+      </p:sp>
+      <p:sp>
+        <p:nvSpPr>
+          <p:cNvPr id="4" name="Footer Placeholder 3">
+            <a:extLst>
+              <a:ext uri="{FF2B5EF4-FFF2-40B4-BE49-F238E27FC236}">
+                <a16:creationId xmlns:a16="http://schemas.microsoft.com/office/drawing/2014/main" id="{638E7DE1-45EE-476A-A474-0F3C264AEDA3}"/>
+              </a:ext>
+            </a:extLst>
+          </p:cNvPr>
+          <p:cNvSpPr>
+            <a:spLocks noGrp="1"/>
+          </p:cNvSpPr>
+          <p:nvPr>
+            <p:ph type="ftr" sz="quarter" idx="11"/>
+          </p:nvPr>
+        </p:nvSpPr>
+        <p:spPr>
+          <a:xfrm>
+            <a:off x="0" y="6139541"/>
+            <a:ext cx="12192000" cy="718459"/>
+          </a:xfrm>
+          <a:ln w="28575">
+            <a:solidFill>
+              <a:schemeClr val="accent5">
+                <a:lumMod val="50000"/>
+              </a:schemeClr>
+            </a:solidFill>
+          </a:ln>
+        </p:spPr>
+        <p:txBody>
+          <a:bodyPr/>
+          <a:lstStyle/>
+          <a:p>
+            <a:pPr algn="r"/>
+            <a:r>
+              <a:rPr lang="en-PH" b="1" dirty="0">
+                <a:solidFill>
+                  <a:schemeClr val="tx1"/>
+                </a:solidFill>
+              </a:rPr>
+              <a:t>CCALCOMP</a:t>
+            </a:r>
+          </a:p>
+        </p:txBody>
+      </p:sp>
+      <p:sp>
+        <p:nvSpPr>
+          <p:cNvPr id="10" name="TextBox 9">
+            <a:extLst>
+              <a:ext uri="{FF2B5EF4-FFF2-40B4-BE49-F238E27FC236}">
+                <a16:creationId xmlns:a16="http://schemas.microsoft.com/office/drawing/2014/main" id="{458F01E5-9DD2-5DD7-64D3-82538770E359}"/>
+              </a:ext>
+            </a:extLst>
+          </p:cNvPr>
+          <p:cNvSpPr txBox="1"/>
+          <p:nvPr/>
+        </p:nvSpPr>
+        <p:spPr>
+          <a:xfrm>
+            <a:off x="525611" y="1215609"/>
+            <a:ext cx="11261228" cy="4524315"/>
+          </a:xfrm>
+          <a:prstGeom prst="rect">
+            <a:avLst/>
+          </a:prstGeom>
+          <a:noFill/>
+        </p:spPr>
+        <p:txBody>
+          <a:bodyPr wrap="square">
+            <a:spAutoFit/>
+          </a:bodyPr>
+          <a:lstStyle/>
+          <a:p>
+            <a:r>
+              <a:rPr lang="en-US" sz="2400" dirty="0"/>
+              <a:t>The mathematical techniques and procedures that you have learned and used up until now are founded on this theoretical side of mathematics. </a:t>
+            </a:r>
+          </a:p>
+          <a:p>
+            <a:endParaRPr lang="en-US" sz="2400" dirty="0"/>
+          </a:p>
+          <a:p>
+            <a:r>
+              <a:rPr lang="en-US" sz="2400" dirty="0"/>
+              <a:t>For example, in computing the area under a curve, you use the fundamental theorem of calculus. It is because this theorem is true that your answer is correct. </a:t>
+            </a:r>
+          </a:p>
+          <a:p>
+            <a:endParaRPr lang="en-US" sz="2400" dirty="0"/>
+          </a:p>
+          <a:p>
+            <a:r>
+              <a:rPr lang="en-US" sz="2400" dirty="0"/>
+              <a:t>However, in learning calculus you were probably far more concerned with how that theorem could be applied than in understanding why it is true. But how do we know it is true? </a:t>
+            </a:r>
+          </a:p>
+          <a:p>
+            <a:endParaRPr lang="en-US" sz="2400" dirty="0"/>
+          </a:p>
+          <a:p>
+            <a:r>
+              <a:rPr lang="en-US" sz="2400" dirty="0"/>
+              <a:t>How can we convince ourselves or others of its validity? Questions of this nature belong to the theoretical realm of mathematics.</a:t>
+            </a:r>
+            <a:endParaRPr lang="el-GR" sz="2400" dirty="0"/>
+          </a:p>
+        </p:txBody>
+      </p:sp>
+    </p:spTree>
+    <p:extLst>
+      <p:ext uri="{BB962C8B-B14F-4D97-AF65-F5344CB8AC3E}">
+        <p14:creationId xmlns:p14="http://schemas.microsoft.com/office/powerpoint/2010/main" val="2102612673"/>
+      </p:ext>
+    </p:extLst>
+  </p:cSld>
+  <p:clrMapOvr>
+    <a:masterClrMapping/>
+  </p:clrMapOvr>
+</p:sld>
+</file>
+
+<file path=ppt/slides/slide6.xml><?xml version="1.0" encoding="utf-8"?>
+<p:sld xmlns:a="http://schemas.openxmlformats.org/drawingml/2006/main" xmlns:r="http://schemas.openxmlformats.org/officeDocument/2006/relationships" xmlns:p="http://schemas.openxmlformats.org/presentationml/2006/main">
+  <p:cSld>
+    <p:bg>
+      <p:bgPr>
+        <a:blipFill dpi="0" rotWithShape="1">
+          <a:blip r:embed="rId3">
+            <a:alphaModFix amt="99000"/>
+            <a:lum/>
+          </a:blip>
+          <a:srcRect/>
+          <a:stretch>
+            <a:fillRect t="89000" r="85000" b="-1000"/>
+          </a:stretch>
+        </a:blipFill>
+        <a:effectLst/>
+      </p:bgPr>
+    </p:bg>
+    <p:spTree>
+      <p:nvGrpSpPr>
+        <p:cNvPr id="1" name=""/>
+        <p:cNvGrpSpPr/>
+        <p:nvPr/>
+      </p:nvGrpSpPr>
+      <p:grpSpPr>
+        <a:xfrm>
+          <a:off x="0" y="0"/>
+          <a:ext cx="0" cy="0"/>
+          <a:chOff x="0" y="0"/>
+          <a:chExt cx="0" cy="0"/>
+        </a:xfrm>
+      </p:grpSpPr>
+      <p:sp>
+        <p:nvSpPr>
+          <p:cNvPr id="2" name="Title 1">
+            <a:extLst>
+              <a:ext uri="{FF2B5EF4-FFF2-40B4-BE49-F238E27FC236}">
+                <a16:creationId xmlns:a16="http://schemas.microsoft.com/office/drawing/2014/main" id="{6A3DCE86-C2BA-4713-9E7A-73589E8D6CCF}"/>
+              </a:ext>
+            </a:extLst>
+          </p:cNvPr>
+          <p:cNvSpPr>
+            <a:spLocks noGrp="1"/>
+          </p:cNvSpPr>
+          <p:nvPr>
+            <p:ph type="ctrTitle"/>
+          </p:nvPr>
+        </p:nvSpPr>
+        <p:spPr>
+          <a:xfrm>
+            <a:off x="1524000" y="497150"/>
+            <a:ext cx="9144000" cy="718459"/>
+          </a:xfrm>
+        </p:spPr>
+        <p:txBody>
+          <a:bodyPr>
+            <a:normAutofit fontScale="90000"/>
+          </a:bodyPr>
+          <a:lstStyle/>
+          <a:p>
+            <a:r>
+              <a:rPr lang="en-PH" b="1" dirty="0"/>
+              <a:t>Introduction to Proofs</a:t>
+            </a:r>
+          </a:p>
+        </p:txBody>
+      </p:sp>
+      <p:sp>
+        <p:nvSpPr>
+          <p:cNvPr id="4" name="Footer Placeholder 3">
+            <a:extLst>
+              <a:ext uri="{FF2B5EF4-FFF2-40B4-BE49-F238E27FC236}">
+                <a16:creationId xmlns:a16="http://schemas.microsoft.com/office/drawing/2014/main" id="{638E7DE1-45EE-476A-A474-0F3C264AEDA3}"/>
+              </a:ext>
+            </a:extLst>
+          </p:cNvPr>
+          <p:cNvSpPr>
+            <a:spLocks noGrp="1"/>
+          </p:cNvSpPr>
+          <p:nvPr>
+            <p:ph type="ftr" sz="quarter" idx="11"/>
+          </p:nvPr>
+        </p:nvSpPr>
+        <p:spPr>
+          <a:xfrm>
+            <a:off x="0" y="6139541"/>
+            <a:ext cx="12192000" cy="718459"/>
+          </a:xfrm>
+          <a:ln w="28575">
+            <a:solidFill>
+              <a:schemeClr val="accent5">
+                <a:lumMod val="50000"/>
+              </a:schemeClr>
+            </a:solidFill>
+          </a:ln>
+        </p:spPr>
+        <p:txBody>
+          <a:bodyPr/>
+          <a:lstStyle/>
+          <a:p>
+            <a:pPr algn="r"/>
+            <a:r>
+              <a:rPr lang="en-PH" b="1" dirty="0">
+                <a:solidFill>
+                  <a:schemeClr val="tx1"/>
+                </a:solidFill>
+              </a:rPr>
+              <a:t>CCALCOMP</a:t>
+            </a:r>
+          </a:p>
+        </p:txBody>
+      </p:sp>
+      <p:sp>
+        <p:nvSpPr>
+          <p:cNvPr id="10" name="TextBox 9">
+            <a:extLst>
+              <a:ext uri="{FF2B5EF4-FFF2-40B4-BE49-F238E27FC236}">
+                <a16:creationId xmlns:a16="http://schemas.microsoft.com/office/drawing/2014/main" id="{458F01E5-9DD2-5DD7-64D3-82538770E359}"/>
+              </a:ext>
+            </a:extLst>
+          </p:cNvPr>
+          <p:cNvSpPr txBox="1"/>
+          <p:nvPr/>
+        </p:nvSpPr>
+        <p:spPr>
+          <a:xfrm>
+            <a:off x="525611" y="1215609"/>
+            <a:ext cx="11261228" cy="2677656"/>
+          </a:xfrm>
+          <a:prstGeom prst="rect">
+            <a:avLst/>
+          </a:prstGeom>
+          <a:noFill/>
+        </p:spPr>
+        <p:txBody>
+          <a:bodyPr wrap="square">
+            <a:spAutoFit/>
+          </a:bodyPr>
+          <a:lstStyle/>
+          <a:p>
+            <a:r>
+              <a:rPr lang="en-US" sz="2400" dirty="0"/>
+              <a:t>You will learn and apply the methods of thought that mathematicians use to verify theorems, explore mathematical truth and create new mathematical theories. </a:t>
+            </a:r>
+          </a:p>
+          <a:p>
+            <a:endParaRPr lang="en-US" sz="2400" dirty="0"/>
+          </a:p>
+          <a:p>
+            <a:r>
+              <a:rPr lang="en-US" sz="2400" dirty="0"/>
+              <a:t>This will prepare you for advanced mathematics courses, for you will be better</a:t>
+            </a:r>
+            <a:br>
+              <a:rPr lang="en-US" sz="2400" dirty="0"/>
+            </a:br>
+            <a:r>
+              <a:rPr lang="en-US" sz="2400" dirty="0"/>
+              <a:t>able to understand proofs, write your own proofs and think critically and</a:t>
+            </a:r>
+            <a:br>
+              <a:rPr lang="en-US" sz="2400" dirty="0"/>
+            </a:br>
+            <a:r>
+              <a:rPr lang="en-US" sz="2400" dirty="0"/>
+              <a:t>inquisitively about mathematics </a:t>
+            </a:r>
+            <a:br>
+              <a:rPr lang="en-US" sz="2400" dirty="0"/>
+            </a:br>
+            <a:endParaRPr lang="el-GR" sz="2400" dirty="0"/>
+          </a:p>
+        </p:txBody>
+      </p:sp>
+    </p:spTree>
+    <p:extLst>
+      <p:ext uri="{BB962C8B-B14F-4D97-AF65-F5344CB8AC3E}">
+        <p14:creationId xmlns:p14="http://schemas.microsoft.com/office/powerpoint/2010/main" val="3927849426"/>
       </p:ext>
     </p:extLst>
   </p:cSld>
@@ -5582,12 +6030,9 @@
 </file>
 
 <file path=customXml/item1.xml><?xml version="1.0" encoding="utf-8"?>
-<?mso-contentType ?>
-<FormTemplates xmlns="http://schemas.microsoft.com/sharepoint/v3/contenttype/forms">
-  <Display>DocumentLibraryForm</Display>
-  <Edit>DocumentLibraryForm</Edit>
-  <New>DocumentLibraryForm</New>
-</FormTemplates>
+<p:properties xmlns:p="http://schemas.microsoft.com/office/2006/metadata/properties" xmlns:xsi="http://www.w3.org/2001/XMLSchema-instance" xmlns:pc="http://schemas.microsoft.com/office/infopath/2007/PartnerControls">
+  <documentManagement/>
+</p:properties>
 </file>
 
 <file path=customXml/item2.xml><?xml version="1.0" encoding="utf-8"?>
@@ -5723,15 +6168,19 @@
 </file>
 
 <file path=customXml/item3.xml><?xml version="1.0" encoding="utf-8"?>
-<p:properties xmlns:p="http://schemas.microsoft.com/office/2006/metadata/properties" xmlns:xsi="http://www.w3.org/2001/XMLSchema-instance" xmlns:pc="http://schemas.microsoft.com/office/infopath/2007/PartnerControls">
-  <documentManagement/>
-</p:properties>
+<?mso-contentType ?>
+<FormTemplates xmlns="http://schemas.microsoft.com/sharepoint/v3/contenttype/forms">
+  <Display>DocumentLibraryForm</Display>
+  <Edit>DocumentLibraryForm</Edit>
+  <New>DocumentLibraryForm</New>
+</FormTemplates>
 </file>
 
 <file path=customXml/itemProps1.xml><?xml version="1.0" encoding="utf-8"?>
-<ds:datastoreItem xmlns:ds="http://schemas.openxmlformats.org/officeDocument/2006/customXml" ds:itemID="{AE0C03B0-3DE5-4BD9-B3BB-6E4919CD06B4}">
+<ds:datastoreItem xmlns:ds="http://schemas.openxmlformats.org/officeDocument/2006/customXml" ds:itemID="{A05518A6-09E4-4E11-AE7D-4C13722BEBC7}">
   <ds:schemaRefs>
-    <ds:schemaRef ds:uri="http://schemas.microsoft.com/sharepoint/v3/contenttype/forms"/>
+    <ds:schemaRef ds:uri="http://schemas.microsoft.com/office/2006/metadata/properties"/>
+    <ds:schemaRef ds:uri="http://schemas.microsoft.com/office/infopath/2007/PartnerControls"/>
   </ds:schemaRefs>
 </ds:datastoreItem>
 </file>
@@ -5755,10 +6204,9 @@
 </file>
 
 <file path=customXml/itemProps3.xml><?xml version="1.0" encoding="utf-8"?>
-<ds:datastoreItem xmlns:ds="http://schemas.openxmlformats.org/officeDocument/2006/customXml" ds:itemID="{A05518A6-09E4-4E11-AE7D-4C13722BEBC7}">
+<ds:datastoreItem xmlns:ds="http://schemas.openxmlformats.org/officeDocument/2006/customXml" ds:itemID="{AE0C03B0-3DE5-4BD9-B3BB-6E4919CD06B4}">
   <ds:schemaRefs>
-    <ds:schemaRef ds:uri="http://schemas.microsoft.com/office/2006/metadata/properties"/>
-    <ds:schemaRef ds:uri="http://schemas.microsoft.com/office/infopath/2007/PartnerControls"/>
+    <ds:schemaRef ds:uri="http://schemas.microsoft.com/sharepoint/v3/contenttype/forms"/>
   </ds:schemaRefs>
 </ds:datastoreItem>
 </file>
--- a/Week 3 - Proofs/Proofs.pptx
+++ b/Week 3 - Proofs/Proofs.pptx
@@ -5,7 +5,7 @@
     <p:sldMasterId id="2147483648" r:id="rId4"/>
   </p:sldMasterIdLst>
   <p:notesMasterIdLst>
-    <p:notesMasterId r:id="rId11"/>
+    <p:notesMasterId r:id="rId18"/>
   </p:notesMasterIdLst>
   <p:sldIdLst>
     <p:sldId id="257" r:id="rId5"/>
@@ -14,6 +14,13 @@
     <p:sldId id="386" r:id="rId8"/>
     <p:sldId id="387" r:id="rId9"/>
     <p:sldId id="388" r:id="rId10"/>
+    <p:sldId id="389" r:id="rId11"/>
+    <p:sldId id="391" r:id="rId12"/>
+    <p:sldId id="390" r:id="rId13"/>
+    <p:sldId id="392" r:id="rId14"/>
+    <p:sldId id="394" r:id="rId15"/>
+    <p:sldId id="393" r:id="rId16"/>
+    <p:sldId id="395" r:id="rId17"/>
   </p:sldIdLst>
   <p:sldSz cx="12192000" cy="6858000"/>
   <p:notesSz cx="6858000" cy="9144000"/>
@@ -202,7 +209,7 @@
           <a:p>
             <a:fld id="{F666E1FD-E7A0-497B-BBC0-740BAAC97C64}" type="datetimeFigureOut">
               <a:rPr lang="en-PH" smtClean="0"/>
-              <a:t>14/04/2024</a:t>
+              <a:t>15/04/2024</a:t>
             </a:fld>
             <a:endParaRPr lang="en-PH"/>
           </a:p>
@@ -554,6 +561,342 @@
 </p:notes>
 </file>
 
+<file path=ppt/notesSlides/notesSlide10.xml><?xml version="1.0" encoding="utf-8"?>
+<p:notes xmlns:a="http://schemas.openxmlformats.org/drawingml/2006/main" xmlns:r="http://schemas.openxmlformats.org/officeDocument/2006/relationships" xmlns:p="http://schemas.openxmlformats.org/presentationml/2006/main">
+  <p:cSld>
+    <p:spTree>
+      <p:nvGrpSpPr>
+        <p:cNvPr id="1" name=""/>
+        <p:cNvGrpSpPr/>
+        <p:nvPr/>
+      </p:nvGrpSpPr>
+      <p:grpSpPr>
+        <a:xfrm>
+          <a:off x="0" y="0"/>
+          <a:ext cx="0" cy="0"/>
+          <a:chOff x="0" y="0"/>
+          <a:chExt cx="0" cy="0"/>
+        </a:xfrm>
+      </p:grpSpPr>
+      <p:sp>
+        <p:nvSpPr>
+          <p:cNvPr id="2" name="Slide Image Placeholder 1"/>
+          <p:cNvSpPr>
+            <a:spLocks noGrp="1" noRot="1" noChangeAspect="1"/>
+          </p:cNvSpPr>
+          <p:nvPr>
+            <p:ph type="sldImg"/>
+          </p:nvPr>
+        </p:nvSpPr>
+        <p:spPr/>
+      </p:sp>
+      <p:sp>
+        <p:nvSpPr>
+          <p:cNvPr id="3" name="Notes Placeholder 2"/>
+          <p:cNvSpPr>
+            <a:spLocks noGrp="1"/>
+          </p:cNvSpPr>
+          <p:nvPr>
+            <p:ph type="body" idx="1"/>
+          </p:nvPr>
+        </p:nvSpPr>
+        <p:spPr/>
+        <p:txBody>
+          <a:bodyPr/>
+          <a:lstStyle/>
+          <a:p>
+            <a:endParaRPr lang="en-PH" dirty="0"/>
+          </a:p>
+        </p:txBody>
+      </p:sp>
+      <p:sp>
+        <p:nvSpPr>
+          <p:cNvPr id="4" name="Slide Number Placeholder 3"/>
+          <p:cNvSpPr>
+            <a:spLocks noGrp="1"/>
+          </p:cNvSpPr>
+          <p:nvPr>
+            <p:ph type="sldNum" sz="quarter" idx="5"/>
+          </p:nvPr>
+        </p:nvSpPr>
+        <p:spPr/>
+        <p:txBody>
+          <a:bodyPr/>
+          <a:lstStyle/>
+          <a:p>
+            <a:fld id="{FE90CCE9-4AAE-4E1F-85AD-521A406D6524}" type="slidenum">
+              <a:rPr lang="en-PH" smtClean="0"/>
+              <a:t>10</a:t>
+            </a:fld>
+            <a:endParaRPr lang="en-PH"/>
+          </a:p>
+        </p:txBody>
+      </p:sp>
+    </p:spTree>
+    <p:extLst>
+      <p:ext uri="{BB962C8B-B14F-4D97-AF65-F5344CB8AC3E}">
+        <p14:creationId xmlns:p14="http://schemas.microsoft.com/office/powerpoint/2010/main" val="1167422763"/>
+      </p:ext>
+    </p:extLst>
+  </p:cSld>
+  <p:clrMapOvr>
+    <a:masterClrMapping/>
+  </p:clrMapOvr>
+</p:notes>
+</file>
+
+<file path=ppt/notesSlides/notesSlide11.xml><?xml version="1.0" encoding="utf-8"?>
+<p:notes xmlns:a="http://schemas.openxmlformats.org/drawingml/2006/main" xmlns:r="http://schemas.openxmlformats.org/officeDocument/2006/relationships" xmlns:p="http://schemas.openxmlformats.org/presentationml/2006/main">
+  <p:cSld>
+    <p:spTree>
+      <p:nvGrpSpPr>
+        <p:cNvPr id="1" name=""/>
+        <p:cNvGrpSpPr/>
+        <p:nvPr/>
+      </p:nvGrpSpPr>
+      <p:grpSpPr>
+        <a:xfrm>
+          <a:off x="0" y="0"/>
+          <a:ext cx="0" cy="0"/>
+          <a:chOff x="0" y="0"/>
+          <a:chExt cx="0" cy="0"/>
+        </a:xfrm>
+      </p:grpSpPr>
+      <p:sp>
+        <p:nvSpPr>
+          <p:cNvPr id="2" name="Slide Image Placeholder 1"/>
+          <p:cNvSpPr>
+            <a:spLocks noGrp="1" noRot="1" noChangeAspect="1"/>
+          </p:cNvSpPr>
+          <p:nvPr>
+            <p:ph type="sldImg"/>
+          </p:nvPr>
+        </p:nvSpPr>
+        <p:spPr/>
+      </p:sp>
+      <p:sp>
+        <p:nvSpPr>
+          <p:cNvPr id="3" name="Notes Placeholder 2"/>
+          <p:cNvSpPr>
+            <a:spLocks noGrp="1"/>
+          </p:cNvSpPr>
+          <p:nvPr>
+            <p:ph type="body" idx="1"/>
+          </p:nvPr>
+        </p:nvSpPr>
+        <p:spPr/>
+        <p:txBody>
+          <a:bodyPr/>
+          <a:lstStyle/>
+          <a:p>
+            <a:endParaRPr lang="en-PH" dirty="0"/>
+          </a:p>
+        </p:txBody>
+      </p:sp>
+      <p:sp>
+        <p:nvSpPr>
+          <p:cNvPr id="4" name="Slide Number Placeholder 3"/>
+          <p:cNvSpPr>
+            <a:spLocks noGrp="1"/>
+          </p:cNvSpPr>
+          <p:nvPr>
+            <p:ph type="sldNum" sz="quarter" idx="5"/>
+          </p:nvPr>
+        </p:nvSpPr>
+        <p:spPr/>
+        <p:txBody>
+          <a:bodyPr/>
+          <a:lstStyle/>
+          <a:p>
+            <a:fld id="{FE90CCE9-4AAE-4E1F-85AD-521A406D6524}" type="slidenum">
+              <a:rPr lang="en-PH" smtClean="0"/>
+              <a:t>11</a:t>
+            </a:fld>
+            <a:endParaRPr lang="en-PH"/>
+          </a:p>
+        </p:txBody>
+      </p:sp>
+    </p:spTree>
+    <p:extLst>
+      <p:ext uri="{BB962C8B-B14F-4D97-AF65-F5344CB8AC3E}">
+        <p14:creationId xmlns:p14="http://schemas.microsoft.com/office/powerpoint/2010/main" val="1333045614"/>
+      </p:ext>
+    </p:extLst>
+  </p:cSld>
+  <p:clrMapOvr>
+    <a:masterClrMapping/>
+  </p:clrMapOvr>
+</p:notes>
+</file>
+
+<file path=ppt/notesSlides/notesSlide12.xml><?xml version="1.0" encoding="utf-8"?>
+<p:notes xmlns:a="http://schemas.openxmlformats.org/drawingml/2006/main" xmlns:r="http://schemas.openxmlformats.org/officeDocument/2006/relationships" xmlns:p="http://schemas.openxmlformats.org/presentationml/2006/main">
+  <p:cSld>
+    <p:spTree>
+      <p:nvGrpSpPr>
+        <p:cNvPr id="1" name=""/>
+        <p:cNvGrpSpPr/>
+        <p:nvPr/>
+      </p:nvGrpSpPr>
+      <p:grpSpPr>
+        <a:xfrm>
+          <a:off x="0" y="0"/>
+          <a:ext cx="0" cy="0"/>
+          <a:chOff x="0" y="0"/>
+          <a:chExt cx="0" cy="0"/>
+        </a:xfrm>
+      </p:grpSpPr>
+      <p:sp>
+        <p:nvSpPr>
+          <p:cNvPr id="2" name="Slide Image Placeholder 1"/>
+          <p:cNvSpPr>
+            <a:spLocks noGrp="1" noRot="1" noChangeAspect="1"/>
+          </p:cNvSpPr>
+          <p:nvPr>
+            <p:ph type="sldImg"/>
+          </p:nvPr>
+        </p:nvSpPr>
+        <p:spPr/>
+      </p:sp>
+      <p:sp>
+        <p:nvSpPr>
+          <p:cNvPr id="3" name="Notes Placeholder 2"/>
+          <p:cNvSpPr>
+            <a:spLocks noGrp="1"/>
+          </p:cNvSpPr>
+          <p:nvPr>
+            <p:ph type="body" idx="1"/>
+          </p:nvPr>
+        </p:nvSpPr>
+        <p:spPr/>
+        <p:txBody>
+          <a:bodyPr/>
+          <a:lstStyle/>
+          <a:p>
+            <a:endParaRPr lang="en-PH" dirty="0"/>
+          </a:p>
+        </p:txBody>
+      </p:sp>
+      <p:sp>
+        <p:nvSpPr>
+          <p:cNvPr id="4" name="Slide Number Placeholder 3"/>
+          <p:cNvSpPr>
+            <a:spLocks noGrp="1"/>
+          </p:cNvSpPr>
+          <p:nvPr>
+            <p:ph type="sldNum" sz="quarter" idx="5"/>
+          </p:nvPr>
+        </p:nvSpPr>
+        <p:spPr/>
+        <p:txBody>
+          <a:bodyPr/>
+          <a:lstStyle/>
+          <a:p>
+            <a:fld id="{FE90CCE9-4AAE-4E1F-85AD-521A406D6524}" type="slidenum">
+              <a:rPr lang="en-PH" smtClean="0"/>
+              <a:t>12</a:t>
+            </a:fld>
+            <a:endParaRPr lang="en-PH"/>
+          </a:p>
+        </p:txBody>
+      </p:sp>
+    </p:spTree>
+    <p:extLst>
+      <p:ext uri="{BB962C8B-B14F-4D97-AF65-F5344CB8AC3E}">
+        <p14:creationId xmlns:p14="http://schemas.microsoft.com/office/powerpoint/2010/main" val="1660560699"/>
+      </p:ext>
+    </p:extLst>
+  </p:cSld>
+  <p:clrMapOvr>
+    <a:masterClrMapping/>
+  </p:clrMapOvr>
+</p:notes>
+</file>
+
+<file path=ppt/notesSlides/notesSlide13.xml><?xml version="1.0" encoding="utf-8"?>
+<p:notes xmlns:a="http://schemas.openxmlformats.org/drawingml/2006/main" xmlns:r="http://schemas.openxmlformats.org/officeDocument/2006/relationships" xmlns:p="http://schemas.openxmlformats.org/presentationml/2006/main">
+  <p:cSld>
+    <p:spTree>
+      <p:nvGrpSpPr>
+        <p:cNvPr id="1" name=""/>
+        <p:cNvGrpSpPr/>
+        <p:nvPr/>
+      </p:nvGrpSpPr>
+      <p:grpSpPr>
+        <a:xfrm>
+          <a:off x="0" y="0"/>
+          <a:ext cx="0" cy="0"/>
+          <a:chOff x="0" y="0"/>
+          <a:chExt cx="0" cy="0"/>
+        </a:xfrm>
+      </p:grpSpPr>
+      <p:sp>
+        <p:nvSpPr>
+          <p:cNvPr id="2" name="Slide Image Placeholder 1"/>
+          <p:cNvSpPr>
+            <a:spLocks noGrp="1" noRot="1" noChangeAspect="1"/>
+          </p:cNvSpPr>
+          <p:nvPr>
+            <p:ph type="sldImg"/>
+          </p:nvPr>
+        </p:nvSpPr>
+        <p:spPr/>
+      </p:sp>
+      <p:sp>
+        <p:nvSpPr>
+          <p:cNvPr id="3" name="Notes Placeholder 2"/>
+          <p:cNvSpPr>
+            <a:spLocks noGrp="1"/>
+          </p:cNvSpPr>
+          <p:nvPr>
+            <p:ph type="body" idx="1"/>
+          </p:nvPr>
+        </p:nvSpPr>
+        <p:spPr/>
+        <p:txBody>
+          <a:bodyPr/>
+          <a:lstStyle/>
+          <a:p>
+            <a:endParaRPr lang="en-PH" dirty="0"/>
+          </a:p>
+        </p:txBody>
+      </p:sp>
+      <p:sp>
+        <p:nvSpPr>
+          <p:cNvPr id="4" name="Slide Number Placeholder 3"/>
+          <p:cNvSpPr>
+            <a:spLocks noGrp="1"/>
+          </p:cNvSpPr>
+          <p:nvPr>
+            <p:ph type="sldNum" sz="quarter" idx="5"/>
+          </p:nvPr>
+        </p:nvSpPr>
+        <p:spPr/>
+        <p:txBody>
+          <a:bodyPr/>
+          <a:lstStyle/>
+          <a:p>
+            <a:fld id="{FE90CCE9-4AAE-4E1F-85AD-521A406D6524}" type="slidenum">
+              <a:rPr lang="en-PH" smtClean="0"/>
+              <a:t>13</a:t>
+            </a:fld>
+            <a:endParaRPr lang="en-PH"/>
+          </a:p>
+        </p:txBody>
+      </p:sp>
+    </p:spTree>
+    <p:extLst>
+      <p:ext uri="{BB962C8B-B14F-4D97-AF65-F5344CB8AC3E}">
+        <p14:creationId xmlns:p14="http://schemas.microsoft.com/office/powerpoint/2010/main" val="1339399426"/>
+      </p:ext>
+    </p:extLst>
+  </p:cSld>
+  <p:clrMapOvr>
+    <a:masterClrMapping/>
+  </p:clrMapOvr>
+</p:notes>
+</file>
+
 <file path=ppt/notesSlides/notesSlide2.xml><?xml version="1.0" encoding="utf-8"?>
 <p:notes xmlns:a="http://schemas.openxmlformats.org/drawingml/2006/main" xmlns:r="http://schemas.openxmlformats.org/officeDocument/2006/relationships" xmlns:p="http://schemas.openxmlformats.org/presentationml/2006/main">
   <p:cSld>
@@ -965,6 +1308,258 @@
     <p:extLst>
       <p:ext uri="{BB962C8B-B14F-4D97-AF65-F5344CB8AC3E}">
         <p14:creationId xmlns:p14="http://schemas.microsoft.com/office/powerpoint/2010/main" val="4203301790"/>
+      </p:ext>
+    </p:extLst>
+  </p:cSld>
+  <p:clrMapOvr>
+    <a:masterClrMapping/>
+  </p:clrMapOvr>
+</p:notes>
+</file>
+
+<file path=ppt/notesSlides/notesSlide7.xml><?xml version="1.0" encoding="utf-8"?>
+<p:notes xmlns:a="http://schemas.openxmlformats.org/drawingml/2006/main" xmlns:r="http://schemas.openxmlformats.org/officeDocument/2006/relationships" xmlns:p="http://schemas.openxmlformats.org/presentationml/2006/main">
+  <p:cSld>
+    <p:spTree>
+      <p:nvGrpSpPr>
+        <p:cNvPr id="1" name=""/>
+        <p:cNvGrpSpPr/>
+        <p:nvPr/>
+      </p:nvGrpSpPr>
+      <p:grpSpPr>
+        <a:xfrm>
+          <a:off x="0" y="0"/>
+          <a:ext cx="0" cy="0"/>
+          <a:chOff x="0" y="0"/>
+          <a:chExt cx="0" cy="0"/>
+        </a:xfrm>
+      </p:grpSpPr>
+      <p:sp>
+        <p:nvSpPr>
+          <p:cNvPr id="2" name="Slide Image Placeholder 1"/>
+          <p:cNvSpPr>
+            <a:spLocks noGrp="1" noRot="1" noChangeAspect="1"/>
+          </p:cNvSpPr>
+          <p:nvPr>
+            <p:ph type="sldImg"/>
+          </p:nvPr>
+        </p:nvSpPr>
+        <p:spPr/>
+      </p:sp>
+      <p:sp>
+        <p:nvSpPr>
+          <p:cNvPr id="3" name="Notes Placeholder 2"/>
+          <p:cNvSpPr>
+            <a:spLocks noGrp="1"/>
+          </p:cNvSpPr>
+          <p:nvPr>
+            <p:ph type="body" idx="1"/>
+          </p:nvPr>
+        </p:nvSpPr>
+        <p:spPr/>
+        <p:txBody>
+          <a:bodyPr/>
+          <a:lstStyle/>
+          <a:p>
+            <a:endParaRPr lang="en-PH" dirty="0"/>
+          </a:p>
+        </p:txBody>
+      </p:sp>
+      <p:sp>
+        <p:nvSpPr>
+          <p:cNvPr id="4" name="Slide Number Placeholder 3"/>
+          <p:cNvSpPr>
+            <a:spLocks noGrp="1"/>
+          </p:cNvSpPr>
+          <p:nvPr>
+            <p:ph type="sldNum" sz="quarter" idx="5"/>
+          </p:nvPr>
+        </p:nvSpPr>
+        <p:spPr/>
+        <p:txBody>
+          <a:bodyPr/>
+          <a:lstStyle/>
+          <a:p>
+            <a:fld id="{FE90CCE9-4AAE-4E1F-85AD-521A406D6524}" type="slidenum">
+              <a:rPr lang="en-PH" smtClean="0"/>
+              <a:t>7</a:t>
+            </a:fld>
+            <a:endParaRPr lang="en-PH"/>
+          </a:p>
+        </p:txBody>
+      </p:sp>
+    </p:spTree>
+    <p:extLst>
+      <p:ext uri="{BB962C8B-B14F-4D97-AF65-F5344CB8AC3E}">
+        <p14:creationId xmlns:p14="http://schemas.microsoft.com/office/powerpoint/2010/main" val="2030977853"/>
+      </p:ext>
+    </p:extLst>
+  </p:cSld>
+  <p:clrMapOvr>
+    <a:masterClrMapping/>
+  </p:clrMapOvr>
+</p:notes>
+</file>
+
+<file path=ppt/notesSlides/notesSlide8.xml><?xml version="1.0" encoding="utf-8"?>
+<p:notes xmlns:a="http://schemas.openxmlformats.org/drawingml/2006/main" xmlns:r="http://schemas.openxmlformats.org/officeDocument/2006/relationships" xmlns:p="http://schemas.openxmlformats.org/presentationml/2006/main">
+  <p:cSld>
+    <p:spTree>
+      <p:nvGrpSpPr>
+        <p:cNvPr id="1" name=""/>
+        <p:cNvGrpSpPr/>
+        <p:nvPr/>
+      </p:nvGrpSpPr>
+      <p:grpSpPr>
+        <a:xfrm>
+          <a:off x="0" y="0"/>
+          <a:ext cx="0" cy="0"/>
+          <a:chOff x="0" y="0"/>
+          <a:chExt cx="0" cy="0"/>
+        </a:xfrm>
+      </p:grpSpPr>
+      <p:sp>
+        <p:nvSpPr>
+          <p:cNvPr id="2" name="Slide Image Placeholder 1"/>
+          <p:cNvSpPr>
+            <a:spLocks noGrp="1" noRot="1" noChangeAspect="1"/>
+          </p:cNvSpPr>
+          <p:nvPr>
+            <p:ph type="sldImg"/>
+          </p:nvPr>
+        </p:nvSpPr>
+        <p:spPr/>
+      </p:sp>
+      <p:sp>
+        <p:nvSpPr>
+          <p:cNvPr id="3" name="Notes Placeholder 2"/>
+          <p:cNvSpPr>
+            <a:spLocks noGrp="1"/>
+          </p:cNvSpPr>
+          <p:nvPr>
+            <p:ph type="body" idx="1"/>
+          </p:nvPr>
+        </p:nvSpPr>
+        <p:spPr/>
+        <p:txBody>
+          <a:bodyPr/>
+          <a:lstStyle/>
+          <a:p>
+            <a:endParaRPr lang="en-PH" dirty="0"/>
+          </a:p>
+        </p:txBody>
+      </p:sp>
+      <p:sp>
+        <p:nvSpPr>
+          <p:cNvPr id="4" name="Slide Number Placeholder 3"/>
+          <p:cNvSpPr>
+            <a:spLocks noGrp="1"/>
+          </p:cNvSpPr>
+          <p:nvPr>
+            <p:ph type="sldNum" sz="quarter" idx="5"/>
+          </p:nvPr>
+        </p:nvSpPr>
+        <p:spPr/>
+        <p:txBody>
+          <a:bodyPr/>
+          <a:lstStyle/>
+          <a:p>
+            <a:fld id="{FE90CCE9-4AAE-4E1F-85AD-521A406D6524}" type="slidenum">
+              <a:rPr lang="en-PH" smtClean="0"/>
+              <a:t>8</a:t>
+            </a:fld>
+            <a:endParaRPr lang="en-PH"/>
+          </a:p>
+        </p:txBody>
+      </p:sp>
+    </p:spTree>
+    <p:extLst>
+      <p:ext uri="{BB962C8B-B14F-4D97-AF65-F5344CB8AC3E}">
+        <p14:creationId xmlns:p14="http://schemas.microsoft.com/office/powerpoint/2010/main" val="4234943169"/>
+      </p:ext>
+    </p:extLst>
+  </p:cSld>
+  <p:clrMapOvr>
+    <a:masterClrMapping/>
+  </p:clrMapOvr>
+</p:notes>
+</file>
+
+<file path=ppt/notesSlides/notesSlide9.xml><?xml version="1.0" encoding="utf-8"?>
+<p:notes xmlns:a="http://schemas.openxmlformats.org/drawingml/2006/main" xmlns:r="http://schemas.openxmlformats.org/officeDocument/2006/relationships" xmlns:p="http://schemas.openxmlformats.org/presentationml/2006/main">
+  <p:cSld>
+    <p:spTree>
+      <p:nvGrpSpPr>
+        <p:cNvPr id="1" name=""/>
+        <p:cNvGrpSpPr/>
+        <p:nvPr/>
+      </p:nvGrpSpPr>
+      <p:grpSpPr>
+        <a:xfrm>
+          <a:off x="0" y="0"/>
+          <a:ext cx="0" cy="0"/>
+          <a:chOff x="0" y="0"/>
+          <a:chExt cx="0" cy="0"/>
+        </a:xfrm>
+      </p:grpSpPr>
+      <p:sp>
+        <p:nvSpPr>
+          <p:cNvPr id="2" name="Slide Image Placeholder 1"/>
+          <p:cNvSpPr>
+            <a:spLocks noGrp="1" noRot="1" noChangeAspect="1"/>
+          </p:cNvSpPr>
+          <p:nvPr>
+            <p:ph type="sldImg"/>
+          </p:nvPr>
+        </p:nvSpPr>
+        <p:spPr/>
+      </p:sp>
+      <p:sp>
+        <p:nvSpPr>
+          <p:cNvPr id="3" name="Notes Placeholder 2"/>
+          <p:cNvSpPr>
+            <a:spLocks noGrp="1"/>
+          </p:cNvSpPr>
+          <p:nvPr>
+            <p:ph type="body" idx="1"/>
+          </p:nvPr>
+        </p:nvSpPr>
+        <p:spPr/>
+        <p:txBody>
+          <a:bodyPr/>
+          <a:lstStyle/>
+          <a:p>
+            <a:endParaRPr lang="en-PH" dirty="0"/>
+          </a:p>
+        </p:txBody>
+      </p:sp>
+      <p:sp>
+        <p:nvSpPr>
+          <p:cNvPr id="4" name="Slide Number Placeholder 3"/>
+          <p:cNvSpPr>
+            <a:spLocks noGrp="1"/>
+          </p:cNvSpPr>
+          <p:nvPr>
+            <p:ph type="sldNum" sz="quarter" idx="5"/>
+          </p:nvPr>
+        </p:nvSpPr>
+        <p:spPr/>
+        <p:txBody>
+          <a:bodyPr/>
+          <a:lstStyle/>
+          <a:p>
+            <a:fld id="{FE90CCE9-4AAE-4E1F-85AD-521A406D6524}" type="slidenum">
+              <a:rPr lang="en-PH" smtClean="0"/>
+              <a:t>9</a:t>
+            </a:fld>
+            <a:endParaRPr lang="en-PH"/>
+          </a:p>
+        </p:txBody>
+      </p:sp>
+    </p:spTree>
+    <p:extLst>
+      <p:ext uri="{BB962C8B-B14F-4D97-AF65-F5344CB8AC3E}">
+        <p14:creationId xmlns:p14="http://schemas.microsoft.com/office/powerpoint/2010/main" val="112108936"/>
       </p:ext>
     </p:extLst>
   </p:cSld>
@@ -1123,7 +1718,7 @@
           <a:p>
             <a:fld id="{0CCF0B81-6BD8-4C65-9459-815598C5F1F4}" type="datetimeFigureOut">
               <a:rPr lang="en-PH" smtClean="0"/>
-              <a:t>14/04/2024</a:t>
+              <a:t>15/04/2024</a:t>
             </a:fld>
             <a:endParaRPr lang="en-PH"/>
           </a:p>
@@ -1323,7 +1918,7 @@
           <a:p>
             <a:fld id="{0CCF0B81-6BD8-4C65-9459-815598C5F1F4}" type="datetimeFigureOut">
               <a:rPr lang="en-PH" smtClean="0"/>
-              <a:t>14/04/2024</a:t>
+              <a:t>15/04/2024</a:t>
             </a:fld>
             <a:endParaRPr lang="en-PH"/>
           </a:p>
@@ -1533,7 +2128,7 @@
           <a:p>
             <a:fld id="{0CCF0B81-6BD8-4C65-9459-815598C5F1F4}" type="datetimeFigureOut">
               <a:rPr lang="en-PH" smtClean="0"/>
-              <a:t>14/04/2024</a:t>
+              <a:t>15/04/2024</a:t>
             </a:fld>
             <a:endParaRPr lang="en-PH"/>
           </a:p>
@@ -1733,7 +2328,7 @@
           <a:p>
             <a:fld id="{0CCF0B81-6BD8-4C65-9459-815598C5F1F4}" type="datetimeFigureOut">
               <a:rPr lang="en-PH" smtClean="0"/>
-              <a:t>14/04/2024</a:t>
+              <a:t>15/04/2024</a:t>
             </a:fld>
             <a:endParaRPr lang="en-PH"/>
           </a:p>
@@ -2009,7 +2604,7 @@
           <a:p>
             <a:fld id="{0CCF0B81-6BD8-4C65-9459-815598C5F1F4}" type="datetimeFigureOut">
               <a:rPr lang="en-PH" smtClean="0"/>
-              <a:t>14/04/2024</a:t>
+              <a:t>15/04/2024</a:t>
             </a:fld>
             <a:endParaRPr lang="en-PH"/>
           </a:p>
@@ -2277,7 +2872,7 @@
           <a:p>
             <a:fld id="{0CCF0B81-6BD8-4C65-9459-815598C5F1F4}" type="datetimeFigureOut">
               <a:rPr lang="en-PH" smtClean="0"/>
-              <a:t>14/04/2024</a:t>
+              <a:t>15/04/2024</a:t>
             </a:fld>
             <a:endParaRPr lang="en-PH"/>
           </a:p>
@@ -2692,7 +3287,7 @@
           <a:p>
             <a:fld id="{0CCF0B81-6BD8-4C65-9459-815598C5F1F4}" type="datetimeFigureOut">
               <a:rPr lang="en-PH" smtClean="0"/>
-              <a:t>14/04/2024</a:t>
+              <a:t>15/04/2024</a:t>
             </a:fld>
             <a:endParaRPr lang="en-PH"/>
           </a:p>
@@ -2834,7 +3429,7 @@
           <a:p>
             <a:fld id="{0CCF0B81-6BD8-4C65-9459-815598C5F1F4}" type="datetimeFigureOut">
               <a:rPr lang="en-PH" smtClean="0"/>
-              <a:t>14/04/2024</a:t>
+              <a:t>15/04/2024</a:t>
             </a:fld>
             <a:endParaRPr lang="en-PH"/>
           </a:p>
@@ -2947,7 +3542,7 @@
           <a:p>
             <a:fld id="{0CCF0B81-6BD8-4C65-9459-815598C5F1F4}" type="datetimeFigureOut">
               <a:rPr lang="en-PH" smtClean="0"/>
-              <a:t>14/04/2024</a:t>
+              <a:t>15/04/2024</a:t>
             </a:fld>
             <a:endParaRPr lang="en-PH"/>
           </a:p>
@@ -3260,7 +3855,7 @@
           <a:p>
             <a:fld id="{0CCF0B81-6BD8-4C65-9459-815598C5F1F4}" type="datetimeFigureOut">
               <a:rPr lang="en-PH" smtClean="0"/>
-              <a:t>14/04/2024</a:t>
+              <a:t>15/04/2024</a:t>
             </a:fld>
             <a:endParaRPr lang="en-PH"/>
           </a:p>
@@ -3549,7 +4144,7 @@
           <a:p>
             <a:fld id="{0CCF0B81-6BD8-4C65-9459-815598C5F1F4}" type="datetimeFigureOut">
               <a:rPr lang="en-PH" smtClean="0"/>
-              <a:t>14/04/2024</a:t>
+              <a:t>15/04/2024</a:t>
             </a:fld>
             <a:endParaRPr lang="en-PH"/>
           </a:p>
@@ -3792,7 +4387,7 @@
           <a:p>
             <a:fld id="{0CCF0B81-6BD8-4C65-9459-815598C5F1F4}" type="datetimeFigureOut">
               <a:rPr lang="en-PH" smtClean="0"/>
-              <a:t>14/04/2024</a:t>
+              <a:t>15/04/2024</a:t>
             </a:fld>
             <a:endParaRPr lang="en-PH"/>
           </a:p>
@@ -4380,6 +4975,1348 @@
 </p:sld>
 </file>
 
+<file path=ppt/slides/slide10.xml><?xml version="1.0" encoding="utf-8"?>
+<p:sld xmlns:a="http://schemas.openxmlformats.org/drawingml/2006/main" xmlns:r="http://schemas.openxmlformats.org/officeDocument/2006/relationships" xmlns:p="http://schemas.openxmlformats.org/presentationml/2006/main">
+  <p:cSld>
+    <p:bg>
+      <p:bgPr>
+        <a:blipFill dpi="0" rotWithShape="1">
+          <a:blip r:embed="rId3">
+            <a:alphaModFix amt="99000"/>
+            <a:lum/>
+          </a:blip>
+          <a:srcRect/>
+          <a:stretch>
+            <a:fillRect t="89000" r="85000" b="-1000"/>
+          </a:stretch>
+        </a:blipFill>
+        <a:effectLst/>
+      </p:bgPr>
+    </p:bg>
+    <p:spTree>
+      <p:nvGrpSpPr>
+        <p:cNvPr id="1" name=""/>
+        <p:cNvGrpSpPr/>
+        <p:nvPr/>
+      </p:nvGrpSpPr>
+      <p:grpSpPr>
+        <a:xfrm>
+          <a:off x="0" y="0"/>
+          <a:ext cx="0" cy="0"/>
+          <a:chOff x="0" y="0"/>
+          <a:chExt cx="0" cy="0"/>
+        </a:xfrm>
+      </p:grpSpPr>
+      <p:sp>
+        <p:nvSpPr>
+          <p:cNvPr id="2" name="Title 1">
+            <a:extLst>
+              <a:ext uri="{FF2B5EF4-FFF2-40B4-BE49-F238E27FC236}">
+                <a16:creationId xmlns:a16="http://schemas.microsoft.com/office/drawing/2014/main" id="{6A3DCE86-C2BA-4713-9E7A-73589E8D6CCF}"/>
+              </a:ext>
+            </a:extLst>
+          </p:cNvPr>
+          <p:cNvSpPr>
+            <a:spLocks noGrp="1"/>
+          </p:cNvSpPr>
+          <p:nvPr>
+            <p:ph type="ctrTitle"/>
+          </p:nvPr>
+        </p:nvSpPr>
+        <p:spPr>
+          <a:xfrm>
+            <a:off x="1524000" y="497150"/>
+            <a:ext cx="9144000" cy="718459"/>
+          </a:xfrm>
+        </p:spPr>
+        <p:txBody>
+          <a:bodyPr>
+            <a:normAutofit fontScale="90000"/>
+          </a:bodyPr>
+          <a:lstStyle/>
+          <a:p>
+            <a:r>
+              <a:rPr lang="en-PH" b="1" dirty="0"/>
+              <a:t>Introduction to Proofs</a:t>
+            </a:r>
+          </a:p>
+        </p:txBody>
+      </p:sp>
+      <p:sp>
+        <p:nvSpPr>
+          <p:cNvPr id="4" name="Footer Placeholder 3">
+            <a:extLst>
+              <a:ext uri="{FF2B5EF4-FFF2-40B4-BE49-F238E27FC236}">
+                <a16:creationId xmlns:a16="http://schemas.microsoft.com/office/drawing/2014/main" id="{638E7DE1-45EE-476A-A474-0F3C264AEDA3}"/>
+              </a:ext>
+            </a:extLst>
+          </p:cNvPr>
+          <p:cNvSpPr>
+            <a:spLocks noGrp="1"/>
+          </p:cNvSpPr>
+          <p:nvPr>
+            <p:ph type="ftr" sz="quarter" idx="11"/>
+          </p:nvPr>
+        </p:nvSpPr>
+        <p:spPr>
+          <a:xfrm>
+            <a:off x="0" y="6139541"/>
+            <a:ext cx="12192000" cy="718459"/>
+          </a:xfrm>
+          <a:ln w="28575">
+            <a:solidFill>
+              <a:schemeClr val="accent5">
+                <a:lumMod val="50000"/>
+              </a:schemeClr>
+            </a:solidFill>
+          </a:ln>
+        </p:spPr>
+        <p:txBody>
+          <a:bodyPr/>
+          <a:lstStyle/>
+          <a:p>
+            <a:pPr algn="r"/>
+            <a:r>
+              <a:rPr lang="en-PH" b="1" dirty="0">
+                <a:solidFill>
+                  <a:schemeClr val="tx1"/>
+                </a:solidFill>
+              </a:rPr>
+              <a:t>CCALCOMP</a:t>
+            </a:r>
+          </a:p>
+        </p:txBody>
+      </p:sp>
+      <p:sp>
+        <p:nvSpPr>
+          <p:cNvPr id="5" name="TextBox 4">
+            <a:extLst>
+              <a:ext uri="{FF2B5EF4-FFF2-40B4-BE49-F238E27FC236}">
+                <a16:creationId xmlns:a16="http://schemas.microsoft.com/office/drawing/2014/main" id="{5B5C1CA4-6432-6574-DDA9-DFF962BC063B}"/>
+              </a:ext>
+            </a:extLst>
+          </p:cNvPr>
+          <p:cNvSpPr txBox="1"/>
+          <p:nvPr/>
+        </p:nvSpPr>
+        <p:spPr>
+          <a:xfrm>
+            <a:off x="2438120" y="1703342"/>
+            <a:ext cx="7315760" cy="461665"/>
+          </a:xfrm>
+          <a:prstGeom prst="rect">
+            <a:avLst/>
+          </a:prstGeom>
+          <a:ln w="38100"/>
+        </p:spPr>
+        <p:style>
+          <a:lnRef idx="2">
+            <a:schemeClr val="accent2"/>
+          </a:lnRef>
+          <a:fillRef idx="1">
+            <a:schemeClr val="lt1"/>
+          </a:fillRef>
+          <a:effectRef idx="0">
+            <a:schemeClr val="accent2"/>
+          </a:effectRef>
+          <a:fontRef idx="minor">
+            <a:schemeClr val="dk1"/>
+          </a:fontRef>
+        </p:style>
+        <p:txBody>
+          <a:bodyPr wrap="square">
+            <a:spAutoFit/>
+          </a:bodyPr>
+          <a:lstStyle/>
+          <a:p>
+            <a:pPr lvl="1"/>
+            <a:r>
+              <a:rPr lang="en-US" sz="2400" dirty="0">
+                <a:latin typeface="Cambria Math" panose="02040503050406030204" pitchFamily="18" charset="0"/>
+                <a:ea typeface="Cambria Math" panose="02040503050406030204" pitchFamily="18" charset="0"/>
+              </a:rPr>
+              <a:t>The sum of any two consecutive numbers is odd. </a:t>
+            </a:r>
+          </a:p>
+        </p:txBody>
+      </p:sp>
+      <mc:AlternateContent xmlns:mc="http://schemas.openxmlformats.org/markup-compatibility/2006">
+        <mc:Choice xmlns:a14="http://schemas.microsoft.com/office/drawing/2010/main" Requires="a14">
+          <p:sp>
+            <p:nvSpPr>
+              <p:cNvPr id="6" name="TextBox 5">
+                <a:extLst>
+                  <a:ext uri="{FF2B5EF4-FFF2-40B4-BE49-F238E27FC236}">
+                    <a16:creationId xmlns:a16="http://schemas.microsoft.com/office/drawing/2014/main" id="{767E91CD-3482-885C-EF95-3B159020DE89}"/>
+                  </a:ext>
+                </a:extLst>
+              </p:cNvPr>
+              <p:cNvSpPr txBox="1"/>
+              <p:nvPr/>
+            </p:nvSpPr>
+            <p:spPr>
+              <a:xfrm>
+                <a:off x="994693" y="2741210"/>
+                <a:ext cx="10202614" cy="461665"/>
+              </a:xfrm>
+              <a:prstGeom prst="rect">
+                <a:avLst/>
+              </a:prstGeom>
+              <a:noFill/>
+            </p:spPr>
+            <p:txBody>
+              <a:bodyPr wrap="square">
+                <a:spAutoFit/>
+              </a:bodyPr>
+              <a:lstStyle/>
+              <a:p>
+                <a:r>
+                  <a:rPr lang="en-US" sz="2400" dirty="0"/>
+                  <a:t>The statement above may not feel like a </a:t>
+                </a:r>
+                <a14:m>
+                  <m:oMath xmlns:m="http://schemas.openxmlformats.org/officeDocument/2006/math">
+                    <m:r>
+                      <a:rPr lang="en-US" sz="2400" b="0" i="1" smtClean="0">
+                        <a:latin typeface="Cambria Math" panose="02040503050406030204" pitchFamily="18" charset="0"/>
+                        <a:ea typeface="Cambria Math" panose="02040503050406030204" pitchFamily="18" charset="0"/>
+                      </a:rPr>
+                      <m:t>𝑃</m:t>
+                    </m:r>
+                    <m:r>
+                      <a:rPr lang="en-US" sz="2400" b="0" i="1" smtClean="0">
+                        <a:latin typeface="Cambria Math" panose="02040503050406030204" pitchFamily="18" charset="0"/>
+                        <a:ea typeface="Cambria Math" panose="02040503050406030204" pitchFamily="18" charset="0"/>
+                      </a:rPr>
+                      <m:t> ⇒</m:t>
+                    </m:r>
+                    <m:r>
+                      <a:rPr lang="en-US" sz="2400" b="0" i="1" smtClean="0">
+                        <a:latin typeface="Cambria Math" panose="02040503050406030204" pitchFamily="18" charset="0"/>
+                        <a:ea typeface="Cambria Math" panose="02040503050406030204" pitchFamily="18" charset="0"/>
+                      </a:rPr>
+                      <m:t>𝑄</m:t>
+                    </m:r>
+                  </m:oMath>
+                </a14:m>
+                <a:r>
+                  <a:rPr lang="en-US" sz="2400" dirty="0"/>
+                  <a:t> statement, but we can phrase it </a:t>
+                </a:r>
+                <a:endParaRPr lang="el-GR" sz="2400" dirty="0"/>
+              </a:p>
+            </p:txBody>
+          </p:sp>
+        </mc:Choice>
+        <mc:Fallback>
+          <p:sp>
+            <p:nvSpPr>
+              <p:cNvPr id="6" name="TextBox 5">
+                <a:extLst>
+                  <a:ext uri="{FF2B5EF4-FFF2-40B4-BE49-F238E27FC236}">
+                    <a16:creationId xmlns:a16="http://schemas.microsoft.com/office/drawing/2014/main" id="{767E91CD-3482-885C-EF95-3B159020DE89}"/>
+                  </a:ext>
+                </a:extLst>
+              </p:cNvPr>
+              <p:cNvSpPr txBox="1">
+                <a:spLocks noRot="1" noChangeAspect="1" noMove="1" noResize="1" noEditPoints="1" noAdjustHandles="1" noChangeArrowheads="1" noChangeShapeType="1" noTextEdit="1"/>
+              </p:cNvSpPr>
+              <p:nvPr/>
+            </p:nvSpPr>
+            <p:spPr>
+              <a:xfrm>
+                <a:off x="994693" y="2741210"/>
+                <a:ext cx="10202614" cy="461665"/>
+              </a:xfrm>
+              <a:prstGeom prst="rect">
+                <a:avLst/>
+              </a:prstGeom>
+              <a:blipFill>
+                <a:blip r:embed="rId4"/>
+                <a:stretch>
+                  <a:fillRect l="-896" t="-10667" r="-239" b="-30667"/>
+                </a:stretch>
+              </a:blipFill>
+            </p:spPr>
+            <p:txBody>
+              <a:bodyPr/>
+              <a:lstStyle/>
+              <a:p>
+                <a:r>
+                  <a:rPr lang="en-PH">
+                    <a:noFill/>
+                  </a:rPr>
+                  <a:t> </a:t>
+                </a:r>
+              </a:p>
+            </p:txBody>
+          </p:sp>
+        </mc:Fallback>
+      </mc:AlternateContent>
+      <p:sp>
+        <p:nvSpPr>
+          <p:cNvPr id="7" name="TextBox 6">
+            <a:extLst>
+              <a:ext uri="{FF2B5EF4-FFF2-40B4-BE49-F238E27FC236}">
+                <a16:creationId xmlns:a16="http://schemas.microsoft.com/office/drawing/2014/main" id="{34776CEB-90F5-822F-B41B-D6627DB72FF7}"/>
+              </a:ext>
+            </a:extLst>
+          </p:cNvPr>
+          <p:cNvSpPr txBox="1"/>
+          <p:nvPr/>
+        </p:nvSpPr>
+        <p:spPr>
+          <a:xfrm>
+            <a:off x="3369527" y="3779078"/>
+            <a:ext cx="5452946" cy="830997"/>
+          </a:xfrm>
+          <a:prstGeom prst="rect">
+            <a:avLst/>
+          </a:prstGeom>
+          <a:ln w="38100"/>
+        </p:spPr>
+        <p:style>
+          <a:lnRef idx="2">
+            <a:schemeClr val="accent6"/>
+          </a:lnRef>
+          <a:fillRef idx="1">
+            <a:schemeClr val="lt1"/>
+          </a:fillRef>
+          <a:effectRef idx="0">
+            <a:schemeClr val="accent6"/>
+          </a:effectRef>
+          <a:fontRef idx="minor">
+            <a:schemeClr val="dk1"/>
+          </a:fontRef>
+        </p:style>
+        <p:txBody>
+          <a:bodyPr wrap="square">
+            <a:spAutoFit/>
+          </a:bodyPr>
+          <a:lstStyle/>
+          <a:p>
+            <a:pPr lvl="1"/>
+            <a:r>
+              <a:rPr lang="en-US" sz="2400" dirty="0">
+                <a:latin typeface="Cambria Math" panose="02040503050406030204" pitchFamily="18" charset="0"/>
+                <a:ea typeface="Cambria Math" panose="02040503050406030204" pitchFamily="18" charset="0"/>
+              </a:rPr>
+              <a:t>If ‘a’ and ‘b’ are consecutive numbers</a:t>
+            </a:r>
+          </a:p>
+          <a:p>
+            <a:pPr lvl="1"/>
+            <a:r>
+              <a:rPr lang="en-US" sz="2400" dirty="0">
+                <a:latin typeface="Cambria Math" panose="02040503050406030204" pitchFamily="18" charset="0"/>
+                <a:ea typeface="Cambria Math" panose="02040503050406030204" pitchFamily="18" charset="0"/>
+              </a:rPr>
+              <a:t>Then, the sum of ‘a’ and ‘b’ is odd. </a:t>
+            </a:r>
+          </a:p>
+        </p:txBody>
+      </p:sp>
+    </p:spTree>
+    <p:extLst>
+      <p:ext uri="{BB962C8B-B14F-4D97-AF65-F5344CB8AC3E}">
+        <p14:creationId xmlns:p14="http://schemas.microsoft.com/office/powerpoint/2010/main" val="2544321197"/>
+      </p:ext>
+    </p:extLst>
+  </p:cSld>
+  <p:clrMapOvr>
+    <a:masterClrMapping/>
+  </p:clrMapOvr>
+</p:sld>
+</file>
+
+<file path=ppt/slides/slide11.xml><?xml version="1.0" encoding="utf-8"?>
+<p:sld xmlns:a="http://schemas.openxmlformats.org/drawingml/2006/main" xmlns:r="http://schemas.openxmlformats.org/officeDocument/2006/relationships" xmlns:p="http://schemas.openxmlformats.org/presentationml/2006/main">
+  <p:cSld>
+    <p:bg>
+      <p:bgPr>
+        <a:blipFill dpi="0" rotWithShape="1">
+          <a:blip r:embed="rId3">
+            <a:alphaModFix amt="99000"/>
+            <a:lum/>
+          </a:blip>
+          <a:srcRect/>
+          <a:stretch>
+            <a:fillRect t="89000" r="85000" b="-1000"/>
+          </a:stretch>
+        </a:blipFill>
+        <a:effectLst/>
+      </p:bgPr>
+    </p:bg>
+    <p:spTree>
+      <p:nvGrpSpPr>
+        <p:cNvPr id="1" name=""/>
+        <p:cNvGrpSpPr/>
+        <p:nvPr/>
+      </p:nvGrpSpPr>
+      <p:grpSpPr>
+        <a:xfrm>
+          <a:off x="0" y="0"/>
+          <a:ext cx="0" cy="0"/>
+          <a:chOff x="0" y="0"/>
+          <a:chExt cx="0" cy="0"/>
+        </a:xfrm>
+      </p:grpSpPr>
+      <p:sp>
+        <p:nvSpPr>
+          <p:cNvPr id="2" name="Title 1">
+            <a:extLst>
+              <a:ext uri="{FF2B5EF4-FFF2-40B4-BE49-F238E27FC236}">
+                <a16:creationId xmlns:a16="http://schemas.microsoft.com/office/drawing/2014/main" id="{6A3DCE86-C2BA-4713-9E7A-73589E8D6CCF}"/>
+              </a:ext>
+            </a:extLst>
+          </p:cNvPr>
+          <p:cNvSpPr>
+            <a:spLocks noGrp="1"/>
+          </p:cNvSpPr>
+          <p:nvPr>
+            <p:ph type="ctrTitle"/>
+          </p:nvPr>
+        </p:nvSpPr>
+        <p:spPr>
+          <a:xfrm>
+            <a:off x="1524000" y="497150"/>
+            <a:ext cx="9144000" cy="718459"/>
+          </a:xfrm>
+        </p:spPr>
+        <p:txBody>
+          <a:bodyPr>
+            <a:normAutofit fontScale="90000"/>
+          </a:bodyPr>
+          <a:lstStyle/>
+          <a:p>
+            <a:r>
+              <a:rPr lang="en-PH" b="1" dirty="0"/>
+              <a:t>Direct Proofs</a:t>
+            </a:r>
+          </a:p>
+        </p:txBody>
+      </p:sp>
+      <p:sp>
+        <p:nvSpPr>
+          <p:cNvPr id="4" name="Footer Placeholder 3">
+            <a:extLst>
+              <a:ext uri="{FF2B5EF4-FFF2-40B4-BE49-F238E27FC236}">
+                <a16:creationId xmlns:a16="http://schemas.microsoft.com/office/drawing/2014/main" id="{638E7DE1-45EE-476A-A474-0F3C264AEDA3}"/>
+              </a:ext>
+            </a:extLst>
+          </p:cNvPr>
+          <p:cNvSpPr>
+            <a:spLocks noGrp="1"/>
+          </p:cNvSpPr>
+          <p:nvPr>
+            <p:ph type="ftr" sz="quarter" idx="11"/>
+          </p:nvPr>
+        </p:nvSpPr>
+        <p:spPr>
+          <a:xfrm>
+            <a:off x="0" y="6139541"/>
+            <a:ext cx="12192000" cy="718459"/>
+          </a:xfrm>
+          <a:ln w="28575">
+            <a:solidFill>
+              <a:schemeClr val="accent5">
+                <a:lumMod val="50000"/>
+              </a:schemeClr>
+            </a:solidFill>
+          </a:ln>
+        </p:spPr>
+        <p:txBody>
+          <a:bodyPr/>
+          <a:lstStyle/>
+          <a:p>
+            <a:pPr algn="r"/>
+            <a:r>
+              <a:rPr lang="en-PH" b="1" dirty="0">
+                <a:solidFill>
+                  <a:schemeClr val="tx1"/>
+                </a:solidFill>
+              </a:rPr>
+              <a:t>CCALCOMP</a:t>
+            </a:r>
+          </a:p>
+        </p:txBody>
+      </p:sp>
+      <mc:AlternateContent xmlns:mc="http://schemas.openxmlformats.org/markup-compatibility/2006">
+        <mc:Choice xmlns:a14="http://schemas.microsoft.com/office/drawing/2010/main" Requires="a14">
+          <p:sp>
+            <p:nvSpPr>
+              <p:cNvPr id="6" name="TextBox 5">
+                <a:extLst>
+                  <a:ext uri="{FF2B5EF4-FFF2-40B4-BE49-F238E27FC236}">
+                    <a16:creationId xmlns:a16="http://schemas.microsoft.com/office/drawing/2014/main" id="{767E91CD-3482-885C-EF95-3B159020DE89}"/>
+                  </a:ext>
+                </a:extLst>
+              </p:cNvPr>
+              <p:cNvSpPr txBox="1"/>
+              <p:nvPr/>
+            </p:nvSpPr>
+            <p:spPr>
+              <a:xfrm>
+                <a:off x="782820" y="1525727"/>
+                <a:ext cx="5718341" cy="1569660"/>
+              </a:xfrm>
+              <a:prstGeom prst="rect">
+                <a:avLst/>
+              </a:prstGeom>
+              <a:noFill/>
+            </p:spPr>
+            <p:txBody>
+              <a:bodyPr wrap="square">
+                <a:spAutoFit/>
+              </a:bodyPr>
+              <a:lstStyle/>
+              <a:p>
+                <a:r>
+                  <a:rPr lang="en-US" sz="2400" dirty="0"/>
+                  <a:t>The basic idea of a </a:t>
+                </a:r>
+                <a:r>
+                  <a:rPr lang="en-US" sz="2400" b="1" dirty="0">
+                    <a:solidFill>
+                      <a:srgbClr val="0070C0"/>
+                    </a:solidFill>
+                  </a:rPr>
+                  <a:t>direct proof</a:t>
+                </a:r>
+                <a:r>
+                  <a:rPr lang="en-US" sz="2400" dirty="0"/>
+                  <a:t> of </a:t>
+                </a:r>
+                <a14:m>
+                  <m:oMath xmlns:m="http://schemas.openxmlformats.org/officeDocument/2006/math">
+                    <m:r>
+                      <a:rPr lang="en-US" sz="2400" b="0" i="1" smtClean="0">
+                        <a:latin typeface="Cambria Math" panose="02040503050406030204" pitchFamily="18" charset="0"/>
+                        <a:ea typeface="Cambria Math" panose="02040503050406030204" pitchFamily="18" charset="0"/>
+                      </a:rPr>
+                      <m:t>𝑃</m:t>
+                    </m:r>
+                    <m:r>
+                      <a:rPr lang="en-US" sz="2400" b="0" i="1" smtClean="0">
+                        <a:latin typeface="Cambria Math" panose="02040503050406030204" pitchFamily="18" charset="0"/>
+                        <a:ea typeface="Cambria Math" panose="02040503050406030204" pitchFamily="18" charset="0"/>
+                      </a:rPr>
+                      <m:t> ⇒</m:t>
+                    </m:r>
+                    <m:r>
+                      <a:rPr lang="en-US" sz="2400" b="0" i="1" smtClean="0">
+                        <a:latin typeface="Cambria Math" panose="02040503050406030204" pitchFamily="18" charset="0"/>
+                        <a:ea typeface="Cambria Math" panose="02040503050406030204" pitchFamily="18" charset="0"/>
+                      </a:rPr>
+                      <m:t>𝑄</m:t>
+                    </m:r>
+                  </m:oMath>
+                </a14:m>
+                <a:r>
+                  <a:rPr lang="en-US" sz="2400" dirty="0"/>
+                  <a:t> is:</a:t>
+                </a:r>
+              </a:p>
+              <a:p>
+                <a:endParaRPr lang="en-US" sz="2400" dirty="0"/>
+              </a:p>
+              <a:p>
+                <a:pPr marL="457200" indent="-457200">
+                  <a:buAutoNum type="arabicPeriod"/>
+                </a:pPr>
+                <a:r>
+                  <a:rPr lang="en-US" sz="2400" dirty="0"/>
+                  <a:t>Assume </a:t>
+                </a:r>
+                <a14:m>
+                  <m:oMath xmlns:m="http://schemas.openxmlformats.org/officeDocument/2006/math">
+                    <m:r>
+                      <a:rPr lang="en-US" sz="2400" b="0" i="1" smtClean="0">
+                        <a:latin typeface="Cambria Math" panose="02040503050406030204" pitchFamily="18" charset="0"/>
+                        <a:ea typeface="Cambria Math" panose="02040503050406030204" pitchFamily="18" charset="0"/>
+                      </a:rPr>
+                      <m:t>𝑃</m:t>
+                    </m:r>
+                  </m:oMath>
+                </a14:m>
+                <a:r>
+                  <a:rPr lang="en-US" sz="2400" dirty="0"/>
+                  <a:t> is </a:t>
+                </a:r>
+                <a:r>
+                  <a:rPr lang="en-US" sz="2400" b="1" dirty="0">
+                    <a:solidFill>
+                      <a:srgbClr val="00B050"/>
+                    </a:solidFill>
+                  </a:rPr>
+                  <a:t>TRUE</a:t>
+                </a:r>
+              </a:p>
+              <a:p>
+                <a:pPr marL="457200" indent="-457200">
+                  <a:buAutoNum type="arabicPeriod"/>
+                </a:pPr>
+                <a:r>
+                  <a:rPr lang="en-US" sz="2400" dirty="0"/>
+                  <a:t>Use </a:t>
+                </a:r>
+                <a14:m>
+                  <m:oMath xmlns:m="http://schemas.openxmlformats.org/officeDocument/2006/math">
+                    <m:r>
+                      <a:rPr lang="en-US" sz="2400" b="0" i="1" smtClean="0">
+                        <a:latin typeface="Cambria Math" panose="02040503050406030204" pitchFamily="18" charset="0"/>
+                        <a:ea typeface="Cambria Math" panose="02040503050406030204" pitchFamily="18" charset="0"/>
+                      </a:rPr>
+                      <m:t>𝑃</m:t>
+                    </m:r>
+                  </m:oMath>
+                </a14:m>
+                <a:r>
+                  <a:rPr lang="en-US" sz="2400" dirty="0"/>
+                  <a:t> to show that </a:t>
+                </a:r>
+                <a14:m>
+                  <m:oMath xmlns:m="http://schemas.openxmlformats.org/officeDocument/2006/math">
+                    <m:r>
+                      <a:rPr lang="en-US" sz="2400" i="1">
+                        <a:latin typeface="Cambria Math" panose="02040503050406030204" pitchFamily="18" charset="0"/>
+                        <a:ea typeface="Cambria Math" panose="02040503050406030204" pitchFamily="18" charset="0"/>
+                      </a:rPr>
+                      <m:t>𝑄</m:t>
+                    </m:r>
+                  </m:oMath>
+                </a14:m>
+                <a:r>
+                  <a:rPr lang="en-US" sz="2400" dirty="0"/>
+                  <a:t> is </a:t>
+                </a:r>
+                <a:r>
+                  <a:rPr lang="en-US" sz="2400" b="1" dirty="0">
+                    <a:solidFill>
+                      <a:srgbClr val="00B050"/>
+                    </a:solidFill>
+                  </a:rPr>
+                  <a:t>TRUE</a:t>
+                </a:r>
+                <a:endParaRPr lang="el-GR" sz="2400" b="1" dirty="0">
+                  <a:solidFill>
+                    <a:srgbClr val="00B050"/>
+                  </a:solidFill>
+                </a:endParaRPr>
+              </a:p>
+            </p:txBody>
+          </p:sp>
+        </mc:Choice>
+        <mc:Fallback>
+          <p:sp>
+            <p:nvSpPr>
+              <p:cNvPr id="6" name="TextBox 5">
+                <a:extLst>
+                  <a:ext uri="{FF2B5EF4-FFF2-40B4-BE49-F238E27FC236}">
+                    <a16:creationId xmlns:a16="http://schemas.microsoft.com/office/drawing/2014/main" id="{767E91CD-3482-885C-EF95-3B159020DE89}"/>
+                  </a:ext>
+                </a:extLst>
+              </p:cNvPr>
+              <p:cNvSpPr txBox="1">
+                <a:spLocks noRot="1" noChangeAspect="1" noMove="1" noResize="1" noEditPoints="1" noAdjustHandles="1" noChangeArrowheads="1" noChangeShapeType="1" noTextEdit="1"/>
+              </p:cNvSpPr>
+              <p:nvPr/>
+            </p:nvSpPr>
+            <p:spPr>
+              <a:xfrm>
+                <a:off x="782820" y="1525727"/>
+                <a:ext cx="5718341" cy="1569660"/>
+              </a:xfrm>
+              <a:prstGeom prst="rect">
+                <a:avLst/>
+              </a:prstGeom>
+              <a:blipFill>
+                <a:blip r:embed="rId4"/>
+                <a:stretch>
+                  <a:fillRect l="-1706" t="-3101" r="-746" b="-8140"/>
+                </a:stretch>
+              </a:blipFill>
+            </p:spPr>
+            <p:txBody>
+              <a:bodyPr/>
+              <a:lstStyle/>
+              <a:p>
+                <a:r>
+                  <a:rPr lang="en-PH">
+                    <a:noFill/>
+                  </a:rPr>
+                  <a:t> </a:t>
+                </a:r>
+              </a:p>
+            </p:txBody>
+          </p:sp>
+        </mc:Fallback>
+      </mc:AlternateContent>
+    </p:spTree>
+    <p:extLst>
+      <p:ext uri="{BB962C8B-B14F-4D97-AF65-F5344CB8AC3E}">
+        <p14:creationId xmlns:p14="http://schemas.microsoft.com/office/powerpoint/2010/main" val="3039712740"/>
+      </p:ext>
+    </p:extLst>
+  </p:cSld>
+  <p:clrMapOvr>
+    <a:masterClrMapping/>
+  </p:clrMapOvr>
+</p:sld>
+</file>
+
+<file path=ppt/slides/slide12.xml><?xml version="1.0" encoding="utf-8"?>
+<p:sld xmlns:a="http://schemas.openxmlformats.org/drawingml/2006/main" xmlns:r="http://schemas.openxmlformats.org/officeDocument/2006/relationships" xmlns:p="http://schemas.openxmlformats.org/presentationml/2006/main">
+  <p:cSld>
+    <p:bg>
+      <p:bgPr>
+        <a:blipFill dpi="0" rotWithShape="1">
+          <a:blip r:embed="rId3">
+            <a:alphaModFix amt="99000"/>
+            <a:lum/>
+          </a:blip>
+          <a:srcRect/>
+          <a:stretch>
+            <a:fillRect t="89000" r="85000" b="-1000"/>
+          </a:stretch>
+        </a:blipFill>
+        <a:effectLst/>
+      </p:bgPr>
+    </p:bg>
+    <p:spTree>
+      <p:nvGrpSpPr>
+        <p:cNvPr id="1" name=""/>
+        <p:cNvGrpSpPr/>
+        <p:nvPr/>
+      </p:nvGrpSpPr>
+      <p:grpSpPr>
+        <a:xfrm>
+          <a:off x="0" y="0"/>
+          <a:ext cx="0" cy="0"/>
+          <a:chOff x="0" y="0"/>
+          <a:chExt cx="0" cy="0"/>
+        </a:xfrm>
+      </p:grpSpPr>
+      <p:sp>
+        <p:nvSpPr>
+          <p:cNvPr id="2" name="Title 1">
+            <a:extLst>
+              <a:ext uri="{FF2B5EF4-FFF2-40B4-BE49-F238E27FC236}">
+                <a16:creationId xmlns:a16="http://schemas.microsoft.com/office/drawing/2014/main" id="{6A3DCE86-C2BA-4713-9E7A-73589E8D6CCF}"/>
+              </a:ext>
+            </a:extLst>
+          </p:cNvPr>
+          <p:cNvSpPr>
+            <a:spLocks noGrp="1"/>
+          </p:cNvSpPr>
+          <p:nvPr>
+            <p:ph type="ctrTitle"/>
+          </p:nvPr>
+        </p:nvSpPr>
+        <p:spPr>
+          <a:xfrm>
+            <a:off x="1524000" y="497150"/>
+            <a:ext cx="9144000" cy="718459"/>
+          </a:xfrm>
+        </p:spPr>
+        <p:txBody>
+          <a:bodyPr>
+            <a:normAutofit fontScale="90000"/>
+          </a:bodyPr>
+          <a:lstStyle/>
+          <a:p>
+            <a:r>
+              <a:rPr lang="en-PH" b="1" dirty="0"/>
+              <a:t>Direct Proofs</a:t>
+            </a:r>
+          </a:p>
+        </p:txBody>
+      </p:sp>
+      <p:sp>
+        <p:nvSpPr>
+          <p:cNvPr id="4" name="Footer Placeholder 3">
+            <a:extLst>
+              <a:ext uri="{FF2B5EF4-FFF2-40B4-BE49-F238E27FC236}">
+                <a16:creationId xmlns:a16="http://schemas.microsoft.com/office/drawing/2014/main" id="{638E7DE1-45EE-476A-A474-0F3C264AEDA3}"/>
+              </a:ext>
+            </a:extLst>
+          </p:cNvPr>
+          <p:cNvSpPr>
+            <a:spLocks noGrp="1"/>
+          </p:cNvSpPr>
+          <p:nvPr>
+            <p:ph type="ftr" sz="quarter" idx="11"/>
+          </p:nvPr>
+        </p:nvSpPr>
+        <p:spPr>
+          <a:xfrm>
+            <a:off x="0" y="6139541"/>
+            <a:ext cx="12192000" cy="718459"/>
+          </a:xfrm>
+          <a:ln w="28575">
+            <a:solidFill>
+              <a:schemeClr val="accent5">
+                <a:lumMod val="50000"/>
+              </a:schemeClr>
+            </a:solidFill>
+          </a:ln>
+        </p:spPr>
+        <p:txBody>
+          <a:bodyPr/>
+          <a:lstStyle/>
+          <a:p>
+            <a:pPr algn="r"/>
+            <a:r>
+              <a:rPr lang="en-PH" b="1" dirty="0">
+                <a:solidFill>
+                  <a:schemeClr val="tx1"/>
+                </a:solidFill>
+              </a:rPr>
+              <a:t>CCALCOMP</a:t>
+            </a:r>
+          </a:p>
+        </p:txBody>
+      </p:sp>
+      <p:sp>
+        <p:nvSpPr>
+          <p:cNvPr id="6" name="TextBox 5">
+            <a:extLst>
+              <a:ext uri="{FF2B5EF4-FFF2-40B4-BE49-F238E27FC236}">
+                <a16:creationId xmlns:a16="http://schemas.microsoft.com/office/drawing/2014/main" id="{767E91CD-3482-885C-EF95-3B159020DE89}"/>
+              </a:ext>
+            </a:extLst>
+          </p:cNvPr>
+          <p:cNvSpPr txBox="1"/>
+          <p:nvPr/>
+        </p:nvSpPr>
+        <p:spPr>
+          <a:xfrm>
+            <a:off x="805122" y="2704537"/>
+            <a:ext cx="5718341" cy="2677656"/>
+          </a:xfrm>
+          <a:prstGeom prst="rect">
+            <a:avLst/>
+          </a:prstGeom>
+          <a:noFill/>
+        </p:spPr>
+        <p:txBody>
+          <a:bodyPr wrap="square">
+            <a:spAutoFit/>
+          </a:bodyPr>
+          <a:lstStyle/>
+          <a:p>
+            <a:r>
+              <a:rPr lang="en-US" sz="2400" dirty="0"/>
+              <a:t>Assume a, b are consecutive</a:t>
+            </a:r>
+          </a:p>
+          <a:p>
+            <a:endParaRPr lang="en-US" sz="2400" dirty="0"/>
+          </a:p>
+          <a:p>
+            <a:r>
+              <a:rPr lang="en-US" sz="2400" dirty="0"/>
+              <a:t>Know b = a + 1</a:t>
+            </a:r>
+          </a:p>
+          <a:p>
+            <a:endParaRPr lang="en-US" sz="2400" dirty="0"/>
+          </a:p>
+          <a:p>
+            <a:r>
+              <a:rPr lang="en-US" sz="2400" dirty="0"/>
+              <a:t>So a + b = a + (a + 1) = 2a + 1</a:t>
+            </a:r>
+          </a:p>
+          <a:p>
+            <a:endParaRPr lang="en-US" sz="2400" dirty="0"/>
+          </a:p>
+          <a:p>
+            <a:r>
+              <a:rPr lang="en-US" sz="2400" dirty="0"/>
+              <a:t>2k + 1 where k is an integer</a:t>
+            </a:r>
+            <a:endParaRPr lang="el-GR" sz="2400" dirty="0"/>
+          </a:p>
+        </p:txBody>
+      </p:sp>
+      <p:sp>
+        <p:nvSpPr>
+          <p:cNvPr id="3" name="TextBox 2">
+            <a:extLst>
+              <a:ext uri="{FF2B5EF4-FFF2-40B4-BE49-F238E27FC236}">
+                <a16:creationId xmlns:a16="http://schemas.microsoft.com/office/drawing/2014/main" id="{29DB5C15-9339-CB52-61E6-9D3FDA50D8B9}"/>
+              </a:ext>
+            </a:extLst>
+          </p:cNvPr>
+          <p:cNvSpPr txBox="1"/>
+          <p:nvPr/>
+        </p:nvSpPr>
+        <p:spPr>
+          <a:xfrm>
+            <a:off x="3369527" y="1485524"/>
+            <a:ext cx="5452946" cy="830997"/>
+          </a:xfrm>
+          <a:prstGeom prst="rect">
+            <a:avLst/>
+          </a:prstGeom>
+          <a:ln w="38100"/>
+        </p:spPr>
+        <p:style>
+          <a:lnRef idx="2">
+            <a:schemeClr val="accent6"/>
+          </a:lnRef>
+          <a:fillRef idx="1">
+            <a:schemeClr val="lt1"/>
+          </a:fillRef>
+          <a:effectRef idx="0">
+            <a:schemeClr val="accent6"/>
+          </a:effectRef>
+          <a:fontRef idx="minor">
+            <a:schemeClr val="dk1"/>
+          </a:fontRef>
+        </p:style>
+        <p:txBody>
+          <a:bodyPr wrap="square">
+            <a:spAutoFit/>
+          </a:bodyPr>
+          <a:lstStyle/>
+          <a:p>
+            <a:pPr lvl="1"/>
+            <a:r>
+              <a:rPr lang="en-US" sz="2400" dirty="0">
+                <a:latin typeface="Cambria Math" panose="02040503050406030204" pitchFamily="18" charset="0"/>
+                <a:ea typeface="Cambria Math" panose="02040503050406030204" pitchFamily="18" charset="0"/>
+              </a:rPr>
+              <a:t>If ‘a’ and ‘b’ are consecutive numbers</a:t>
+            </a:r>
+          </a:p>
+          <a:p>
+            <a:pPr lvl="1"/>
+            <a:r>
+              <a:rPr lang="en-US" sz="2400" dirty="0">
+                <a:latin typeface="Cambria Math" panose="02040503050406030204" pitchFamily="18" charset="0"/>
+                <a:ea typeface="Cambria Math" panose="02040503050406030204" pitchFamily="18" charset="0"/>
+              </a:rPr>
+              <a:t>Then, the sum of ‘a’ and ‘b’ is odd. </a:t>
+            </a:r>
+          </a:p>
+        </p:txBody>
+      </p:sp>
+    </p:spTree>
+    <p:extLst>
+      <p:ext uri="{BB962C8B-B14F-4D97-AF65-F5344CB8AC3E}">
+        <p14:creationId xmlns:p14="http://schemas.microsoft.com/office/powerpoint/2010/main" val="1348994492"/>
+      </p:ext>
+    </p:extLst>
+  </p:cSld>
+  <p:clrMapOvr>
+    <a:masterClrMapping/>
+  </p:clrMapOvr>
+</p:sld>
+</file>
+
+<file path=ppt/slides/slide13.xml><?xml version="1.0" encoding="utf-8"?>
+<p:sld xmlns:a="http://schemas.openxmlformats.org/drawingml/2006/main" xmlns:r="http://schemas.openxmlformats.org/officeDocument/2006/relationships" xmlns:p="http://schemas.openxmlformats.org/presentationml/2006/main">
+  <p:cSld>
+    <p:bg>
+      <p:bgPr>
+        <a:blipFill dpi="0" rotWithShape="1">
+          <a:blip r:embed="rId3">
+            <a:alphaModFix amt="99000"/>
+            <a:lum/>
+          </a:blip>
+          <a:srcRect/>
+          <a:stretch>
+            <a:fillRect t="89000" r="85000" b="-1000"/>
+          </a:stretch>
+        </a:blipFill>
+        <a:effectLst/>
+      </p:bgPr>
+    </p:bg>
+    <p:spTree>
+      <p:nvGrpSpPr>
+        <p:cNvPr id="1" name=""/>
+        <p:cNvGrpSpPr/>
+        <p:nvPr/>
+      </p:nvGrpSpPr>
+      <p:grpSpPr>
+        <a:xfrm>
+          <a:off x="0" y="0"/>
+          <a:ext cx="0" cy="0"/>
+          <a:chOff x="0" y="0"/>
+          <a:chExt cx="0" cy="0"/>
+        </a:xfrm>
+      </p:grpSpPr>
+      <p:sp>
+        <p:nvSpPr>
+          <p:cNvPr id="2" name="Title 1">
+            <a:extLst>
+              <a:ext uri="{FF2B5EF4-FFF2-40B4-BE49-F238E27FC236}">
+                <a16:creationId xmlns:a16="http://schemas.microsoft.com/office/drawing/2014/main" id="{6A3DCE86-C2BA-4713-9E7A-73589E8D6CCF}"/>
+              </a:ext>
+            </a:extLst>
+          </p:cNvPr>
+          <p:cNvSpPr>
+            <a:spLocks noGrp="1"/>
+          </p:cNvSpPr>
+          <p:nvPr>
+            <p:ph type="ctrTitle"/>
+          </p:nvPr>
+        </p:nvSpPr>
+        <p:spPr>
+          <a:xfrm>
+            <a:off x="1524000" y="497150"/>
+            <a:ext cx="9144000" cy="718459"/>
+          </a:xfrm>
+        </p:spPr>
+        <p:txBody>
+          <a:bodyPr>
+            <a:normAutofit fontScale="90000"/>
+          </a:bodyPr>
+          <a:lstStyle/>
+          <a:p>
+            <a:r>
+              <a:rPr lang="en-PH" b="1" dirty="0"/>
+              <a:t>Proof by Contradiction</a:t>
+            </a:r>
+          </a:p>
+        </p:txBody>
+      </p:sp>
+      <p:sp>
+        <p:nvSpPr>
+          <p:cNvPr id="4" name="Footer Placeholder 3">
+            <a:extLst>
+              <a:ext uri="{FF2B5EF4-FFF2-40B4-BE49-F238E27FC236}">
+                <a16:creationId xmlns:a16="http://schemas.microsoft.com/office/drawing/2014/main" id="{638E7DE1-45EE-476A-A474-0F3C264AEDA3}"/>
+              </a:ext>
+            </a:extLst>
+          </p:cNvPr>
+          <p:cNvSpPr>
+            <a:spLocks noGrp="1"/>
+          </p:cNvSpPr>
+          <p:nvPr>
+            <p:ph type="ftr" sz="quarter" idx="11"/>
+          </p:nvPr>
+        </p:nvSpPr>
+        <p:spPr>
+          <a:xfrm>
+            <a:off x="0" y="6139541"/>
+            <a:ext cx="12192000" cy="718459"/>
+          </a:xfrm>
+          <a:ln w="28575">
+            <a:solidFill>
+              <a:schemeClr val="accent5">
+                <a:lumMod val="50000"/>
+              </a:schemeClr>
+            </a:solidFill>
+          </a:ln>
+        </p:spPr>
+        <p:txBody>
+          <a:bodyPr/>
+          <a:lstStyle/>
+          <a:p>
+            <a:pPr algn="r"/>
+            <a:r>
+              <a:rPr lang="en-PH" b="1" dirty="0">
+                <a:solidFill>
+                  <a:schemeClr val="tx1"/>
+                </a:solidFill>
+              </a:rPr>
+              <a:t>CCALCOMP</a:t>
+            </a:r>
+          </a:p>
+        </p:txBody>
+      </p:sp>
+      <mc:AlternateContent xmlns:mc="http://schemas.openxmlformats.org/markup-compatibility/2006">
+        <mc:Choice xmlns:a14="http://schemas.microsoft.com/office/drawing/2010/main" Requires="a14">
+          <p:sp>
+            <p:nvSpPr>
+              <p:cNvPr id="6" name="TextBox 5">
+                <a:extLst>
+                  <a:ext uri="{FF2B5EF4-FFF2-40B4-BE49-F238E27FC236}">
+                    <a16:creationId xmlns:a16="http://schemas.microsoft.com/office/drawing/2014/main" id="{767E91CD-3482-885C-EF95-3B159020DE89}"/>
+                  </a:ext>
+                </a:extLst>
+              </p:cNvPr>
+              <p:cNvSpPr txBox="1"/>
+              <p:nvPr/>
+            </p:nvSpPr>
+            <p:spPr>
+              <a:xfrm>
+                <a:off x="782820" y="1525727"/>
+                <a:ext cx="10312643" cy="3046988"/>
+              </a:xfrm>
+              <a:prstGeom prst="rect">
+                <a:avLst/>
+              </a:prstGeom>
+              <a:noFill/>
+            </p:spPr>
+            <p:txBody>
+              <a:bodyPr wrap="square">
+                <a:spAutoFit/>
+              </a:bodyPr>
+              <a:lstStyle/>
+              <a:p>
+                <a:r>
+                  <a:rPr lang="en-US" sz="2400" dirty="0"/>
+                  <a:t>The basic idea of </a:t>
+                </a:r>
+                <a:r>
+                  <a:rPr lang="en-US" sz="2400" b="1" dirty="0">
+                    <a:solidFill>
+                      <a:srgbClr val="0070C0"/>
+                    </a:solidFill>
+                  </a:rPr>
+                  <a:t>proof by contradiction </a:t>
+                </a:r>
+                <a:r>
+                  <a:rPr lang="en-US" sz="2400" dirty="0"/>
+                  <a:t>is that a proposition is either </a:t>
+                </a:r>
+                <a:r>
+                  <a:rPr lang="en-US" sz="2400" b="1" dirty="0">
+                    <a:solidFill>
+                      <a:srgbClr val="00B050"/>
+                    </a:solidFill>
+                  </a:rPr>
+                  <a:t>TRUE</a:t>
+                </a:r>
+                <a:r>
+                  <a:rPr lang="en-US" sz="2400" b="1" dirty="0"/>
+                  <a:t> </a:t>
+                </a:r>
+                <a:r>
+                  <a:rPr lang="en-US" sz="2400" dirty="0"/>
+                  <a:t>or</a:t>
+                </a:r>
+                <a:r>
+                  <a:rPr lang="en-US" sz="2400" b="1" dirty="0"/>
+                  <a:t> </a:t>
+                </a:r>
+                <a:r>
+                  <a:rPr lang="en-US" sz="2400" b="1" dirty="0">
+                    <a:solidFill>
+                      <a:srgbClr val="FF0000"/>
+                    </a:solidFill>
+                  </a:rPr>
+                  <a:t>FALSE</a:t>
+                </a:r>
+                <a:r>
+                  <a:rPr lang="en-US" sz="2400" b="1" dirty="0"/>
+                  <a:t>, but not both. </a:t>
+                </a:r>
+              </a:p>
+              <a:p>
+                <a:endParaRPr lang="en-US" sz="2400" b="1" dirty="0"/>
+              </a:p>
+              <a:p>
+                <a:r>
+                  <a:rPr lang="en-US" sz="2400" dirty="0"/>
+                  <a:t>We get a contradiction when we can show a statement is both </a:t>
+                </a:r>
+                <a:r>
+                  <a:rPr lang="en-US" sz="2400" b="1" dirty="0">
+                    <a:solidFill>
+                      <a:srgbClr val="00B050"/>
+                    </a:solidFill>
+                  </a:rPr>
+                  <a:t>TRUE</a:t>
+                </a:r>
+                <a:r>
+                  <a:rPr lang="en-US" sz="2400" dirty="0"/>
+                  <a:t> and </a:t>
+                </a:r>
+                <a:r>
+                  <a:rPr lang="en-US" sz="2400" b="1" dirty="0">
+                    <a:solidFill>
+                      <a:srgbClr val="FF0000"/>
+                    </a:solidFill>
+                  </a:rPr>
+                  <a:t>FALSE</a:t>
+                </a:r>
+                <a:r>
+                  <a:rPr lang="en-US" sz="2400" dirty="0"/>
+                  <a:t>, showing our initial assumptions are inconsistent </a:t>
+                </a:r>
+                <a14:m>
+                  <m:oMath xmlns:m="http://schemas.openxmlformats.org/officeDocument/2006/math">
+                    <m:r>
+                      <a:rPr lang="en-US" sz="2400" b="0" i="1" smtClean="0">
+                        <a:latin typeface="Cambria Math" panose="02040503050406030204" pitchFamily="18" charset="0"/>
+                        <a:ea typeface="Cambria Math" panose="02040503050406030204" pitchFamily="18" charset="0"/>
+                      </a:rPr>
+                      <m:t>𝑃</m:t>
+                    </m:r>
+                    <m:r>
+                      <a:rPr lang="en-US" sz="2400" b="0" i="1" smtClean="0">
+                        <a:latin typeface="Cambria Math" panose="02040503050406030204" pitchFamily="18" charset="0"/>
+                        <a:ea typeface="Cambria Math" panose="02040503050406030204" pitchFamily="18" charset="0"/>
+                      </a:rPr>
+                      <m:t> ⇒</m:t>
+                    </m:r>
+                    <m:r>
+                      <a:rPr lang="en-US" sz="2400" b="0" i="1" smtClean="0">
+                        <a:latin typeface="Cambria Math" panose="02040503050406030204" pitchFamily="18" charset="0"/>
+                        <a:ea typeface="Cambria Math" panose="02040503050406030204" pitchFamily="18" charset="0"/>
+                      </a:rPr>
+                      <m:t>𝑄</m:t>
+                    </m:r>
+                  </m:oMath>
+                </a14:m>
+                <a:r>
+                  <a:rPr lang="en-US" sz="2400" dirty="0"/>
+                  <a:t> is:</a:t>
+                </a:r>
+              </a:p>
+              <a:p>
+                <a:endParaRPr lang="en-US" sz="2400" dirty="0"/>
+              </a:p>
+              <a:p>
+                <a:pPr marL="457200" indent="-457200">
+                  <a:buAutoNum type="arabicPeriod"/>
+                </a:pPr>
+                <a:r>
+                  <a:rPr lang="en-US" sz="2400" dirty="0"/>
+                  <a:t>Assume </a:t>
+                </a:r>
+                <a14:m>
+                  <m:oMath xmlns:m="http://schemas.openxmlformats.org/officeDocument/2006/math">
+                    <m:r>
+                      <a:rPr lang="en-US" sz="2400" b="0" i="1" smtClean="0">
+                        <a:latin typeface="Cambria Math" panose="02040503050406030204" pitchFamily="18" charset="0"/>
+                        <a:ea typeface="Cambria Math" panose="02040503050406030204" pitchFamily="18" charset="0"/>
+                      </a:rPr>
+                      <m:t>𝑃</m:t>
+                    </m:r>
+                  </m:oMath>
+                </a14:m>
+                <a:r>
+                  <a:rPr lang="en-US" sz="2400" dirty="0"/>
+                  <a:t> is </a:t>
+                </a:r>
+                <a:r>
+                  <a:rPr lang="en-US" sz="2400" b="1" dirty="0">
+                    <a:solidFill>
+                      <a:srgbClr val="00B050"/>
+                    </a:solidFill>
+                  </a:rPr>
+                  <a:t>TRUE</a:t>
+                </a:r>
+              </a:p>
+              <a:p>
+                <a:pPr marL="457200" indent="-457200">
+                  <a:buAutoNum type="arabicPeriod"/>
+                </a:pPr>
+                <a:r>
+                  <a:rPr lang="en-US" sz="2400" dirty="0"/>
+                  <a:t>Use </a:t>
+                </a:r>
+                <a14:m>
+                  <m:oMath xmlns:m="http://schemas.openxmlformats.org/officeDocument/2006/math">
+                    <m:r>
+                      <a:rPr lang="en-US" sz="2400" b="0" i="1" smtClean="0">
+                        <a:latin typeface="Cambria Math" panose="02040503050406030204" pitchFamily="18" charset="0"/>
+                        <a:ea typeface="Cambria Math" panose="02040503050406030204" pitchFamily="18" charset="0"/>
+                      </a:rPr>
+                      <m:t>𝑃</m:t>
+                    </m:r>
+                  </m:oMath>
+                </a14:m>
+                <a:r>
+                  <a:rPr lang="en-US" sz="2400" dirty="0"/>
+                  <a:t> to show that </a:t>
+                </a:r>
+                <a14:m>
+                  <m:oMath xmlns:m="http://schemas.openxmlformats.org/officeDocument/2006/math">
+                    <m:r>
+                      <a:rPr lang="en-US" sz="2400" i="1">
+                        <a:latin typeface="Cambria Math" panose="02040503050406030204" pitchFamily="18" charset="0"/>
+                        <a:ea typeface="Cambria Math" panose="02040503050406030204" pitchFamily="18" charset="0"/>
+                      </a:rPr>
+                      <m:t>𝑄</m:t>
+                    </m:r>
+                  </m:oMath>
+                </a14:m>
+                <a:r>
+                  <a:rPr lang="en-US" sz="2400" dirty="0"/>
+                  <a:t> is </a:t>
+                </a:r>
+                <a:r>
+                  <a:rPr lang="en-US" sz="2400" b="1" dirty="0">
+                    <a:solidFill>
+                      <a:srgbClr val="00B050"/>
+                    </a:solidFill>
+                  </a:rPr>
+                  <a:t>TRUE</a:t>
+                </a:r>
+                <a:endParaRPr lang="el-GR" sz="2400" b="1" dirty="0">
+                  <a:solidFill>
+                    <a:srgbClr val="00B050"/>
+                  </a:solidFill>
+                </a:endParaRPr>
+              </a:p>
+            </p:txBody>
+          </p:sp>
+        </mc:Choice>
+        <mc:Fallback>
+          <p:sp>
+            <p:nvSpPr>
+              <p:cNvPr id="6" name="TextBox 5">
+                <a:extLst>
+                  <a:ext uri="{FF2B5EF4-FFF2-40B4-BE49-F238E27FC236}">
+                    <a16:creationId xmlns:a16="http://schemas.microsoft.com/office/drawing/2014/main" id="{767E91CD-3482-885C-EF95-3B159020DE89}"/>
+                  </a:ext>
+                </a:extLst>
+              </p:cNvPr>
+              <p:cNvSpPr txBox="1">
+                <a:spLocks noRot="1" noChangeAspect="1" noMove="1" noResize="1" noEditPoints="1" noAdjustHandles="1" noChangeArrowheads="1" noChangeShapeType="1" noTextEdit="1"/>
+              </p:cNvSpPr>
+              <p:nvPr/>
+            </p:nvSpPr>
+            <p:spPr>
+              <a:xfrm>
+                <a:off x="782820" y="1525727"/>
+                <a:ext cx="10312643" cy="3046988"/>
+              </a:xfrm>
+              <a:prstGeom prst="rect">
+                <a:avLst/>
+              </a:prstGeom>
+              <a:blipFill>
+                <a:blip r:embed="rId4"/>
+                <a:stretch>
+                  <a:fillRect l="-946" t="-1600" b="-3800"/>
+                </a:stretch>
+              </a:blipFill>
+            </p:spPr>
+            <p:txBody>
+              <a:bodyPr/>
+              <a:lstStyle/>
+              <a:p>
+                <a:r>
+                  <a:rPr lang="en-PH">
+                    <a:noFill/>
+                  </a:rPr>
+                  <a:t> </a:t>
+                </a:r>
+              </a:p>
+            </p:txBody>
+          </p:sp>
+        </mc:Fallback>
+      </mc:AlternateContent>
+    </p:spTree>
+    <p:extLst>
+      <p:ext uri="{BB962C8B-B14F-4D97-AF65-F5344CB8AC3E}">
+        <p14:creationId xmlns:p14="http://schemas.microsoft.com/office/powerpoint/2010/main" val="1638200031"/>
+      </p:ext>
+    </p:extLst>
+  </p:cSld>
+  <p:clrMapOvr>
+    <a:masterClrMapping/>
+  </p:clrMapOvr>
+</p:sld>
+</file>
+
 <file path=ppt/slides/slide2.xml><?xml version="1.0" encoding="utf-8"?>
 <p:sld xmlns:a="http://schemas.openxmlformats.org/drawingml/2006/main" xmlns:r="http://schemas.openxmlformats.org/officeDocument/2006/relationships" xmlns:p="http://schemas.openxmlformats.org/presentationml/2006/main">
   <p:cSld>
@@ -5430,6 +7367,2511 @@
     <p:extLst>
       <p:ext uri="{BB962C8B-B14F-4D97-AF65-F5344CB8AC3E}">
         <p14:creationId xmlns:p14="http://schemas.microsoft.com/office/powerpoint/2010/main" val="3927849426"/>
+      </p:ext>
+    </p:extLst>
+  </p:cSld>
+  <p:clrMapOvr>
+    <a:masterClrMapping/>
+  </p:clrMapOvr>
+</p:sld>
+</file>
+
+<file path=ppt/slides/slide7.xml><?xml version="1.0" encoding="utf-8"?>
+<p:sld xmlns:a="http://schemas.openxmlformats.org/drawingml/2006/main" xmlns:r="http://schemas.openxmlformats.org/officeDocument/2006/relationships" xmlns:p="http://schemas.openxmlformats.org/presentationml/2006/main">
+  <p:cSld>
+    <p:bg>
+      <p:bgPr>
+        <a:blipFill dpi="0" rotWithShape="1">
+          <a:blip r:embed="rId3">
+            <a:alphaModFix amt="99000"/>
+            <a:lum/>
+          </a:blip>
+          <a:srcRect/>
+          <a:stretch>
+            <a:fillRect t="89000" r="85000" b="-1000"/>
+          </a:stretch>
+        </a:blipFill>
+        <a:effectLst/>
+      </p:bgPr>
+    </p:bg>
+    <p:spTree>
+      <p:nvGrpSpPr>
+        <p:cNvPr id="1" name=""/>
+        <p:cNvGrpSpPr/>
+        <p:nvPr/>
+      </p:nvGrpSpPr>
+      <p:grpSpPr>
+        <a:xfrm>
+          <a:off x="0" y="0"/>
+          <a:ext cx="0" cy="0"/>
+          <a:chOff x="0" y="0"/>
+          <a:chExt cx="0" cy="0"/>
+        </a:xfrm>
+      </p:grpSpPr>
+      <p:sp>
+        <p:nvSpPr>
+          <p:cNvPr id="2" name="Title 1">
+            <a:extLst>
+              <a:ext uri="{FF2B5EF4-FFF2-40B4-BE49-F238E27FC236}">
+                <a16:creationId xmlns:a16="http://schemas.microsoft.com/office/drawing/2014/main" id="{6A3DCE86-C2BA-4713-9E7A-73589E8D6CCF}"/>
+              </a:ext>
+            </a:extLst>
+          </p:cNvPr>
+          <p:cNvSpPr>
+            <a:spLocks noGrp="1"/>
+          </p:cNvSpPr>
+          <p:nvPr>
+            <p:ph type="ctrTitle"/>
+          </p:nvPr>
+        </p:nvSpPr>
+        <p:spPr>
+          <a:xfrm>
+            <a:off x="1524000" y="497150"/>
+            <a:ext cx="9144000" cy="718459"/>
+          </a:xfrm>
+        </p:spPr>
+        <p:txBody>
+          <a:bodyPr>
+            <a:normAutofit fontScale="90000"/>
+          </a:bodyPr>
+          <a:lstStyle/>
+          <a:p>
+            <a:r>
+              <a:rPr lang="en-PH" b="1" dirty="0"/>
+              <a:t>Proof Techniques</a:t>
+            </a:r>
+          </a:p>
+        </p:txBody>
+      </p:sp>
+      <p:sp>
+        <p:nvSpPr>
+          <p:cNvPr id="4" name="Footer Placeholder 3">
+            <a:extLst>
+              <a:ext uri="{FF2B5EF4-FFF2-40B4-BE49-F238E27FC236}">
+                <a16:creationId xmlns:a16="http://schemas.microsoft.com/office/drawing/2014/main" id="{638E7DE1-45EE-476A-A474-0F3C264AEDA3}"/>
+              </a:ext>
+            </a:extLst>
+          </p:cNvPr>
+          <p:cNvSpPr>
+            <a:spLocks noGrp="1"/>
+          </p:cNvSpPr>
+          <p:nvPr>
+            <p:ph type="ftr" sz="quarter" idx="11"/>
+          </p:nvPr>
+        </p:nvSpPr>
+        <p:spPr>
+          <a:xfrm>
+            <a:off x="0" y="6139541"/>
+            <a:ext cx="12192000" cy="718459"/>
+          </a:xfrm>
+          <a:ln w="28575">
+            <a:solidFill>
+              <a:schemeClr val="accent5">
+                <a:lumMod val="50000"/>
+              </a:schemeClr>
+            </a:solidFill>
+          </a:ln>
+        </p:spPr>
+        <p:txBody>
+          <a:bodyPr/>
+          <a:lstStyle/>
+          <a:p>
+            <a:pPr algn="r"/>
+            <a:r>
+              <a:rPr lang="en-PH" b="1" dirty="0">
+                <a:solidFill>
+                  <a:schemeClr val="tx1"/>
+                </a:solidFill>
+              </a:rPr>
+              <a:t>CCALCOMP</a:t>
+            </a:r>
+          </a:p>
+        </p:txBody>
+      </p:sp>
+      <mc:AlternateContent xmlns:mc="http://schemas.openxmlformats.org/markup-compatibility/2006">
+        <mc:Choice xmlns:a14="http://schemas.microsoft.com/office/drawing/2010/main" Requires="a14">
+          <p:sp>
+            <p:nvSpPr>
+              <p:cNvPr id="3" name="TextBox 2">
+                <a:extLst>
+                  <a:ext uri="{FF2B5EF4-FFF2-40B4-BE49-F238E27FC236}">
+                    <a16:creationId xmlns:a16="http://schemas.microsoft.com/office/drawing/2014/main" id="{56ECF76A-A841-37DE-42C4-40E735AB1F8F}"/>
+                  </a:ext>
+                </a:extLst>
+              </p:cNvPr>
+              <p:cNvSpPr txBox="1"/>
+              <p:nvPr/>
+            </p:nvSpPr>
+            <p:spPr>
+              <a:xfrm>
+                <a:off x="2565033" y="4401870"/>
+                <a:ext cx="3348834" cy="1200329"/>
+              </a:xfrm>
+              <a:prstGeom prst="rect">
+                <a:avLst/>
+              </a:prstGeom>
+              <a:ln w="38100">
+                <a:solidFill>
+                  <a:srgbClr val="7030A0"/>
+                </a:solidFill>
+              </a:ln>
+            </p:spPr>
+            <p:style>
+              <a:lnRef idx="2">
+                <a:schemeClr val="accent4"/>
+              </a:lnRef>
+              <a:fillRef idx="1">
+                <a:schemeClr val="lt1"/>
+              </a:fillRef>
+              <a:effectRef idx="0">
+                <a:schemeClr val="accent4"/>
+              </a:effectRef>
+              <a:fontRef idx="minor">
+                <a:schemeClr val="dk1"/>
+              </a:fontRef>
+            </p:style>
+            <p:txBody>
+              <a:bodyPr wrap="square">
+                <a:spAutoFit/>
+              </a:bodyPr>
+              <a:lstStyle/>
+              <a:p>
+                <a:r>
+                  <a:rPr lang="en-US" sz="2400" b="1" dirty="0"/>
+                  <a:t>Proof by Contrapositive</a:t>
+                </a:r>
+                <a:endParaRPr lang="en-US" sz="2400" dirty="0"/>
+              </a:p>
+              <a:p>
+                <a:r>
+                  <a:rPr lang="en-US" sz="2400" dirty="0"/>
+                  <a:t>Assume </a:t>
+                </a:r>
+                <a14:m>
+                  <m:oMath xmlns:m="http://schemas.openxmlformats.org/officeDocument/2006/math">
+                    <m:r>
+                      <a:rPr lang="en-US" sz="2400" dirty="0">
+                        <a:latin typeface="Cambria Math" panose="02040503050406030204" pitchFamily="18" charset="0"/>
+                        <a:ea typeface="Cambria Math" panose="02040503050406030204" pitchFamily="18" charset="0"/>
+                      </a:rPr>
+                      <m:t>~</m:t>
+                    </m:r>
+                    <m:r>
+                      <a:rPr lang="en-US" sz="2400" i="1">
+                        <a:latin typeface="Cambria Math" panose="02040503050406030204" pitchFamily="18" charset="0"/>
+                        <a:ea typeface="Cambria Math" panose="02040503050406030204" pitchFamily="18" charset="0"/>
+                      </a:rPr>
+                      <m:t>𝑄</m:t>
+                    </m:r>
+                  </m:oMath>
+                </a14:m>
+                <a:endParaRPr lang="en-US" sz="2400" dirty="0"/>
+              </a:p>
+              <a:p>
+                <a:r>
+                  <a:rPr lang="en-US" sz="2400" dirty="0"/>
+                  <a:t>Conclude</a:t>
+                </a:r>
+                <a14:m>
+                  <m:oMath xmlns:m="http://schemas.openxmlformats.org/officeDocument/2006/math">
+                    <m:r>
+                      <a:rPr lang="en-US" sz="2400" b="0" i="0" smtClean="0">
+                        <a:latin typeface="Cambria Math" panose="02040503050406030204" pitchFamily="18" charset="0"/>
+                        <a:ea typeface="Cambria Math" panose="02040503050406030204" pitchFamily="18" charset="0"/>
+                      </a:rPr>
+                      <m:t> </m:t>
+                    </m:r>
+                    <m:r>
+                      <a:rPr lang="en-US" sz="2400" i="1">
+                        <a:latin typeface="Cambria Math" panose="02040503050406030204" pitchFamily="18" charset="0"/>
+                        <a:ea typeface="Cambria Math" panose="02040503050406030204" pitchFamily="18" charset="0"/>
+                      </a:rPr>
+                      <m:t>𝑃</m:t>
+                    </m:r>
+                  </m:oMath>
+                </a14:m>
+                <a:endParaRPr lang="el-GR" sz="2400" dirty="0"/>
+              </a:p>
+            </p:txBody>
+          </p:sp>
+        </mc:Choice>
+        <mc:Fallback>
+          <p:sp>
+            <p:nvSpPr>
+              <p:cNvPr id="3" name="TextBox 2">
+                <a:extLst>
+                  <a:ext uri="{FF2B5EF4-FFF2-40B4-BE49-F238E27FC236}">
+                    <a16:creationId xmlns:a16="http://schemas.microsoft.com/office/drawing/2014/main" id="{56ECF76A-A841-37DE-42C4-40E735AB1F8F}"/>
+                  </a:ext>
+                </a:extLst>
+              </p:cNvPr>
+              <p:cNvSpPr txBox="1">
+                <a:spLocks noRot="1" noChangeAspect="1" noMove="1" noResize="1" noEditPoints="1" noAdjustHandles="1" noChangeArrowheads="1" noChangeShapeType="1" noTextEdit="1"/>
+              </p:cNvSpPr>
+              <p:nvPr/>
+            </p:nvSpPr>
+            <p:spPr>
+              <a:xfrm>
+                <a:off x="2565033" y="4401870"/>
+                <a:ext cx="3348834" cy="1200329"/>
+              </a:xfrm>
+              <a:prstGeom prst="rect">
+                <a:avLst/>
+              </a:prstGeom>
+              <a:blipFill>
+                <a:blip r:embed="rId4"/>
+                <a:stretch>
+                  <a:fillRect l="-2342" t="-2463" b="-8867"/>
+                </a:stretch>
+              </a:blipFill>
+              <a:ln w="38100">
+                <a:solidFill>
+                  <a:srgbClr val="7030A0"/>
+                </a:solidFill>
+              </a:ln>
+            </p:spPr>
+            <p:txBody>
+              <a:bodyPr/>
+              <a:lstStyle/>
+              <a:p>
+                <a:r>
+                  <a:rPr lang="en-PH">
+                    <a:noFill/>
+                  </a:rPr>
+                  <a:t> </a:t>
+                </a:r>
+              </a:p>
+            </p:txBody>
+          </p:sp>
+        </mc:Fallback>
+      </mc:AlternateContent>
+      <mc:AlternateContent xmlns:mc="http://schemas.openxmlformats.org/markup-compatibility/2006">
+        <mc:Choice xmlns:a14="http://schemas.microsoft.com/office/drawing/2010/main" Requires="a14">
+          <p:sp>
+            <p:nvSpPr>
+              <p:cNvPr id="5" name="TextBox 4">
+                <a:extLst>
+                  <a:ext uri="{FF2B5EF4-FFF2-40B4-BE49-F238E27FC236}">
+                    <a16:creationId xmlns:a16="http://schemas.microsoft.com/office/drawing/2014/main" id="{24C60938-1D17-486B-2F3F-B135AC525029}"/>
+                  </a:ext>
+                </a:extLst>
+              </p:cNvPr>
+              <p:cNvSpPr txBox="1"/>
+              <p:nvPr/>
+            </p:nvSpPr>
+            <p:spPr>
+              <a:xfrm>
+                <a:off x="4722913" y="1457353"/>
+                <a:ext cx="2746174" cy="861774"/>
+              </a:xfrm>
+              <a:prstGeom prst="rect">
+                <a:avLst/>
+              </a:prstGeom>
+              <a:noFill/>
+            </p:spPr>
+            <p:txBody>
+              <a:bodyPr wrap="square">
+                <a:spAutoFit/>
+              </a:bodyPr>
+              <a:lstStyle/>
+              <a:p>
+                <a:pPr lvl="1"/>
+                <a14:m>
+                  <m:oMathPara xmlns:m="http://schemas.openxmlformats.org/officeDocument/2006/math">
+                    <m:oMathParaPr>
+                      <m:jc m:val="centerGroup"/>
+                    </m:oMathParaPr>
+                    <m:oMath xmlns:m="http://schemas.openxmlformats.org/officeDocument/2006/math">
+                      <m:r>
+                        <a:rPr lang="en-US" sz="5000" b="0" i="1" smtClean="0">
+                          <a:latin typeface="Cambria Math" panose="02040503050406030204" pitchFamily="18" charset="0"/>
+                          <a:ea typeface="Cambria Math" panose="02040503050406030204" pitchFamily="18" charset="0"/>
+                        </a:rPr>
+                        <m:t>𝑃</m:t>
+                      </m:r>
+                      <m:r>
+                        <a:rPr lang="en-US" sz="5000" b="0" i="1" smtClean="0">
+                          <a:latin typeface="Cambria Math" panose="02040503050406030204" pitchFamily="18" charset="0"/>
+                          <a:ea typeface="Cambria Math" panose="02040503050406030204" pitchFamily="18" charset="0"/>
+                        </a:rPr>
+                        <m:t> ⇒</m:t>
+                      </m:r>
+                      <m:r>
+                        <a:rPr lang="en-US" sz="5000" b="0" i="1" smtClean="0">
+                          <a:latin typeface="Cambria Math" panose="02040503050406030204" pitchFamily="18" charset="0"/>
+                          <a:ea typeface="Cambria Math" panose="02040503050406030204" pitchFamily="18" charset="0"/>
+                        </a:rPr>
+                        <m:t>𝑄</m:t>
+                      </m:r>
+                    </m:oMath>
+                  </m:oMathPara>
+                </a14:m>
+                <a:endParaRPr lang="en-US" sz="5000" dirty="0">
+                  <a:latin typeface="Cambria Math" panose="02040503050406030204" pitchFamily="18" charset="0"/>
+                  <a:ea typeface="Cambria Math" panose="02040503050406030204" pitchFamily="18" charset="0"/>
+                </a:endParaRPr>
+              </a:p>
+            </p:txBody>
+          </p:sp>
+        </mc:Choice>
+        <mc:Fallback>
+          <p:sp>
+            <p:nvSpPr>
+              <p:cNvPr id="5" name="TextBox 4">
+                <a:extLst>
+                  <a:ext uri="{FF2B5EF4-FFF2-40B4-BE49-F238E27FC236}">
+                    <a16:creationId xmlns:a16="http://schemas.microsoft.com/office/drawing/2014/main" id="{24C60938-1D17-486B-2F3F-B135AC525029}"/>
+                  </a:ext>
+                </a:extLst>
+              </p:cNvPr>
+              <p:cNvSpPr txBox="1">
+                <a:spLocks noRot="1" noChangeAspect="1" noMove="1" noResize="1" noEditPoints="1" noAdjustHandles="1" noChangeArrowheads="1" noChangeShapeType="1" noTextEdit="1"/>
+              </p:cNvSpPr>
+              <p:nvPr/>
+            </p:nvSpPr>
+            <p:spPr>
+              <a:xfrm>
+                <a:off x="4722913" y="1457353"/>
+                <a:ext cx="2746174" cy="861774"/>
+              </a:xfrm>
+              <a:prstGeom prst="rect">
+                <a:avLst/>
+              </a:prstGeom>
+              <a:blipFill>
+                <a:blip r:embed="rId5"/>
+                <a:stretch>
+                  <a:fillRect/>
+                </a:stretch>
+              </a:blipFill>
+            </p:spPr>
+            <p:txBody>
+              <a:bodyPr/>
+              <a:lstStyle/>
+              <a:p>
+                <a:r>
+                  <a:rPr lang="en-PH">
+                    <a:noFill/>
+                  </a:rPr>
+                  <a:t> </a:t>
+                </a:r>
+              </a:p>
+            </p:txBody>
+          </p:sp>
+        </mc:Fallback>
+      </mc:AlternateContent>
+      <mc:AlternateContent xmlns:mc="http://schemas.openxmlformats.org/markup-compatibility/2006">
+        <mc:Choice xmlns:a14="http://schemas.microsoft.com/office/drawing/2010/main" Requires="a14">
+          <p:sp>
+            <p:nvSpPr>
+              <p:cNvPr id="6" name="TextBox 5">
+                <a:extLst>
+                  <a:ext uri="{FF2B5EF4-FFF2-40B4-BE49-F238E27FC236}">
+                    <a16:creationId xmlns:a16="http://schemas.microsoft.com/office/drawing/2014/main" id="{3258C030-198B-755A-4C6B-CC999F7B5A7A}"/>
+                  </a:ext>
+                </a:extLst>
+              </p:cNvPr>
+              <p:cNvSpPr txBox="1"/>
+              <p:nvPr/>
+            </p:nvSpPr>
+            <p:spPr>
+              <a:xfrm>
+                <a:off x="2565032" y="2856469"/>
+                <a:ext cx="3348833" cy="1200329"/>
+              </a:xfrm>
+              <a:prstGeom prst="rect">
+                <a:avLst/>
+              </a:prstGeom>
+              <a:ln w="28575"/>
+            </p:spPr>
+            <p:style>
+              <a:lnRef idx="2">
+                <a:schemeClr val="accent5"/>
+              </a:lnRef>
+              <a:fillRef idx="1">
+                <a:schemeClr val="lt1"/>
+              </a:fillRef>
+              <a:effectRef idx="0">
+                <a:schemeClr val="accent5"/>
+              </a:effectRef>
+              <a:fontRef idx="minor">
+                <a:schemeClr val="dk1"/>
+              </a:fontRef>
+            </p:style>
+            <p:txBody>
+              <a:bodyPr wrap="square">
+                <a:spAutoFit/>
+              </a:bodyPr>
+              <a:lstStyle/>
+              <a:p>
+                <a:r>
+                  <a:rPr lang="en-US" sz="2400" b="1" dirty="0"/>
+                  <a:t>Direct Proof</a:t>
+                </a:r>
+                <a:endParaRPr lang="en-US" sz="2400" dirty="0"/>
+              </a:p>
+              <a:p>
+                <a:r>
+                  <a:rPr lang="en-US" sz="2400" dirty="0"/>
+                  <a:t>Assume </a:t>
+                </a:r>
+                <a14:m>
+                  <m:oMath xmlns:m="http://schemas.openxmlformats.org/officeDocument/2006/math">
+                    <m:r>
+                      <a:rPr lang="en-US" sz="2400" b="0" i="1" smtClean="0">
+                        <a:latin typeface="Cambria Math" panose="02040503050406030204" pitchFamily="18" charset="0"/>
+                        <a:ea typeface="Cambria Math" panose="02040503050406030204" pitchFamily="18" charset="0"/>
+                      </a:rPr>
+                      <m:t>𝑃</m:t>
+                    </m:r>
+                  </m:oMath>
+                </a14:m>
+                <a:endParaRPr lang="en-US" sz="2400" dirty="0"/>
+              </a:p>
+              <a:p>
+                <a:r>
+                  <a:rPr lang="en-US" sz="2400" dirty="0"/>
+                  <a:t>Conclude </a:t>
+                </a:r>
+                <a14:m>
+                  <m:oMath xmlns:m="http://schemas.openxmlformats.org/officeDocument/2006/math">
+                    <m:r>
+                      <a:rPr lang="en-US" sz="2400" b="0" i="1" smtClean="0">
+                        <a:latin typeface="Cambria Math" panose="02040503050406030204" pitchFamily="18" charset="0"/>
+                        <a:ea typeface="Cambria Math" panose="02040503050406030204" pitchFamily="18" charset="0"/>
+                      </a:rPr>
+                      <m:t>𝑄</m:t>
+                    </m:r>
+                  </m:oMath>
+                </a14:m>
+                <a:endParaRPr lang="el-GR" sz="2400" dirty="0"/>
+              </a:p>
+            </p:txBody>
+          </p:sp>
+        </mc:Choice>
+        <mc:Fallback>
+          <p:sp>
+            <p:nvSpPr>
+              <p:cNvPr id="6" name="TextBox 5">
+                <a:extLst>
+                  <a:ext uri="{FF2B5EF4-FFF2-40B4-BE49-F238E27FC236}">
+                    <a16:creationId xmlns:a16="http://schemas.microsoft.com/office/drawing/2014/main" id="{3258C030-198B-755A-4C6B-CC999F7B5A7A}"/>
+                  </a:ext>
+                </a:extLst>
+              </p:cNvPr>
+              <p:cNvSpPr txBox="1">
+                <a:spLocks noRot="1" noChangeAspect="1" noMove="1" noResize="1" noEditPoints="1" noAdjustHandles="1" noChangeArrowheads="1" noChangeShapeType="1" noTextEdit="1"/>
+              </p:cNvSpPr>
+              <p:nvPr/>
+            </p:nvSpPr>
+            <p:spPr>
+              <a:xfrm>
+                <a:off x="2565032" y="2856469"/>
+                <a:ext cx="3348833" cy="1200329"/>
+              </a:xfrm>
+              <a:prstGeom prst="rect">
+                <a:avLst/>
+              </a:prstGeom>
+              <a:blipFill>
+                <a:blip r:embed="rId6"/>
+                <a:stretch>
+                  <a:fillRect l="-2527" t="-2985" b="-9453"/>
+                </a:stretch>
+              </a:blipFill>
+              <a:ln w="28575"/>
+            </p:spPr>
+            <p:txBody>
+              <a:bodyPr/>
+              <a:lstStyle/>
+              <a:p>
+                <a:r>
+                  <a:rPr lang="en-PH">
+                    <a:noFill/>
+                  </a:rPr>
+                  <a:t> </a:t>
+                </a:r>
+              </a:p>
+            </p:txBody>
+          </p:sp>
+        </mc:Fallback>
+      </mc:AlternateContent>
+      <mc:AlternateContent xmlns:mc="http://schemas.openxmlformats.org/markup-compatibility/2006">
+        <mc:Choice xmlns:a14="http://schemas.microsoft.com/office/drawing/2010/main" Requires="a14">
+          <p:sp>
+            <p:nvSpPr>
+              <p:cNvPr id="7" name="TextBox 6">
+                <a:extLst>
+                  <a:ext uri="{FF2B5EF4-FFF2-40B4-BE49-F238E27FC236}">
+                    <a16:creationId xmlns:a16="http://schemas.microsoft.com/office/drawing/2014/main" id="{83AAEE84-2E72-536F-A7E0-C873FD5113D0}"/>
+                  </a:ext>
+                </a:extLst>
+              </p:cNvPr>
+              <p:cNvSpPr txBox="1"/>
+              <p:nvPr/>
+            </p:nvSpPr>
+            <p:spPr>
+              <a:xfrm>
+                <a:off x="6596806" y="2856469"/>
+                <a:ext cx="3550804" cy="1200329"/>
+              </a:xfrm>
+              <a:prstGeom prst="rect">
+                <a:avLst/>
+              </a:prstGeom>
+              <a:ln w="38100">
+                <a:solidFill>
+                  <a:srgbClr val="FFC000"/>
+                </a:solidFill>
+              </a:ln>
+            </p:spPr>
+            <p:style>
+              <a:lnRef idx="2">
+                <a:schemeClr val="accent5"/>
+              </a:lnRef>
+              <a:fillRef idx="1">
+                <a:schemeClr val="lt1"/>
+              </a:fillRef>
+              <a:effectRef idx="0">
+                <a:schemeClr val="accent5"/>
+              </a:effectRef>
+              <a:fontRef idx="minor">
+                <a:schemeClr val="dk1"/>
+              </a:fontRef>
+            </p:style>
+            <p:txBody>
+              <a:bodyPr wrap="square">
+                <a:spAutoFit/>
+              </a:bodyPr>
+              <a:lstStyle/>
+              <a:p>
+                <a:r>
+                  <a:rPr lang="en-US" sz="2400" b="1" dirty="0"/>
+                  <a:t>Proof by Contradiction</a:t>
+                </a:r>
+              </a:p>
+              <a:p>
+                <a:r>
+                  <a:rPr lang="en-US" sz="2400" dirty="0"/>
+                  <a:t>Assume </a:t>
+                </a:r>
+                <a14:m>
+                  <m:oMath xmlns:m="http://schemas.openxmlformats.org/officeDocument/2006/math">
+                    <m:r>
+                      <a:rPr lang="en-US" sz="2400" b="0" i="1" smtClean="0">
+                        <a:latin typeface="Cambria Math" panose="02040503050406030204" pitchFamily="18" charset="0"/>
+                        <a:ea typeface="Cambria Math" panose="02040503050406030204" pitchFamily="18" charset="0"/>
+                      </a:rPr>
+                      <m:t>𝑃</m:t>
+                    </m:r>
+                  </m:oMath>
+                </a14:m>
+                <a:r>
+                  <a:rPr lang="en-US" sz="2400" dirty="0"/>
+                  <a:t> and </a:t>
+                </a:r>
+                <a14:m>
+                  <m:oMath xmlns:m="http://schemas.openxmlformats.org/officeDocument/2006/math">
+                    <m:r>
+                      <a:rPr lang="en-US" sz="2400" dirty="0" smtClean="0">
+                        <a:latin typeface="Cambria Math" panose="02040503050406030204" pitchFamily="18" charset="0"/>
+                        <a:ea typeface="Cambria Math" panose="02040503050406030204" pitchFamily="18" charset="0"/>
+                      </a:rPr>
+                      <m:t>~</m:t>
+                    </m:r>
+                    <m:r>
+                      <a:rPr lang="en-US" sz="2400" i="1">
+                        <a:latin typeface="Cambria Math" panose="02040503050406030204" pitchFamily="18" charset="0"/>
+                        <a:ea typeface="Cambria Math" panose="02040503050406030204" pitchFamily="18" charset="0"/>
+                      </a:rPr>
+                      <m:t>𝑄</m:t>
+                    </m:r>
+                  </m:oMath>
+                </a14:m>
+                <a:endParaRPr lang="en-US" sz="2400" dirty="0"/>
+              </a:p>
+              <a:p>
+                <a:r>
+                  <a:rPr lang="en-US" sz="2400" dirty="0"/>
+                  <a:t>Get a contradiction</a:t>
+                </a:r>
+                <a:endParaRPr lang="el-GR" sz="2400" dirty="0"/>
+              </a:p>
+            </p:txBody>
+          </p:sp>
+        </mc:Choice>
+        <mc:Fallback>
+          <p:sp>
+            <p:nvSpPr>
+              <p:cNvPr id="7" name="TextBox 6">
+                <a:extLst>
+                  <a:ext uri="{FF2B5EF4-FFF2-40B4-BE49-F238E27FC236}">
+                    <a16:creationId xmlns:a16="http://schemas.microsoft.com/office/drawing/2014/main" id="{83AAEE84-2E72-536F-A7E0-C873FD5113D0}"/>
+                  </a:ext>
+                </a:extLst>
+              </p:cNvPr>
+              <p:cNvSpPr txBox="1">
+                <a:spLocks noRot="1" noChangeAspect="1" noMove="1" noResize="1" noEditPoints="1" noAdjustHandles="1" noChangeArrowheads="1" noChangeShapeType="1" noTextEdit="1"/>
+              </p:cNvSpPr>
+              <p:nvPr/>
+            </p:nvSpPr>
+            <p:spPr>
+              <a:xfrm>
+                <a:off x="6596806" y="2856469"/>
+                <a:ext cx="3550804" cy="1200329"/>
+              </a:xfrm>
+              <a:prstGeom prst="rect">
+                <a:avLst/>
+              </a:prstGeom>
+              <a:blipFill>
+                <a:blip r:embed="rId7"/>
+                <a:stretch>
+                  <a:fillRect l="-2037" t="-2475" b="-9406"/>
+                </a:stretch>
+              </a:blipFill>
+              <a:ln w="38100">
+                <a:solidFill>
+                  <a:srgbClr val="FFC000"/>
+                </a:solidFill>
+              </a:ln>
+            </p:spPr>
+            <p:txBody>
+              <a:bodyPr/>
+              <a:lstStyle/>
+              <a:p>
+                <a:r>
+                  <a:rPr lang="en-PH">
+                    <a:noFill/>
+                  </a:rPr>
+                  <a:t> </a:t>
+                </a:r>
+              </a:p>
+            </p:txBody>
+          </p:sp>
+        </mc:Fallback>
+      </mc:AlternateContent>
+      <mc:AlternateContent xmlns:mc="http://schemas.openxmlformats.org/markup-compatibility/2006">
+        <mc:Choice xmlns:a14="http://schemas.microsoft.com/office/drawing/2010/main" Requires="a14">
+          <p:sp>
+            <p:nvSpPr>
+              <p:cNvPr id="8" name="TextBox 7">
+                <a:extLst>
+                  <a:ext uri="{FF2B5EF4-FFF2-40B4-BE49-F238E27FC236}">
+                    <a16:creationId xmlns:a16="http://schemas.microsoft.com/office/drawing/2014/main" id="{F2705978-1EC1-569D-C6A1-92A85AE0CEDB}"/>
+                  </a:ext>
+                </a:extLst>
+              </p:cNvPr>
+              <p:cNvSpPr txBox="1"/>
+              <p:nvPr/>
+            </p:nvSpPr>
+            <p:spPr>
+              <a:xfrm>
+                <a:off x="6596806" y="4401869"/>
+                <a:ext cx="3550805" cy="1200329"/>
+              </a:xfrm>
+              <a:prstGeom prst="rect">
+                <a:avLst/>
+              </a:prstGeom>
+              <a:ln w="38100"/>
+            </p:spPr>
+            <p:style>
+              <a:lnRef idx="2">
+                <a:schemeClr val="accent6"/>
+              </a:lnRef>
+              <a:fillRef idx="1">
+                <a:schemeClr val="lt1"/>
+              </a:fillRef>
+              <a:effectRef idx="0">
+                <a:schemeClr val="accent6"/>
+              </a:effectRef>
+              <a:fontRef idx="minor">
+                <a:schemeClr val="dk1"/>
+              </a:fontRef>
+            </p:style>
+            <p:txBody>
+              <a:bodyPr wrap="square">
+                <a:spAutoFit/>
+              </a:bodyPr>
+              <a:lstStyle/>
+              <a:p>
+                <a:r>
+                  <a:rPr lang="en-US" sz="2400" b="1" dirty="0"/>
+                  <a:t>Counterexample</a:t>
+                </a:r>
+                <a:endParaRPr lang="en-US" sz="2400" dirty="0"/>
+              </a:p>
+              <a:p>
+                <a:r>
+                  <a:rPr lang="en-US" sz="2400" dirty="0"/>
+                  <a:t>Find example of </a:t>
+                </a:r>
+                <a14:m>
+                  <m:oMath xmlns:m="http://schemas.openxmlformats.org/officeDocument/2006/math">
+                    <m:r>
+                      <a:rPr lang="en-US" sz="2400" i="1">
+                        <a:latin typeface="Cambria Math" panose="02040503050406030204" pitchFamily="18" charset="0"/>
+                        <a:ea typeface="Cambria Math" panose="02040503050406030204" pitchFamily="18" charset="0"/>
+                      </a:rPr>
+                      <m:t>𝑃</m:t>
+                    </m:r>
+                  </m:oMath>
+                </a14:m>
+                <a:r>
+                  <a:rPr lang="en-US" sz="2400" dirty="0"/>
+                  <a:t> and </a:t>
+                </a:r>
+                <a14:m>
+                  <m:oMath xmlns:m="http://schemas.openxmlformats.org/officeDocument/2006/math">
+                    <m:r>
+                      <a:rPr lang="en-US" sz="2400" dirty="0">
+                        <a:latin typeface="Cambria Math" panose="02040503050406030204" pitchFamily="18" charset="0"/>
+                        <a:ea typeface="Cambria Math" panose="02040503050406030204" pitchFamily="18" charset="0"/>
+                      </a:rPr>
+                      <m:t>~</m:t>
+                    </m:r>
+                    <m:r>
+                      <a:rPr lang="en-US" sz="2400" i="1">
+                        <a:latin typeface="Cambria Math" panose="02040503050406030204" pitchFamily="18" charset="0"/>
+                        <a:ea typeface="Cambria Math" panose="02040503050406030204" pitchFamily="18" charset="0"/>
+                      </a:rPr>
+                      <m:t>𝑄</m:t>
+                    </m:r>
+                  </m:oMath>
+                </a14:m>
+                <a:endParaRPr lang="en-US" sz="2400" dirty="0">
+                  <a:ea typeface="Cambria Math" panose="02040503050406030204" pitchFamily="18" charset="0"/>
+                </a:endParaRPr>
+              </a:p>
+              <a:p>
+                <a:r>
+                  <a:rPr lang="en-US" sz="2400" dirty="0"/>
+                  <a:t>Show it’s false</a:t>
+                </a:r>
+              </a:p>
+            </p:txBody>
+          </p:sp>
+        </mc:Choice>
+        <mc:Fallback>
+          <p:sp>
+            <p:nvSpPr>
+              <p:cNvPr id="8" name="TextBox 7">
+                <a:extLst>
+                  <a:ext uri="{FF2B5EF4-FFF2-40B4-BE49-F238E27FC236}">
+                    <a16:creationId xmlns:a16="http://schemas.microsoft.com/office/drawing/2014/main" id="{F2705978-1EC1-569D-C6A1-92A85AE0CEDB}"/>
+                  </a:ext>
+                </a:extLst>
+              </p:cNvPr>
+              <p:cNvSpPr txBox="1">
+                <a:spLocks noRot="1" noChangeAspect="1" noMove="1" noResize="1" noEditPoints="1" noAdjustHandles="1" noChangeArrowheads="1" noChangeShapeType="1" noTextEdit="1"/>
+              </p:cNvSpPr>
+              <p:nvPr/>
+            </p:nvSpPr>
+            <p:spPr>
+              <a:xfrm>
+                <a:off x="6596806" y="4401869"/>
+                <a:ext cx="3550805" cy="1200329"/>
+              </a:xfrm>
+              <a:prstGeom prst="rect">
+                <a:avLst/>
+              </a:prstGeom>
+              <a:blipFill>
+                <a:blip r:embed="rId8"/>
+                <a:stretch>
+                  <a:fillRect l="-2037" t="-2463" b="-8867"/>
+                </a:stretch>
+              </a:blipFill>
+              <a:ln w="38100"/>
+            </p:spPr>
+            <p:txBody>
+              <a:bodyPr/>
+              <a:lstStyle/>
+              <a:p>
+                <a:r>
+                  <a:rPr lang="en-PH">
+                    <a:noFill/>
+                  </a:rPr>
+                  <a:t> </a:t>
+                </a:r>
+              </a:p>
+            </p:txBody>
+          </p:sp>
+        </mc:Fallback>
+      </mc:AlternateContent>
+    </p:spTree>
+    <p:extLst>
+      <p:ext uri="{BB962C8B-B14F-4D97-AF65-F5344CB8AC3E}">
+        <p14:creationId xmlns:p14="http://schemas.microsoft.com/office/powerpoint/2010/main" val="2657321819"/>
+      </p:ext>
+    </p:extLst>
+  </p:cSld>
+  <p:clrMapOvr>
+    <a:masterClrMapping/>
+  </p:clrMapOvr>
+</p:sld>
+</file>
+
+<file path=ppt/slides/slide8.xml><?xml version="1.0" encoding="utf-8"?>
+<p:sld xmlns:a="http://schemas.openxmlformats.org/drawingml/2006/main" xmlns:r="http://schemas.openxmlformats.org/officeDocument/2006/relationships" xmlns:p="http://schemas.openxmlformats.org/presentationml/2006/main">
+  <p:cSld>
+    <p:bg>
+      <p:bgPr>
+        <a:blipFill dpi="0" rotWithShape="1">
+          <a:blip r:embed="rId3">
+            <a:alphaModFix amt="99000"/>
+            <a:lum/>
+          </a:blip>
+          <a:srcRect/>
+          <a:stretch>
+            <a:fillRect t="89000" r="85000" b="-1000"/>
+          </a:stretch>
+        </a:blipFill>
+        <a:effectLst/>
+      </p:bgPr>
+    </p:bg>
+    <p:spTree>
+      <p:nvGrpSpPr>
+        <p:cNvPr id="1" name=""/>
+        <p:cNvGrpSpPr/>
+        <p:nvPr/>
+      </p:nvGrpSpPr>
+      <p:grpSpPr>
+        <a:xfrm>
+          <a:off x="0" y="0"/>
+          <a:ext cx="0" cy="0"/>
+          <a:chOff x="0" y="0"/>
+          <a:chExt cx="0" cy="0"/>
+        </a:xfrm>
+      </p:grpSpPr>
+      <p:sp>
+        <p:nvSpPr>
+          <p:cNvPr id="2" name="Title 1">
+            <a:extLst>
+              <a:ext uri="{FF2B5EF4-FFF2-40B4-BE49-F238E27FC236}">
+                <a16:creationId xmlns:a16="http://schemas.microsoft.com/office/drawing/2014/main" id="{6A3DCE86-C2BA-4713-9E7A-73589E8D6CCF}"/>
+              </a:ext>
+            </a:extLst>
+          </p:cNvPr>
+          <p:cNvSpPr>
+            <a:spLocks noGrp="1"/>
+          </p:cNvSpPr>
+          <p:nvPr>
+            <p:ph type="ctrTitle"/>
+          </p:nvPr>
+        </p:nvSpPr>
+        <p:spPr>
+          <a:xfrm>
+            <a:off x="1524000" y="497150"/>
+            <a:ext cx="9144000" cy="718459"/>
+          </a:xfrm>
+        </p:spPr>
+        <p:txBody>
+          <a:bodyPr>
+            <a:normAutofit fontScale="90000"/>
+          </a:bodyPr>
+          <a:lstStyle/>
+          <a:p>
+            <a:r>
+              <a:rPr lang="en-PH" b="1" dirty="0"/>
+              <a:t>Proof Techniques</a:t>
+            </a:r>
+          </a:p>
+        </p:txBody>
+      </p:sp>
+      <p:sp>
+        <p:nvSpPr>
+          <p:cNvPr id="4" name="Footer Placeholder 3">
+            <a:extLst>
+              <a:ext uri="{FF2B5EF4-FFF2-40B4-BE49-F238E27FC236}">
+                <a16:creationId xmlns:a16="http://schemas.microsoft.com/office/drawing/2014/main" id="{638E7DE1-45EE-476A-A474-0F3C264AEDA3}"/>
+              </a:ext>
+            </a:extLst>
+          </p:cNvPr>
+          <p:cNvSpPr>
+            <a:spLocks noGrp="1"/>
+          </p:cNvSpPr>
+          <p:nvPr>
+            <p:ph type="ftr" sz="quarter" idx="11"/>
+          </p:nvPr>
+        </p:nvSpPr>
+        <p:spPr>
+          <a:xfrm>
+            <a:off x="0" y="6139541"/>
+            <a:ext cx="12192000" cy="718459"/>
+          </a:xfrm>
+          <a:ln w="28575">
+            <a:solidFill>
+              <a:schemeClr val="accent5">
+                <a:lumMod val="50000"/>
+              </a:schemeClr>
+            </a:solidFill>
+          </a:ln>
+        </p:spPr>
+        <p:txBody>
+          <a:bodyPr/>
+          <a:lstStyle/>
+          <a:p>
+            <a:pPr algn="r"/>
+            <a:r>
+              <a:rPr lang="en-PH" b="1" dirty="0">
+                <a:solidFill>
+                  <a:schemeClr val="tx1"/>
+                </a:solidFill>
+              </a:rPr>
+              <a:t>CCALCOMP</a:t>
+            </a:r>
+          </a:p>
+        </p:txBody>
+      </p:sp>
+      <mc:AlternateContent xmlns:mc="http://schemas.openxmlformats.org/markup-compatibility/2006">
+        <mc:Choice xmlns:a14="http://schemas.microsoft.com/office/drawing/2010/main" Requires="a14">
+          <p:sp>
+            <p:nvSpPr>
+              <p:cNvPr id="3" name="TextBox 2">
+                <a:extLst>
+                  <a:ext uri="{FF2B5EF4-FFF2-40B4-BE49-F238E27FC236}">
+                    <a16:creationId xmlns:a16="http://schemas.microsoft.com/office/drawing/2014/main" id="{56ECF76A-A841-37DE-42C4-40E735AB1F8F}"/>
+                  </a:ext>
+                </a:extLst>
+              </p:cNvPr>
+              <p:cNvSpPr txBox="1"/>
+              <p:nvPr/>
+            </p:nvSpPr>
+            <p:spPr>
+              <a:xfrm>
+                <a:off x="2210373" y="2725825"/>
+                <a:ext cx="3348834" cy="1061829"/>
+              </a:xfrm>
+              <a:prstGeom prst="rect">
+                <a:avLst/>
+              </a:prstGeom>
+              <a:ln w="28575"/>
+            </p:spPr>
+            <p:style>
+              <a:lnRef idx="2">
+                <a:schemeClr val="accent5"/>
+              </a:lnRef>
+              <a:fillRef idx="1">
+                <a:schemeClr val="lt1"/>
+              </a:fillRef>
+              <a:effectRef idx="0">
+                <a:schemeClr val="accent5"/>
+              </a:effectRef>
+              <a:fontRef idx="minor">
+                <a:schemeClr val="dk1"/>
+              </a:fontRef>
+            </p:style>
+            <p:txBody>
+              <a:bodyPr wrap="square">
+                <a:spAutoFit/>
+              </a:bodyPr>
+              <a:lstStyle/>
+              <a:p>
+                <a:r>
+                  <a:rPr lang="en-US" sz="2100" b="1" dirty="0"/>
+                  <a:t>Proof by Contrapositive</a:t>
+                </a:r>
+                <a:endParaRPr lang="en-US" sz="2100" dirty="0"/>
+              </a:p>
+              <a:p>
+                <a:r>
+                  <a:rPr lang="en-US" sz="2100" dirty="0"/>
+                  <a:t>Assume </a:t>
+                </a:r>
+                <a14:m>
+                  <m:oMath xmlns:m="http://schemas.openxmlformats.org/officeDocument/2006/math">
+                    <m:r>
+                      <a:rPr lang="en-US" sz="2100" dirty="0">
+                        <a:latin typeface="Cambria Math" panose="02040503050406030204" pitchFamily="18" charset="0"/>
+                        <a:ea typeface="Cambria Math" panose="02040503050406030204" pitchFamily="18" charset="0"/>
+                      </a:rPr>
+                      <m:t>~</m:t>
+                    </m:r>
+                    <m:r>
+                      <a:rPr lang="en-US" sz="2100" i="1">
+                        <a:latin typeface="Cambria Math" panose="02040503050406030204" pitchFamily="18" charset="0"/>
+                        <a:ea typeface="Cambria Math" panose="02040503050406030204" pitchFamily="18" charset="0"/>
+                      </a:rPr>
+                      <m:t>𝑄</m:t>
+                    </m:r>
+                  </m:oMath>
+                </a14:m>
+                <a:endParaRPr lang="en-US" sz="2100" dirty="0"/>
+              </a:p>
+              <a:p>
+                <a:r>
+                  <a:rPr lang="en-US" sz="2100" dirty="0"/>
+                  <a:t>Conclude</a:t>
+                </a:r>
+                <a14:m>
+                  <m:oMath xmlns:m="http://schemas.openxmlformats.org/officeDocument/2006/math">
+                    <m:r>
+                      <a:rPr lang="en-US" sz="2100" b="0" i="0" smtClean="0">
+                        <a:latin typeface="Cambria Math" panose="02040503050406030204" pitchFamily="18" charset="0"/>
+                        <a:ea typeface="Cambria Math" panose="02040503050406030204" pitchFamily="18" charset="0"/>
+                      </a:rPr>
+                      <m:t> </m:t>
+                    </m:r>
+                    <m:r>
+                      <a:rPr lang="en-US" sz="2100" i="1">
+                        <a:latin typeface="Cambria Math" panose="02040503050406030204" pitchFamily="18" charset="0"/>
+                        <a:ea typeface="Cambria Math" panose="02040503050406030204" pitchFamily="18" charset="0"/>
+                      </a:rPr>
+                      <m:t>𝑃</m:t>
+                    </m:r>
+                  </m:oMath>
+                </a14:m>
+                <a:endParaRPr lang="el-GR" sz="2100" dirty="0"/>
+              </a:p>
+            </p:txBody>
+          </p:sp>
+        </mc:Choice>
+        <mc:Fallback>
+          <p:sp>
+            <p:nvSpPr>
+              <p:cNvPr id="3" name="TextBox 2">
+                <a:extLst>
+                  <a:ext uri="{FF2B5EF4-FFF2-40B4-BE49-F238E27FC236}">
+                    <a16:creationId xmlns:a16="http://schemas.microsoft.com/office/drawing/2014/main" id="{56ECF76A-A841-37DE-42C4-40E735AB1F8F}"/>
+                  </a:ext>
+                </a:extLst>
+              </p:cNvPr>
+              <p:cNvSpPr txBox="1">
+                <a:spLocks noRot="1" noChangeAspect="1" noMove="1" noResize="1" noEditPoints="1" noAdjustHandles="1" noChangeArrowheads="1" noChangeShapeType="1" noTextEdit="1"/>
+              </p:cNvSpPr>
+              <p:nvPr/>
+            </p:nvSpPr>
+            <p:spPr>
+              <a:xfrm>
+                <a:off x="2210373" y="2725825"/>
+                <a:ext cx="3348834" cy="1061829"/>
+              </a:xfrm>
+              <a:prstGeom prst="rect">
+                <a:avLst/>
+              </a:prstGeom>
+              <a:blipFill>
+                <a:blip r:embed="rId4"/>
+                <a:stretch>
+                  <a:fillRect l="-1805" t="-2235" b="-8939"/>
+                </a:stretch>
+              </a:blipFill>
+              <a:ln w="28575"/>
+            </p:spPr>
+            <p:txBody>
+              <a:bodyPr/>
+              <a:lstStyle/>
+              <a:p>
+                <a:r>
+                  <a:rPr lang="en-PH">
+                    <a:noFill/>
+                  </a:rPr>
+                  <a:t> </a:t>
+                </a:r>
+              </a:p>
+            </p:txBody>
+          </p:sp>
+        </mc:Fallback>
+      </mc:AlternateContent>
+      <mc:AlternateContent xmlns:mc="http://schemas.openxmlformats.org/markup-compatibility/2006">
+        <mc:Choice xmlns:a14="http://schemas.microsoft.com/office/drawing/2010/main" Requires="a14">
+          <p:sp>
+            <p:nvSpPr>
+              <p:cNvPr id="5" name="TextBox 4">
+                <a:extLst>
+                  <a:ext uri="{FF2B5EF4-FFF2-40B4-BE49-F238E27FC236}">
+                    <a16:creationId xmlns:a16="http://schemas.microsoft.com/office/drawing/2014/main" id="{24C60938-1D17-486B-2F3F-B135AC525029}"/>
+                  </a:ext>
+                </a:extLst>
+              </p:cNvPr>
+              <p:cNvSpPr txBox="1"/>
+              <p:nvPr/>
+            </p:nvSpPr>
+            <p:spPr>
+              <a:xfrm>
+                <a:off x="1524000" y="1457353"/>
+                <a:ext cx="10039815" cy="553998"/>
+              </a:xfrm>
+              <a:prstGeom prst="rect">
+                <a:avLst/>
+              </a:prstGeom>
+              <a:noFill/>
+            </p:spPr>
+            <p:txBody>
+              <a:bodyPr wrap="square">
+                <a:spAutoFit/>
+              </a:bodyPr>
+              <a:lstStyle/>
+              <a:p>
+                <a:pPr lvl="1"/>
+                <a:r>
+                  <a:rPr lang="en-US" sz="3000" dirty="0">
+                    <a:ea typeface="Cambria Math" panose="02040503050406030204" pitchFamily="18" charset="0"/>
+                  </a:rPr>
+                  <a:t>We will prove</a:t>
+                </a:r>
+                <a14:m>
+                  <m:oMath xmlns:m="http://schemas.openxmlformats.org/officeDocument/2006/math">
+                    <m:r>
+                      <a:rPr lang="en-US" sz="3000" b="0" i="0" smtClean="0">
+                        <a:latin typeface="Cambria Math" panose="02040503050406030204" pitchFamily="18" charset="0"/>
+                        <a:ea typeface="Cambria Math" panose="02040503050406030204" pitchFamily="18" charset="0"/>
+                      </a:rPr>
+                      <m:t> </m:t>
+                    </m:r>
+                    <m:r>
+                      <a:rPr lang="en-US" sz="3000" b="0" i="1" smtClean="0">
+                        <a:latin typeface="Cambria Math" panose="02040503050406030204" pitchFamily="18" charset="0"/>
+                        <a:ea typeface="Cambria Math" panose="02040503050406030204" pitchFamily="18" charset="0"/>
+                      </a:rPr>
+                      <m:t>𝑃</m:t>
+                    </m:r>
+                    <m:r>
+                      <a:rPr lang="en-US" sz="3000" b="0" i="1" smtClean="0">
+                        <a:latin typeface="Cambria Math" panose="02040503050406030204" pitchFamily="18" charset="0"/>
+                        <a:ea typeface="Cambria Math" panose="02040503050406030204" pitchFamily="18" charset="0"/>
+                      </a:rPr>
+                      <m:t> ⇒</m:t>
+                    </m:r>
+                    <m:r>
+                      <a:rPr lang="en-US" sz="3000" b="0" i="1" smtClean="0">
+                        <a:latin typeface="Cambria Math" panose="02040503050406030204" pitchFamily="18" charset="0"/>
+                        <a:ea typeface="Cambria Math" panose="02040503050406030204" pitchFamily="18" charset="0"/>
+                      </a:rPr>
+                      <m:t>𝑄</m:t>
+                    </m:r>
+                  </m:oMath>
+                </a14:m>
+                <a:r>
+                  <a:rPr lang="en-US" sz="3000" dirty="0">
+                    <a:latin typeface="Cambria Math" panose="02040503050406030204" pitchFamily="18" charset="0"/>
+                    <a:ea typeface="Cambria Math" panose="02040503050406030204" pitchFamily="18" charset="0"/>
+                  </a:rPr>
+                  <a:t> using the four approaches.</a:t>
+                </a:r>
+              </a:p>
+            </p:txBody>
+          </p:sp>
+        </mc:Choice>
+        <mc:Fallback>
+          <p:sp>
+            <p:nvSpPr>
+              <p:cNvPr id="5" name="TextBox 4">
+                <a:extLst>
+                  <a:ext uri="{FF2B5EF4-FFF2-40B4-BE49-F238E27FC236}">
+                    <a16:creationId xmlns:a16="http://schemas.microsoft.com/office/drawing/2014/main" id="{24C60938-1D17-486B-2F3F-B135AC525029}"/>
+                  </a:ext>
+                </a:extLst>
+              </p:cNvPr>
+              <p:cNvSpPr txBox="1">
+                <a:spLocks noRot="1" noChangeAspect="1" noMove="1" noResize="1" noEditPoints="1" noAdjustHandles="1" noChangeArrowheads="1" noChangeShapeType="1" noTextEdit="1"/>
+              </p:cNvSpPr>
+              <p:nvPr/>
+            </p:nvSpPr>
+            <p:spPr>
+              <a:xfrm>
+                <a:off x="1524000" y="1457353"/>
+                <a:ext cx="10039815" cy="553998"/>
+              </a:xfrm>
+              <a:prstGeom prst="rect">
+                <a:avLst/>
+              </a:prstGeom>
+              <a:blipFill>
+                <a:blip r:embed="rId5"/>
+                <a:stretch>
+                  <a:fillRect t="-16484" b="-34066"/>
+                </a:stretch>
+              </a:blipFill>
+            </p:spPr>
+            <p:txBody>
+              <a:bodyPr/>
+              <a:lstStyle/>
+              <a:p>
+                <a:r>
+                  <a:rPr lang="en-PH">
+                    <a:noFill/>
+                  </a:rPr>
+                  <a:t> </a:t>
+                </a:r>
+              </a:p>
+            </p:txBody>
+          </p:sp>
+        </mc:Fallback>
+      </mc:AlternateContent>
+      <mc:AlternateContent xmlns:mc="http://schemas.openxmlformats.org/markup-compatibility/2006">
+        <mc:Choice xmlns:a14="http://schemas.microsoft.com/office/drawing/2010/main" Requires="a14">
+          <p:sp>
+            <p:nvSpPr>
+              <p:cNvPr id="6" name="TextBox 5">
+                <a:extLst>
+                  <a:ext uri="{FF2B5EF4-FFF2-40B4-BE49-F238E27FC236}">
+                    <a16:creationId xmlns:a16="http://schemas.microsoft.com/office/drawing/2014/main" id="{3258C030-198B-755A-4C6B-CC999F7B5A7A}"/>
+                  </a:ext>
+                </a:extLst>
+              </p:cNvPr>
+              <p:cNvSpPr txBox="1"/>
+              <p:nvPr/>
+            </p:nvSpPr>
+            <p:spPr>
+              <a:xfrm>
+                <a:off x="65717" y="2725825"/>
+                <a:ext cx="2032488" cy="1061829"/>
+              </a:xfrm>
+              <a:prstGeom prst="rect">
+                <a:avLst/>
+              </a:prstGeom>
+              <a:ln w="28575"/>
+            </p:spPr>
+            <p:style>
+              <a:lnRef idx="2">
+                <a:schemeClr val="accent5"/>
+              </a:lnRef>
+              <a:fillRef idx="1">
+                <a:schemeClr val="lt1"/>
+              </a:fillRef>
+              <a:effectRef idx="0">
+                <a:schemeClr val="accent5"/>
+              </a:effectRef>
+              <a:fontRef idx="minor">
+                <a:schemeClr val="dk1"/>
+              </a:fontRef>
+            </p:style>
+            <p:txBody>
+              <a:bodyPr wrap="square">
+                <a:spAutoFit/>
+              </a:bodyPr>
+              <a:lstStyle/>
+              <a:p>
+                <a:r>
+                  <a:rPr lang="en-US" sz="2100" b="1" dirty="0"/>
+                  <a:t>Direct Proof</a:t>
+                </a:r>
+                <a:endParaRPr lang="en-US" sz="2100" dirty="0"/>
+              </a:p>
+              <a:p>
+                <a:r>
+                  <a:rPr lang="en-US" sz="2100" dirty="0"/>
+                  <a:t>Assume </a:t>
+                </a:r>
+                <a14:m>
+                  <m:oMath xmlns:m="http://schemas.openxmlformats.org/officeDocument/2006/math">
+                    <m:r>
+                      <a:rPr lang="en-US" sz="2100" b="0" i="1" smtClean="0">
+                        <a:latin typeface="Cambria Math" panose="02040503050406030204" pitchFamily="18" charset="0"/>
+                        <a:ea typeface="Cambria Math" panose="02040503050406030204" pitchFamily="18" charset="0"/>
+                      </a:rPr>
+                      <m:t>𝑃</m:t>
+                    </m:r>
+                  </m:oMath>
+                </a14:m>
+                <a:endParaRPr lang="en-US" sz="2100" dirty="0"/>
+              </a:p>
+              <a:p>
+                <a:r>
+                  <a:rPr lang="en-US" sz="2100" dirty="0"/>
+                  <a:t>Conclude </a:t>
+                </a:r>
+                <a14:m>
+                  <m:oMath xmlns:m="http://schemas.openxmlformats.org/officeDocument/2006/math">
+                    <m:r>
+                      <a:rPr lang="en-US" sz="2100" b="0" i="1" smtClean="0">
+                        <a:latin typeface="Cambria Math" panose="02040503050406030204" pitchFamily="18" charset="0"/>
+                        <a:ea typeface="Cambria Math" panose="02040503050406030204" pitchFamily="18" charset="0"/>
+                      </a:rPr>
+                      <m:t>𝑄</m:t>
+                    </m:r>
+                  </m:oMath>
+                </a14:m>
+                <a:endParaRPr lang="el-GR" sz="2100" dirty="0"/>
+              </a:p>
+            </p:txBody>
+          </p:sp>
+        </mc:Choice>
+        <mc:Fallback>
+          <p:sp>
+            <p:nvSpPr>
+              <p:cNvPr id="6" name="TextBox 5">
+                <a:extLst>
+                  <a:ext uri="{FF2B5EF4-FFF2-40B4-BE49-F238E27FC236}">
+                    <a16:creationId xmlns:a16="http://schemas.microsoft.com/office/drawing/2014/main" id="{3258C030-198B-755A-4C6B-CC999F7B5A7A}"/>
+                  </a:ext>
+                </a:extLst>
+              </p:cNvPr>
+              <p:cNvSpPr txBox="1">
+                <a:spLocks noRot="1" noChangeAspect="1" noMove="1" noResize="1" noEditPoints="1" noAdjustHandles="1" noChangeArrowheads="1" noChangeShapeType="1" noTextEdit="1"/>
+              </p:cNvSpPr>
+              <p:nvPr/>
+            </p:nvSpPr>
+            <p:spPr>
+              <a:xfrm>
+                <a:off x="65717" y="2725825"/>
+                <a:ext cx="2032488" cy="1061829"/>
+              </a:xfrm>
+              <a:prstGeom prst="rect">
+                <a:avLst/>
+              </a:prstGeom>
+              <a:blipFill>
+                <a:blip r:embed="rId6"/>
+                <a:stretch>
+                  <a:fillRect l="-2959" t="-2235" b="-8939"/>
+                </a:stretch>
+              </a:blipFill>
+              <a:ln w="28575"/>
+            </p:spPr>
+            <p:txBody>
+              <a:bodyPr/>
+              <a:lstStyle/>
+              <a:p>
+                <a:r>
+                  <a:rPr lang="en-PH">
+                    <a:noFill/>
+                  </a:rPr>
+                  <a:t> </a:t>
+                </a:r>
+              </a:p>
+            </p:txBody>
+          </p:sp>
+        </mc:Fallback>
+      </mc:AlternateContent>
+      <mc:AlternateContent xmlns:mc="http://schemas.openxmlformats.org/markup-compatibility/2006">
+        <mc:Choice xmlns:a14="http://schemas.microsoft.com/office/drawing/2010/main" Requires="a14">
+          <p:sp>
+            <p:nvSpPr>
+              <p:cNvPr id="7" name="TextBox 6">
+                <a:extLst>
+                  <a:ext uri="{FF2B5EF4-FFF2-40B4-BE49-F238E27FC236}">
+                    <a16:creationId xmlns:a16="http://schemas.microsoft.com/office/drawing/2014/main" id="{83AAEE84-2E72-536F-A7E0-C873FD5113D0}"/>
+                  </a:ext>
+                </a:extLst>
+              </p:cNvPr>
+              <p:cNvSpPr txBox="1"/>
+              <p:nvPr/>
+            </p:nvSpPr>
+            <p:spPr>
+              <a:xfrm>
+                <a:off x="5671375" y="2721236"/>
+                <a:ext cx="3122342" cy="1061829"/>
+              </a:xfrm>
+              <a:prstGeom prst="rect">
+                <a:avLst/>
+              </a:prstGeom>
+              <a:ln w="28575"/>
+            </p:spPr>
+            <p:style>
+              <a:lnRef idx="2">
+                <a:schemeClr val="accent5"/>
+              </a:lnRef>
+              <a:fillRef idx="1">
+                <a:schemeClr val="lt1"/>
+              </a:fillRef>
+              <a:effectRef idx="0">
+                <a:schemeClr val="accent5"/>
+              </a:effectRef>
+              <a:fontRef idx="minor">
+                <a:schemeClr val="dk1"/>
+              </a:fontRef>
+            </p:style>
+            <p:txBody>
+              <a:bodyPr wrap="square">
+                <a:spAutoFit/>
+              </a:bodyPr>
+              <a:lstStyle/>
+              <a:p>
+                <a:r>
+                  <a:rPr lang="en-US" sz="2100" b="1" dirty="0"/>
+                  <a:t>Proof by Contradiction</a:t>
+                </a:r>
+              </a:p>
+              <a:p>
+                <a:r>
+                  <a:rPr lang="en-US" sz="2100" dirty="0"/>
+                  <a:t>Assume </a:t>
+                </a:r>
+                <a14:m>
+                  <m:oMath xmlns:m="http://schemas.openxmlformats.org/officeDocument/2006/math">
+                    <m:r>
+                      <a:rPr lang="en-US" sz="2100" b="0" i="1" smtClean="0">
+                        <a:latin typeface="Cambria Math" panose="02040503050406030204" pitchFamily="18" charset="0"/>
+                        <a:ea typeface="Cambria Math" panose="02040503050406030204" pitchFamily="18" charset="0"/>
+                      </a:rPr>
+                      <m:t>𝑃</m:t>
+                    </m:r>
+                  </m:oMath>
+                </a14:m>
+                <a:r>
+                  <a:rPr lang="en-US" sz="2100" dirty="0"/>
+                  <a:t> and </a:t>
+                </a:r>
+                <a14:m>
+                  <m:oMath xmlns:m="http://schemas.openxmlformats.org/officeDocument/2006/math">
+                    <m:r>
+                      <a:rPr lang="en-US" sz="2100" dirty="0" smtClean="0">
+                        <a:latin typeface="Cambria Math" panose="02040503050406030204" pitchFamily="18" charset="0"/>
+                        <a:ea typeface="Cambria Math" panose="02040503050406030204" pitchFamily="18" charset="0"/>
+                      </a:rPr>
+                      <m:t>~</m:t>
+                    </m:r>
+                    <m:r>
+                      <a:rPr lang="en-US" sz="2100" i="1">
+                        <a:latin typeface="Cambria Math" panose="02040503050406030204" pitchFamily="18" charset="0"/>
+                        <a:ea typeface="Cambria Math" panose="02040503050406030204" pitchFamily="18" charset="0"/>
+                      </a:rPr>
+                      <m:t>𝑄</m:t>
+                    </m:r>
+                  </m:oMath>
+                </a14:m>
+                <a:endParaRPr lang="en-US" sz="2100" dirty="0"/>
+              </a:p>
+              <a:p>
+                <a:r>
+                  <a:rPr lang="en-US" sz="2100" dirty="0"/>
+                  <a:t>Get a contradiction</a:t>
+                </a:r>
+                <a:endParaRPr lang="el-GR" sz="2100" dirty="0"/>
+              </a:p>
+            </p:txBody>
+          </p:sp>
+        </mc:Choice>
+        <mc:Fallback>
+          <p:sp>
+            <p:nvSpPr>
+              <p:cNvPr id="7" name="TextBox 6">
+                <a:extLst>
+                  <a:ext uri="{FF2B5EF4-FFF2-40B4-BE49-F238E27FC236}">
+                    <a16:creationId xmlns:a16="http://schemas.microsoft.com/office/drawing/2014/main" id="{83AAEE84-2E72-536F-A7E0-C873FD5113D0}"/>
+                  </a:ext>
+                </a:extLst>
+              </p:cNvPr>
+              <p:cNvSpPr txBox="1">
+                <a:spLocks noRot="1" noChangeAspect="1" noMove="1" noResize="1" noEditPoints="1" noAdjustHandles="1" noChangeArrowheads="1" noChangeShapeType="1" noTextEdit="1"/>
+              </p:cNvSpPr>
+              <p:nvPr/>
+            </p:nvSpPr>
+            <p:spPr>
+              <a:xfrm>
+                <a:off x="5671375" y="2721236"/>
+                <a:ext cx="3122342" cy="1061829"/>
+              </a:xfrm>
+              <a:prstGeom prst="rect">
+                <a:avLst/>
+              </a:prstGeom>
+              <a:blipFill>
+                <a:blip r:embed="rId7"/>
+                <a:stretch>
+                  <a:fillRect l="-1931" t="-2222" b="-8333"/>
+                </a:stretch>
+              </a:blipFill>
+              <a:ln w="28575"/>
+            </p:spPr>
+            <p:txBody>
+              <a:bodyPr/>
+              <a:lstStyle/>
+              <a:p>
+                <a:r>
+                  <a:rPr lang="en-PH">
+                    <a:noFill/>
+                  </a:rPr>
+                  <a:t> </a:t>
+                </a:r>
+              </a:p>
+            </p:txBody>
+          </p:sp>
+        </mc:Fallback>
+      </mc:AlternateContent>
+      <mc:AlternateContent xmlns:mc="http://schemas.openxmlformats.org/markup-compatibility/2006">
+        <mc:Choice xmlns:a14="http://schemas.microsoft.com/office/drawing/2010/main" Requires="a14">
+          <p:sp>
+            <p:nvSpPr>
+              <p:cNvPr id="8" name="TextBox 7">
+                <a:extLst>
+                  <a:ext uri="{FF2B5EF4-FFF2-40B4-BE49-F238E27FC236}">
+                    <a16:creationId xmlns:a16="http://schemas.microsoft.com/office/drawing/2014/main" id="{F2705978-1EC1-569D-C6A1-92A85AE0CEDB}"/>
+                  </a:ext>
+                </a:extLst>
+              </p:cNvPr>
+              <p:cNvSpPr txBox="1"/>
+              <p:nvPr/>
+            </p:nvSpPr>
+            <p:spPr>
+              <a:xfrm>
+                <a:off x="8905885" y="2725017"/>
+                <a:ext cx="3220398" cy="1061829"/>
+              </a:xfrm>
+              <a:prstGeom prst="rect">
+                <a:avLst/>
+              </a:prstGeom>
+              <a:ln w="28575"/>
+            </p:spPr>
+            <p:style>
+              <a:lnRef idx="2">
+                <a:schemeClr val="accent5"/>
+              </a:lnRef>
+              <a:fillRef idx="1">
+                <a:schemeClr val="lt1"/>
+              </a:fillRef>
+              <a:effectRef idx="0">
+                <a:schemeClr val="accent5"/>
+              </a:effectRef>
+              <a:fontRef idx="minor">
+                <a:schemeClr val="dk1"/>
+              </a:fontRef>
+            </p:style>
+            <p:txBody>
+              <a:bodyPr wrap="square">
+                <a:spAutoFit/>
+              </a:bodyPr>
+              <a:lstStyle/>
+              <a:p>
+                <a:r>
+                  <a:rPr lang="en-US" sz="2100" b="1" dirty="0"/>
+                  <a:t>Counterexample</a:t>
+                </a:r>
+                <a:endParaRPr lang="en-US" sz="2100" dirty="0"/>
+              </a:p>
+              <a:p>
+                <a:r>
+                  <a:rPr lang="en-US" sz="2100" dirty="0"/>
+                  <a:t>Find example of </a:t>
+                </a:r>
+                <a14:m>
+                  <m:oMath xmlns:m="http://schemas.openxmlformats.org/officeDocument/2006/math">
+                    <m:r>
+                      <a:rPr lang="en-US" sz="2100" i="1">
+                        <a:latin typeface="Cambria Math" panose="02040503050406030204" pitchFamily="18" charset="0"/>
+                        <a:ea typeface="Cambria Math" panose="02040503050406030204" pitchFamily="18" charset="0"/>
+                      </a:rPr>
+                      <m:t>𝑃</m:t>
+                    </m:r>
+                  </m:oMath>
+                </a14:m>
+                <a:r>
+                  <a:rPr lang="en-US" sz="2100" dirty="0"/>
+                  <a:t> and </a:t>
+                </a:r>
+                <a14:m>
+                  <m:oMath xmlns:m="http://schemas.openxmlformats.org/officeDocument/2006/math">
+                    <m:r>
+                      <a:rPr lang="en-US" sz="2100" dirty="0">
+                        <a:latin typeface="Cambria Math" panose="02040503050406030204" pitchFamily="18" charset="0"/>
+                        <a:ea typeface="Cambria Math" panose="02040503050406030204" pitchFamily="18" charset="0"/>
+                      </a:rPr>
+                      <m:t>~</m:t>
+                    </m:r>
+                    <m:r>
+                      <a:rPr lang="en-US" sz="2100" i="1">
+                        <a:latin typeface="Cambria Math" panose="02040503050406030204" pitchFamily="18" charset="0"/>
+                        <a:ea typeface="Cambria Math" panose="02040503050406030204" pitchFamily="18" charset="0"/>
+                      </a:rPr>
+                      <m:t>𝑄</m:t>
+                    </m:r>
+                  </m:oMath>
+                </a14:m>
+                <a:endParaRPr lang="en-US" sz="2100" dirty="0">
+                  <a:ea typeface="Cambria Math" panose="02040503050406030204" pitchFamily="18" charset="0"/>
+                </a:endParaRPr>
+              </a:p>
+              <a:p>
+                <a:r>
+                  <a:rPr lang="en-US" sz="2100" dirty="0"/>
+                  <a:t>Show it’s false</a:t>
+                </a:r>
+              </a:p>
+            </p:txBody>
+          </p:sp>
+        </mc:Choice>
+        <mc:Fallback>
+          <p:sp>
+            <p:nvSpPr>
+              <p:cNvPr id="8" name="TextBox 7">
+                <a:extLst>
+                  <a:ext uri="{FF2B5EF4-FFF2-40B4-BE49-F238E27FC236}">
+                    <a16:creationId xmlns:a16="http://schemas.microsoft.com/office/drawing/2014/main" id="{F2705978-1EC1-569D-C6A1-92A85AE0CEDB}"/>
+                  </a:ext>
+                </a:extLst>
+              </p:cNvPr>
+              <p:cNvSpPr txBox="1">
+                <a:spLocks noRot="1" noChangeAspect="1" noMove="1" noResize="1" noEditPoints="1" noAdjustHandles="1" noChangeArrowheads="1" noChangeShapeType="1" noTextEdit="1"/>
+              </p:cNvSpPr>
+              <p:nvPr/>
+            </p:nvSpPr>
+            <p:spPr>
+              <a:xfrm>
+                <a:off x="8905885" y="2725017"/>
+                <a:ext cx="3220398" cy="1061829"/>
+              </a:xfrm>
+              <a:prstGeom prst="rect">
+                <a:avLst/>
+              </a:prstGeom>
+              <a:blipFill>
+                <a:blip r:embed="rId8"/>
+                <a:stretch>
+                  <a:fillRect l="-1876" t="-2235" b="-8939"/>
+                </a:stretch>
+              </a:blipFill>
+              <a:ln w="28575"/>
+            </p:spPr>
+            <p:txBody>
+              <a:bodyPr/>
+              <a:lstStyle/>
+              <a:p>
+                <a:r>
+                  <a:rPr lang="en-PH">
+                    <a:noFill/>
+                  </a:rPr>
+                  <a:t> </a:t>
+                </a:r>
+              </a:p>
+            </p:txBody>
+          </p:sp>
+        </mc:Fallback>
+      </mc:AlternateContent>
+      <p:sp>
+        <p:nvSpPr>
+          <p:cNvPr id="10" name="TextBox 9">
+            <a:extLst>
+              <a:ext uri="{FF2B5EF4-FFF2-40B4-BE49-F238E27FC236}">
+                <a16:creationId xmlns:a16="http://schemas.microsoft.com/office/drawing/2014/main" id="{E579D636-3814-15FD-80DD-A55F76D1AD16}"/>
+              </a:ext>
+            </a:extLst>
+          </p:cNvPr>
+          <p:cNvSpPr txBox="1"/>
+          <p:nvPr/>
+        </p:nvSpPr>
+        <p:spPr>
+          <a:xfrm>
+            <a:off x="2438120" y="4914893"/>
+            <a:ext cx="7315760" cy="461665"/>
+          </a:xfrm>
+          <a:prstGeom prst="rect">
+            <a:avLst/>
+          </a:prstGeom>
+          <a:ln w="38100"/>
+        </p:spPr>
+        <p:style>
+          <a:lnRef idx="2">
+            <a:schemeClr val="accent2"/>
+          </a:lnRef>
+          <a:fillRef idx="1">
+            <a:schemeClr val="lt1"/>
+          </a:fillRef>
+          <a:effectRef idx="0">
+            <a:schemeClr val="accent2"/>
+          </a:effectRef>
+          <a:fontRef idx="minor">
+            <a:schemeClr val="dk1"/>
+          </a:fontRef>
+        </p:style>
+        <p:txBody>
+          <a:bodyPr wrap="square">
+            <a:spAutoFit/>
+          </a:bodyPr>
+          <a:lstStyle/>
+          <a:p>
+            <a:pPr lvl="1"/>
+            <a:r>
+              <a:rPr lang="en-US" sz="2400" dirty="0">
+                <a:latin typeface="Cambria Math" panose="02040503050406030204" pitchFamily="18" charset="0"/>
+                <a:ea typeface="Cambria Math" panose="02040503050406030204" pitchFamily="18" charset="0"/>
+              </a:rPr>
+              <a:t>The sum of any two consecutive numbers is odd. </a:t>
+            </a:r>
+          </a:p>
+        </p:txBody>
+      </p:sp>
+      <p:sp>
+        <p:nvSpPr>
+          <p:cNvPr id="12" name="TextBox 11">
+            <a:extLst>
+              <a:ext uri="{FF2B5EF4-FFF2-40B4-BE49-F238E27FC236}">
+                <a16:creationId xmlns:a16="http://schemas.microsoft.com/office/drawing/2014/main" id="{301F33A9-8F1C-7CA2-7E37-7AD22B2823D0}"/>
+              </a:ext>
+            </a:extLst>
+          </p:cNvPr>
+          <p:cNvSpPr txBox="1"/>
+          <p:nvPr/>
+        </p:nvSpPr>
+        <p:spPr>
+          <a:xfrm>
+            <a:off x="2283580" y="4194713"/>
+            <a:ext cx="7624839" cy="461665"/>
+          </a:xfrm>
+          <a:prstGeom prst="rect">
+            <a:avLst/>
+          </a:prstGeom>
+          <a:noFill/>
+        </p:spPr>
+        <p:txBody>
+          <a:bodyPr wrap="square">
+            <a:spAutoFit/>
+          </a:bodyPr>
+          <a:lstStyle/>
+          <a:p>
+            <a:pPr lvl="1"/>
+            <a:r>
+              <a:rPr lang="en-US" sz="2400" dirty="0">
+                <a:latin typeface="Cambria Math" panose="02040503050406030204" pitchFamily="18" charset="0"/>
+                <a:ea typeface="Cambria Math" panose="02040503050406030204" pitchFamily="18" charset="0"/>
+              </a:rPr>
+              <a:t>In each case, we will prove the following statement:</a:t>
+            </a:r>
+          </a:p>
+        </p:txBody>
+      </p:sp>
+    </p:spTree>
+    <p:extLst>
+      <p:ext uri="{BB962C8B-B14F-4D97-AF65-F5344CB8AC3E}">
+        <p14:creationId xmlns:p14="http://schemas.microsoft.com/office/powerpoint/2010/main" val="4061190844"/>
+      </p:ext>
+    </p:extLst>
+  </p:cSld>
+  <p:clrMapOvr>
+    <a:masterClrMapping/>
+  </p:clrMapOvr>
+</p:sld>
+</file>
+
+<file path=ppt/slides/slide9.xml><?xml version="1.0" encoding="utf-8"?>
+<p:sld xmlns:a="http://schemas.openxmlformats.org/drawingml/2006/main" xmlns:r="http://schemas.openxmlformats.org/officeDocument/2006/relationships" xmlns:p="http://schemas.openxmlformats.org/presentationml/2006/main">
+  <p:cSld>
+    <p:bg>
+      <p:bgPr>
+        <a:blipFill dpi="0" rotWithShape="1">
+          <a:blip r:embed="rId3">
+            <a:alphaModFix amt="99000"/>
+            <a:lum/>
+          </a:blip>
+          <a:srcRect/>
+          <a:stretch>
+            <a:fillRect t="89000" r="85000" b="-1000"/>
+          </a:stretch>
+        </a:blipFill>
+        <a:effectLst/>
+      </p:bgPr>
+    </p:bg>
+    <p:spTree>
+      <p:nvGrpSpPr>
+        <p:cNvPr id="1" name=""/>
+        <p:cNvGrpSpPr/>
+        <p:nvPr/>
+      </p:nvGrpSpPr>
+      <p:grpSpPr>
+        <a:xfrm>
+          <a:off x="0" y="0"/>
+          <a:ext cx="0" cy="0"/>
+          <a:chOff x="0" y="0"/>
+          <a:chExt cx="0" cy="0"/>
+        </a:xfrm>
+      </p:grpSpPr>
+      <p:sp>
+        <p:nvSpPr>
+          <p:cNvPr id="2" name="Title 1">
+            <a:extLst>
+              <a:ext uri="{FF2B5EF4-FFF2-40B4-BE49-F238E27FC236}">
+                <a16:creationId xmlns:a16="http://schemas.microsoft.com/office/drawing/2014/main" id="{6A3DCE86-C2BA-4713-9E7A-73589E8D6CCF}"/>
+              </a:ext>
+            </a:extLst>
+          </p:cNvPr>
+          <p:cNvSpPr>
+            <a:spLocks noGrp="1"/>
+          </p:cNvSpPr>
+          <p:nvPr>
+            <p:ph type="ctrTitle"/>
+          </p:nvPr>
+        </p:nvSpPr>
+        <p:spPr>
+          <a:xfrm>
+            <a:off x="1524000" y="497150"/>
+            <a:ext cx="9144000" cy="718459"/>
+          </a:xfrm>
+        </p:spPr>
+        <p:txBody>
+          <a:bodyPr>
+            <a:normAutofit fontScale="90000"/>
+          </a:bodyPr>
+          <a:lstStyle/>
+          <a:p>
+            <a:r>
+              <a:rPr lang="en-PH" b="1" dirty="0"/>
+              <a:t>Definitions</a:t>
+            </a:r>
+          </a:p>
+        </p:txBody>
+      </p:sp>
+      <p:sp>
+        <p:nvSpPr>
+          <p:cNvPr id="4" name="Footer Placeholder 3">
+            <a:extLst>
+              <a:ext uri="{FF2B5EF4-FFF2-40B4-BE49-F238E27FC236}">
+                <a16:creationId xmlns:a16="http://schemas.microsoft.com/office/drawing/2014/main" id="{638E7DE1-45EE-476A-A474-0F3C264AEDA3}"/>
+              </a:ext>
+            </a:extLst>
+          </p:cNvPr>
+          <p:cNvSpPr>
+            <a:spLocks noGrp="1"/>
+          </p:cNvSpPr>
+          <p:nvPr>
+            <p:ph type="ftr" sz="quarter" idx="11"/>
+          </p:nvPr>
+        </p:nvSpPr>
+        <p:spPr>
+          <a:xfrm>
+            <a:off x="0" y="6139541"/>
+            <a:ext cx="12192000" cy="718459"/>
+          </a:xfrm>
+          <a:ln w="28575">
+            <a:solidFill>
+              <a:schemeClr val="accent5">
+                <a:lumMod val="50000"/>
+              </a:schemeClr>
+            </a:solidFill>
+          </a:ln>
+        </p:spPr>
+        <p:txBody>
+          <a:bodyPr/>
+          <a:lstStyle/>
+          <a:p>
+            <a:pPr algn="r"/>
+            <a:r>
+              <a:rPr lang="en-PH" b="1" dirty="0">
+                <a:solidFill>
+                  <a:schemeClr val="tx1"/>
+                </a:solidFill>
+              </a:rPr>
+              <a:t>CCALCOMP</a:t>
+            </a:r>
+          </a:p>
+        </p:txBody>
+      </p:sp>
+      <mc:AlternateContent xmlns:mc="http://schemas.openxmlformats.org/markup-compatibility/2006">
+        <mc:Choice xmlns:a14="http://schemas.microsoft.com/office/drawing/2010/main" Requires="a14">
+          <p:sp>
+            <p:nvSpPr>
+              <p:cNvPr id="3" name="TextBox 2">
+                <a:extLst>
+                  <a:ext uri="{FF2B5EF4-FFF2-40B4-BE49-F238E27FC236}">
+                    <a16:creationId xmlns:a16="http://schemas.microsoft.com/office/drawing/2014/main" id="{36BF8535-D66F-CEB3-11A6-50BBE25FC587}"/>
+                  </a:ext>
+                </a:extLst>
+              </p:cNvPr>
+              <p:cNvSpPr txBox="1"/>
+              <p:nvPr/>
+            </p:nvSpPr>
+            <p:spPr>
+              <a:xfrm>
+                <a:off x="127677" y="1939578"/>
+                <a:ext cx="7624839" cy="830997"/>
+              </a:xfrm>
+              <a:prstGeom prst="rect">
+                <a:avLst/>
+              </a:prstGeom>
+              <a:noFill/>
+            </p:spPr>
+            <p:txBody>
+              <a:bodyPr wrap="square">
+                <a:spAutoFit/>
+              </a:bodyPr>
+              <a:lstStyle/>
+              <a:p>
+                <a:pPr lvl="1"/>
+                <a:r>
+                  <a:rPr lang="en-US" sz="2400" dirty="0">
+                    <a:latin typeface="Cambria Math" panose="02040503050406030204" pitchFamily="18" charset="0"/>
+                    <a:ea typeface="Cambria Math" panose="02040503050406030204" pitchFamily="18" charset="0"/>
+                  </a:rPr>
+                  <a:t>An integer number ‘</a:t>
+                </a:r>
+                <a14:m>
+                  <m:oMath xmlns:m="http://schemas.openxmlformats.org/officeDocument/2006/math">
+                    <m:r>
+                      <a:rPr lang="en-US" sz="2400" b="0" i="1" smtClean="0">
+                        <a:latin typeface="Cambria Math" panose="02040503050406030204" pitchFamily="18" charset="0"/>
+                        <a:ea typeface="Cambria Math" panose="02040503050406030204" pitchFamily="18" charset="0"/>
+                      </a:rPr>
+                      <m:t>𝑛</m:t>
+                    </m:r>
+                  </m:oMath>
+                </a14:m>
+                <a:r>
+                  <a:rPr lang="en-US" sz="2400" dirty="0">
+                    <a:latin typeface="Cambria Math" panose="02040503050406030204" pitchFamily="18" charset="0"/>
+                    <a:ea typeface="Cambria Math" panose="02040503050406030204" pitchFamily="18" charset="0"/>
+                  </a:rPr>
+                  <a:t>’ is even if and only if there exists an integer ‘</a:t>
+                </a:r>
+                <a14:m>
+                  <m:oMath xmlns:m="http://schemas.openxmlformats.org/officeDocument/2006/math">
+                    <m:r>
+                      <a:rPr lang="en-US" sz="2400" b="0" i="1" smtClean="0">
+                        <a:latin typeface="Cambria Math" panose="02040503050406030204" pitchFamily="18" charset="0"/>
+                        <a:ea typeface="Cambria Math" panose="02040503050406030204" pitchFamily="18" charset="0"/>
+                      </a:rPr>
+                      <m:t>𝑘</m:t>
+                    </m:r>
+                  </m:oMath>
+                </a14:m>
+                <a:r>
+                  <a:rPr lang="en-US" sz="2400" dirty="0">
+                    <a:latin typeface="Cambria Math" panose="02040503050406030204" pitchFamily="18" charset="0"/>
+                    <a:ea typeface="Cambria Math" panose="02040503050406030204" pitchFamily="18" charset="0"/>
+                  </a:rPr>
+                  <a:t>’ such that </a:t>
+                </a:r>
+                <a14:m>
+                  <m:oMath xmlns:m="http://schemas.openxmlformats.org/officeDocument/2006/math">
+                    <m:r>
+                      <a:rPr lang="en-US" sz="2400" b="0" i="1" smtClean="0">
+                        <a:latin typeface="Cambria Math" panose="02040503050406030204" pitchFamily="18" charset="0"/>
+                        <a:ea typeface="Cambria Math" panose="02040503050406030204" pitchFamily="18" charset="0"/>
+                      </a:rPr>
+                      <m:t>𝑛</m:t>
+                    </m:r>
+                    <m:r>
+                      <a:rPr lang="en-US" sz="2400" b="0" i="1" smtClean="0">
+                        <a:latin typeface="Cambria Math" panose="02040503050406030204" pitchFamily="18" charset="0"/>
+                        <a:ea typeface="Cambria Math" panose="02040503050406030204" pitchFamily="18" charset="0"/>
+                      </a:rPr>
+                      <m:t>=2</m:t>
+                    </m:r>
+                    <m:r>
+                      <a:rPr lang="en-US" sz="2400" b="0" i="1" smtClean="0">
+                        <a:latin typeface="Cambria Math" panose="02040503050406030204" pitchFamily="18" charset="0"/>
+                        <a:ea typeface="Cambria Math" panose="02040503050406030204" pitchFamily="18" charset="0"/>
+                      </a:rPr>
+                      <m:t>𝑘</m:t>
+                    </m:r>
+                  </m:oMath>
+                </a14:m>
+                <a:r>
+                  <a:rPr lang="en-US" sz="2400" dirty="0">
+                    <a:latin typeface="Cambria Math" panose="02040503050406030204" pitchFamily="18" charset="0"/>
+                    <a:ea typeface="Cambria Math" panose="02040503050406030204" pitchFamily="18" charset="0"/>
+                  </a:rPr>
+                  <a:t> </a:t>
+                </a:r>
+              </a:p>
+            </p:txBody>
+          </p:sp>
+        </mc:Choice>
+        <mc:Fallback>
+          <p:sp>
+            <p:nvSpPr>
+              <p:cNvPr id="3" name="TextBox 2">
+                <a:extLst>
+                  <a:ext uri="{FF2B5EF4-FFF2-40B4-BE49-F238E27FC236}">
+                    <a16:creationId xmlns:a16="http://schemas.microsoft.com/office/drawing/2014/main" id="{36BF8535-D66F-CEB3-11A6-50BBE25FC587}"/>
+                  </a:ext>
+                </a:extLst>
+              </p:cNvPr>
+              <p:cNvSpPr txBox="1">
+                <a:spLocks noRot="1" noChangeAspect="1" noMove="1" noResize="1" noEditPoints="1" noAdjustHandles="1" noChangeArrowheads="1" noChangeShapeType="1" noTextEdit="1"/>
+              </p:cNvSpPr>
+              <p:nvPr/>
+            </p:nvSpPr>
+            <p:spPr>
+              <a:xfrm>
+                <a:off x="127677" y="1939578"/>
+                <a:ext cx="7624839" cy="830997"/>
+              </a:xfrm>
+              <a:prstGeom prst="rect">
+                <a:avLst/>
+              </a:prstGeom>
+              <a:blipFill>
+                <a:blip r:embed="rId4"/>
+                <a:stretch>
+                  <a:fillRect t="-5882" b="-16176"/>
+                </a:stretch>
+              </a:blipFill>
+            </p:spPr>
+            <p:txBody>
+              <a:bodyPr/>
+              <a:lstStyle/>
+              <a:p>
+                <a:r>
+                  <a:rPr lang="en-PH">
+                    <a:noFill/>
+                  </a:rPr>
+                  <a:t> </a:t>
+                </a:r>
+              </a:p>
+            </p:txBody>
+          </p:sp>
+        </mc:Fallback>
+      </mc:AlternateContent>
+      <mc:AlternateContent xmlns:mc="http://schemas.openxmlformats.org/markup-compatibility/2006">
+        <mc:Choice xmlns:a14="http://schemas.microsoft.com/office/drawing/2010/main" Requires="a14">
+          <p:sp>
+            <p:nvSpPr>
+              <p:cNvPr id="5" name="TextBox 4">
+                <a:extLst>
+                  <a:ext uri="{FF2B5EF4-FFF2-40B4-BE49-F238E27FC236}">
+                    <a16:creationId xmlns:a16="http://schemas.microsoft.com/office/drawing/2014/main" id="{80F24A52-E1B3-BB57-C537-1C1D2F12B358}"/>
+                  </a:ext>
+                </a:extLst>
+              </p:cNvPr>
+              <p:cNvSpPr txBox="1"/>
+              <p:nvPr/>
+            </p:nvSpPr>
+            <p:spPr>
+              <a:xfrm>
+                <a:off x="127676" y="3624060"/>
+                <a:ext cx="7624839" cy="830997"/>
+              </a:xfrm>
+              <a:prstGeom prst="rect">
+                <a:avLst/>
+              </a:prstGeom>
+              <a:noFill/>
+            </p:spPr>
+            <p:txBody>
+              <a:bodyPr wrap="square">
+                <a:spAutoFit/>
+              </a:bodyPr>
+              <a:lstStyle/>
+              <a:p>
+                <a:pPr lvl="1"/>
+                <a:r>
+                  <a:rPr lang="en-US" sz="2400" dirty="0">
+                    <a:latin typeface="Cambria Math" panose="02040503050406030204" pitchFamily="18" charset="0"/>
+                    <a:ea typeface="Cambria Math" panose="02040503050406030204" pitchFamily="18" charset="0"/>
+                  </a:rPr>
+                  <a:t>An integer number ‘</a:t>
+                </a:r>
+                <a14:m>
+                  <m:oMath xmlns:m="http://schemas.openxmlformats.org/officeDocument/2006/math">
+                    <m:r>
+                      <a:rPr lang="en-US" sz="2400" b="0" i="1" smtClean="0">
+                        <a:latin typeface="Cambria Math" panose="02040503050406030204" pitchFamily="18" charset="0"/>
+                        <a:ea typeface="Cambria Math" panose="02040503050406030204" pitchFamily="18" charset="0"/>
+                      </a:rPr>
+                      <m:t>𝑛</m:t>
+                    </m:r>
+                  </m:oMath>
+                </a14:m>
+                <a:r>
+                  <a:rPr lang="en-US" sz="2400" dirty="0">
+                    <a:latin typeface="Cambria Math" panose="02040503050406030204" pitchFamily="18" charset="0"/>
+                    <a:ea typeface="Cambria Math" panose="02040503050406030204" pitchFamily="18" charset="0"/>
+                  </a:rPr>
+                  <a:t>’ is odd if and only if there exists an integer ‘</a:t>
+                </a:r>
+                <a14:m>
+                  <m:oMath xmlns:m="http://schemas.openxmlformats.org/officeDocument/2006/math">
+                    <m:r>
+                      <a:rPr lang="en-US" sz="2400" b="0" i="1" smtClean="0">
+                        <a:latin typeface="Cambria Math" panose="02040503050406030204" pitchFamily="18" charset="0"/>
+                        <a:ea typeface="Cambria Math" panose="02040503050406030204" pitchFamily="18" charset="0"/>
+                      </a:rPr>
+                      <m:t>𝑘</m:t>
+                    </m:r>
+                  </m:oMath>
+                </a14:m>
+                <a:r>
+                  <a:rPr lang="en-US" sz="2400" dirty="0">
+                    <a:latin typeface="Cambria Math" panose="02040503050406030204" pitchFamily="18" charset="0"/>
+                    <a:ea typeface="Cambria Math" panose="02040503050406030204" pitchFamily="18" charset="0"/>
+                  </a:rPr>
+                  <a:t>’ such that </a:t>
+                </a:r>
+                <a14:m>
+                  <m:oMath xmlns:m="http://schemas.openxmlformats.org/officeDocument/2006/math">
+                    <m:r>
+                      <a:rPr lang="en-US" sz="2400" b="0" i="1" smtClean="0">
+                        <a:latin typeface="Cambria Math" panose="02040503050406030204" pitchFamily="18" charset="0"/>
+                        <a:ea typeface="Cambria Math" panose="02040503050406030204" pitchFamily="18" charset="0"/>
+                      </a:rPr>
+                      <m:t>𝑛</m:t>
+                    </m:r>
+                    <m:r>
+                      <a:rPr lang="en-US" sz="2400" b="0" i="1" smtClean="0">
+                        <a:latin typeface="Cambria Math" panose="02040503050406030204" pitchFamily="18" charset="0"/>
+                        <a:ea typeface="Cambria Math" panose="02040503050406030204" pitchFamily="18" charset="0"/>
+                      </a:rPr>
+                      <m:t>=2</m:t>
+                    </m:r>
+                    <m:r>
+                      <a:rPr lang="en-US" sz="2400" b="0" i="1" smtClean="0">
+                        <a:latin typeface="Cambria Math" panose="02040503050406030204" pitchFamily="18" charset="0"/>
+                        <a:ea typeface="Cambria Math" panose="02040503050406030204" pitchFamily="18" charset="0"/>
+                      </a:rPr>
+                      <m:t>𝑘</m:t>
+                    </m:r>
+                  </m:oMath>
+                </a14:m>
+                <a:r>
+                  <a:rPr lang="en-US" sz="2400" dirty="0">
+                    <a:latin typeface="Cambria Math" panose="02040503050406030204" pitchFamily="18" charset="0"/>
+                    <a:ea typeface="Cambria Math" panose="02040503050406030204" pitchFamily="18" charset="0"/>
+                  </a:rPr>
+                  <a:t>+1 </a:t>
+                </a:r>
+              </a:p>
+            </p:txBody>
+          </p:sp>
+        </mc:Choice>
+        <mc:Fallback>
+          <p:sp>
+            <p:nvSpPr>
+              <p:cNvPr id="5" name="TextBox 4">
+                <a:extLst>
+                  <a:ext uri="{FF2B5EF4-FFF2-40B4-BE49-F238E27FC236}">
+                    <a16:creationId xmlns:a16="http://schemas.microsoft.com/office/drawing/2014/main" id="{80F24A52-E1B3-BB57-C537-1C1D2F12B358}"/>
+                  </a:ext>
+                </a:extLst>
+              </p:cNvPr>
+              <p:cNvSpPr txBox="1">
+                <a:spLocks noRot="1" noChangeAspect="1" noMove="1" noResize="1" noEditPoints="1" noAdjustHandles="1" noChangeArrowheads="1" noChangeShapeType="1" noTextEdit="1"/>
+              </p:cNvSpPr>
+              <p:nvPr/>
+            </p:nvSpPr>
+            <p:spPr>
+              <a:xfrm>
+                <a:off x="127676" y="3624060"/>
+                <a:ext cx="7624839" cy="830997"/>
+              </a:xfrm>
+              <a:prstGeom prst="rect">
+                <a:avLst/>
+              </a:prstGeom>
+              <a:blipFill>
+                <a:blip r:embed="rId5"/>
+                <a:stretch>
+                  <a:fillRect t="-5839" r="-1359" b="-15328"/>
+                </a:stretch>
+              </a:blipFill>
+            </p:spPr>
+            <p:txBody>
+              <a:bodyPr/>
+              <a:lstStyle/>
+              <a:p>
+                <a:r>
+                  <a:rPr lang="en-PH">
+                    <a:noFill/>
+                  </a:rPr>
+                  <a:t> </a:t>
+                </a:r>
+              </a:p>
+            </p:txBody>
+          </p:sp>
+        </mc:Fallback>
+      </mc:AlternateContent>
+      <mc:AlternateContent xmlns:mc="http://schemas.openxmlformats.org/markup-compatibility/2006">
+        <mc:Choice xmlns:a14="http://schemas.microsoft.com/office/drawing/2010/main" Requires="a14">
+          <p:sp>
+            <p:nvSpPr>
+              <p:cNvPr id="6" name="TextBox 5">
+                <a:extLst>
+                  <a:ext uri="{FF2B5EF4-FFF2-40B4-BE49-F238E27FC236}">
+                    <a16:creationId xmlns:a16="http://schemas.microsoft.com/office/drawing/2014/main" id="{F9BCADF3-B58D-D8FF-2C2B-12912EB45D54}"/>
+                  </a:ext>
+                </a:extLst>
+              </p:cNvPr>
+              <p:cNvSpPr txBox="1"/>
+              <p:nvPr/>
+            </p:nvSpPr>
+            <p:spPr>
+              <a:xfrm>
+                <a:off x="220603" y="5177392"/>
+                <a:ext cx="7624839" cy="830997"/>
+              </a:xfrm>
+              <a:prstGeom prst="rect">
+                <a:avLst/>
+              </a:prstGeom>
+              <a:noFill/>
+            </p:spPr>
+            <p:txBody>
+              <a:bodyPr wrap="square">
+                <a:spAutoFit/>
+              </a:bodyPr>
+              <a:lstStyle/>
+              <a:p>
+                <a:pPr lvl="1"/>
+                <a:r>
+                  <a:rPr lang="en-US" sz="2400" dirty="0">
+                    <a:latin typeface="Cambria Math" panose="02040503050406030204" pitchFamily="18" charset="0"/>
+                    <a:ea typeface="Cambria Math" panose="02040503050406030204" pitchFamily="18" charset="0"/>
+                  </a:rPr>
+                  <a:t>Two integers ‘</a:t>
+                </a:r>
+                <a14:m>
+                  <m:oMath xmlns:m="http://schemas.openxmlformats.org/officeDocument/2006/math">
+                    <m:r>
+                      <a:rPr lang="en-US" sz="2400" b="0" i="1" smtClean="0">
+                        <a:latin typeface="Cambria Math" panose="02040503050406030204" pitchFamily="18" charset="0"/>
+                        <a:ea typeface="Cambria Math" panose="02040503050406030204" pitchFamily="18" charset="0"/>
+                      </a:rPr>
+                      <m:t>𝑎</m:t>
+                    </m:r>
+                  </m:oMath>
+                </a14:m>
+                <a:r>
+                  <a:rPr lang="en-US" sz="2400" dirty="0">
+                    <a:latin typeface="Cambria Math" panose="02040503050406030204" pitchFamily="18" charset="0"/>
+                    <a:ea typeface="Cambria Math" panose="02040503050406030204" pitchFamily="18" charset="0"/>
+                  </a:rPr>
+                  <a:t>’ and ‘</a:t>
+                </a:r>
+                <a14:m>
+                  <m:oMath xmlns:m="http://schemas.openxmlformats.org/officeDocument/2006/math">
+                    <m:r>
+                      <a:rPr lang="en-US" sz="2400" b="0" i="1" smtClean="0">
+                        <a:latin typeface="Cambria Math" panose="02040503050406030204" pitchFamily="18" charset="0"/>
+                        <a:ea typeface="Cambria Math" panose="02040503050406030204" pitchFamily="18" charset="0"/>
+                      </a:rPr>
+                      <m:t>𝑏</m:t>
+                    </m:r>
+                  </m:oMath>
+                </a14:m>
+                <a:r>
+                  <a:rPr lang="en-US" sz="2400" dirty="0">
+                    <a:latin typeface="Cambria Math" panose="02040503050406030204" pitchFamily="18" charset="0"/>
+                    <a:ea typeface="Cambria Math" panose="02040503050406030204" pitchFamily="18" charset="0"/>
+                  </a:rPr>
+                  <a:t>’ are consecutive if and only if </a:t>
+                </a:r>
+                <a14:m>
+                  <m:oMath xmlns:m="http://schemas.openxmlformats.org/officeDocument/2006/math">
+                    <m:r>
+                      <a:rPr lang="en-US" sz="2400" b="0" i="1" smtClean="0">
+                        <a:latin typeface="Cambria Math" panose="02040503050406030204" pitchFamily="18" charset="0"/>
+                        <a:ea typeface="Cambria Math" panose="02040503050406030204" pitchFamily="18" charset="0"/>
+                      </a:rPr>
+                      <m:t>𝑏</m:t>
+                    </m:r>
+                    <m:r>
+                      <a:rPr lang="en-US" sz="2400" b="0" i="1" smtClean="0">
+                        <a:latin typeface="Cambria Math" panose="02040503050406030204" pitchFamily="18" charset="0"/>
+                        <a:ea typeface="Cambria Math" panose="02040503050406030204" pitchFamily="18" charset="0"/>
+                      </a:rPr>
+                      <m:t>=</m:t>
+                    </m:r>
+                    <m:r>
+                      <a:rPr lang="en-US" sz="2400" b="0" i="1" smtClean="0">
+                        <a:latin typeface="Cambria Math" panose="02040503050406030204" pitchFamily="18" charset="0"/>
+                        <a:ea typeface="Cambria Math" panose="02040503050406030204" pitchFamily="18" charset="0"/>
+                      </a:rPr>
+                      <m:t>𝑎</m:t>
+                    </m:r>
+                    <m:r>
+                      <a:rPr lang="en-US" sz="2400" b="0" i="1" smtClean="0">
+                        <a:latin typeface="Cambria Math" panose="02040503050406030204" pitchFamily="18" charset="0"/>
+                        <a:ea typeface="Cambria Math" panose="02040503050406030204" pitchFamily="18" charset="0"/>
+                      </a:rPr>
+                      <m:t>+1</m:t>
+                    </m:r>
+                  </m:oMath>
+                </a14:m>
+                <a:r>
+                  <a:rPr lang="en-US" sz="2400" dirty="0">
+                    <a:latin typeface="Cambria Math" panose="02040503050406030204" pitchFamily="18" charset="0"/>
+                    <a:ea typeface="Cambria Math" panose="02040503050406030204" pitchFamily="18" charset="0"/>
+                  </a:rPr>
+                  <a:t> </a:t>
+                </a:r>
+              </a:p>
+            </p:txBody>
+          </p:sp>
+        </mc:Choice>
+        <mc:Fallback>
+          <p:sp>
+            <p:nvSpPr>
+              <p:cNvPr id="6" name="TextBox 5">
+                <a:extLst>
+                  <a:ext uri="{FF2B5EF4-FFF2-40B4-BE49-F238E27FC236}">
+                    <a16:creationId xmlns:a16="http://schemas.microsoft.com/office/drawing/2014/main" id="{F9BCADF3-B58D-D8FF-2C2B-12912EB45D54}"/>
+                  </a:ext>
+                </a:extLst>
+              </p:cNvPr>
+              <p:cNvSpPr txBox="1">
+                <a:spLocks noRot="1" noChangeAspect="1" noMove="1" noResize="1" noEditPoints="1" noAdjustHandles="1" noChangeArrowheads="1" noChangeShapeType="1" noTextEdit="1"/>
+              </p:cNvSpPr>
+              <p:nvPr/>
+            </p:nvSpPr>
+            <p:spPr>
+              <a:xfrm>
+                <a:off x="220603" y="5177392"/>
+                <a:ext cx="7624839" cy="830997"/>
+              </a:xfrm>
+              <a:prstGeom prst="rect">
+                <a:avLst/>
+              </a:prstGeom>
+              <a:blipFill>
+                <a:blip r:embed="rId6"/>
+                <a:stretch>
+                  <a:fillRect t="-5839"/>
+                </a:stretch>
+              </a:blipFill>
+            </p:spPr>
+            <p:txBody>
+              <a:bodyPr/>
+              <a:lstStyle/>
+              <a:p>
+                <a:r>
+                  <a:rPr lang="en-PH">
+                    <a:noFill/>
+                  </a:rPr>
+                  <a:t> </a:t>
+                </a:r>
+              </a:p>
+            </p:txBody>
+          </p:sp>
+        </mc:Fallback>
+      </mc:AlternateContent>
+      <p:sp>
+        <p:nvSpPr>
+          <p:cNvPr id="7" name="TextBox 6">
+            <a:extLst>
+              <a:ext uri="{FF2B5EF4-FFF2-40B4-BE49-F238E27FC236}">
+                <a16:creationId xmlns:a16="http://schemas.microsoft.com/office/drawing/2014/main" id="{77408617-F685-F197-CCD6-24DB75E07891}"/>
+              </a:ext>
+            </a:extLst>
+          </p:cNvPr>
+          <p:cNvSpPr txBox="1"/>
+          <p:nvPr/>
+        </p:nvSpPr>
+        <p:spPr>
+          <a:xfrm>
+            <a:off x="644350" y="1242526"/>
+            <a:ext cx="2479568" cy="461665"/>
+          </a:xfrm>
+          <a:prstGeom prst="rect">
+            <a:avLst/>
+          </a:prstGeom>
+          <a:ln w="38100"/>
+        </p:spPr>
+        <p:style>
+          <a:lnRef idx="2">
+            <a:schemeClr val="accent2"/>
+          </a:lnRef>
+          <a:fillRef idx="1">
+            <a:schemeClr val="lt1"/>
+          </a:fillRef>
+          <a:effectRef idx="0">
+            <a:schemeClr val="accent2"/>
+          </a:effectRef>
+          <a:fontRef idx="minor">
+            <a:schemeClr val="dk1"/>
+          </a:fontRef>
+        </p:style>
+        <p:txBody>
+          <a:bodyPr wrap="square">
+            <a:spAutoFit/>
+          </a:bodyPr>
+          <a:lstStyle/>
+          <a:p>
+            <a:pPr lvl="1"/>
+            <a:r>
+              <a:rPr lang="en-US" sz="2400" b="1" dirty="0">
+                <a:latin typeface="Cambria Math" panose="02040503050406030204" pitchFamily="18" charset="0"/>
+                <a:ea typeface="Cambria Math" panose="02040503050406030204" pitchFamily="18" charset="0"/>
+              </a:rPr>
+              <a:t>Definition 1</a:t>
+            </a:r>
+          </a:p>
+        </p:txBody>
+      </p:sp>
+      <p:sp>
+        <p:nvSpPr>
+          <p:cNvPr id="9" name="TextBox 8">
+            <a:extLst>
+              <a:ext uri="{FF2B5EF4-FFF2-40B4-BE49-F238E27FC236}">
+                <a16:creationId xmlns:a16="http://schemas.microsoft.com/office/drawing/2014/main" id="{6454A4FA-844F-8FCC-61A5-1F1097CFA2CA}"/>
+              </a:ext>
+            </a:extLst>
+          </p:cNvPr>
+          <p:cNvSpPr txBox="1"/>
+          <p:nvPr/>
+        </p:nvSpPr>
+        <p:spPr>
+          <a:xfrm>
+            <a:off x="644350" y="3008040"/>
+            <a:ext cx="2479568" cy="461665"/>
+          </a:xfrm>
+          <a:prstGeom prst="rect">
+            <a:avLst/>
+          </a:prstGeom>
+          <a:ln w="38100"/>
+        </p:spPr>
+        <p:style>
+          <a:lnRef idx="2">
+            <a:schemeClr val="accent2"/>
+          </a:lnRef>
+          <a:fillRef idx="1">
+            <a:schemeClr val="lt1"/>
+          </a:fillRef>
+          <a:effectRef idx="0">
+            <a:schemeClr val="accent2"/>
+          </a:effectRef>
+          <a:fontRef idx="minor">
+            <a:schemeClr val="dk1"/>
+          </a:fontRef>
+        </p:style>
+        <p:txBody>
+          <a:bodyPr wrap="square">
+            <a:spAutoFit/>
+          </a:bodyPr>
+          <a:lstStyle/>
+          <a:p>
+            <a:pPr lvl="1"/>
+            <a:r>
+              <a:rPr lang="en-US" sz="2400" b="1" dirty="0">
+                <a:latin typeface="Cambria Math" panose="02040503050406030204" pitchFamily="18" charset="0"/>
+                <a:ea typeface="Cambria Math" panose="02040503050406030204" pitchFamily="18" charset="0"/>
+              </a:rPr>
+              <a:t>Definition 2</a:t>
+            </a:r>
+          </a:p>
+        </p:txBody>
+      </p:sp>
+      <p:sp>
+        <p:nvSpPr>
+          <p:cNvPr id="10" name="TextBox 9">
+            <a:extLst>
+              <a:ext uri="{FF2B5EF4-FFF2-40B4-BE49-F238E27FC236}">
+                <a16:creationId xmlns:a16="http://schemas.microsoft.com/office/drawing/2014/main" id="{01FC5276-199E-C811-2400-89F73CFCD383}"/>
+              </a:ext>
+            </a:extLst>
+          </p:cNvPr>
+          <p:cNvSpPr txBox="1"/>
+          <p:nvPr/>
+        </p:nvSpPr>
+        <p:spPr>
+          <a:xfrm>
+            <a:off x="690531" y="4584575"/>
+            <a:ext cx="2479568" cy="461665"/>
+          </a:xfrm>
+          <a:prstGeom prst="rect">
+            <a:avLst/>
+          </a:prstGeom>
+          <a:ln w="38100"/>
+        </p:spPr>
+        <p:style>
+          <a:lnRef idx="2">
+            <a:schemeClr val="accent2"/>
+          </a:lnRef>
+          <a:fillRef idx="1">
+            <a:schemeClr val="lt1"/>
+          </a:fillRef>
+          <a:effectRef idx="0">
+            <a:schemeClr val="accent2"/>
+          </a:effectRef>
+          <a:fontRef idx="minor">
+            <a:schemeClr val="dk1"/>
+          </a:fontRef>
+        </p:style>
+        <p:txBody>
+          <a:bodyPr wrap="square">
+            <a:spAutoFit/>
+          </a:bodyPr>
+          <a:lstStyle/>
+          <a:p>
+            <a:pPr lvl="1"/>
+            <a:r>
+              <a:rPr lang="en-US" sz="2400" b="1" dirty="0">
+                <a:latin typeface="Cambria Math" panose="02040503050406030204" pitchFamily="18" charset="0"/>
+                <a:ea typeface="Cambria Math" panose="02040503050406030204" pitchFamily="18" charset="0"/>
+              </a:rPr>
+              <a:t>Definition 3</a:t>
+            </a:r>
+          </a:p>
+        </p:txBody>
+      </p:sp>
+    </p:spTree>
+    <p:extLst>
+      <p:ext uri="{BB962C8B-B14F-4D97-AF65-F5344CB8AC3E}">
+        <p14:creationId xmlns:p14="http://schemas.microsoft.com/office/powerpoint/2010/main" val="2784230791"/>
       </p:ext>
     </p:extLst>
   </p:cSld>
@@ -6030,12 +10472,6 @@
 </file>
 
 <file path=customXml/item1.xml><?xml version="1.0" encoding="utf-8"?>
-<p:properties xmlns:p="http://schemas.microsoft.com/office/2006/metadata/properties" xmlns:xsi="http://www.w3.org/2001/XMLSchema-instance" xmlns:pc="http://schemas.microsoft.com/office/infopath/2007/PartnerControls">
-  <documentManagement/>
-</p:properties>
-</file>
-
-<file path=customXml/item2.xml><?xml version="1.0" encoding="utf-8"?>
 <ct:contentTypeSchema xmlns:ct="http://schemas.microsoft.com/office/2006/metadata/contentType" xmlns:ma="http://schemas.microsoft.com/office/2006/metadata/properties/metaAttributes" ct:_="" ma:_="" ma:contentTypeName="Document" ma:contentTypeID="0x0101007188BDCA587B344BBA6CB1A93FAE6998" ma:contentTypeVersion="2" ma:contentTypeDescription="Create a new document." ma:contentTypeScope="" ma:versionID="7a8e4b6720badb2566a0cfeddfaf2856">
   <xsd:schema xmlns:xsd="http://www.w3.org/2001/XMLSchema" xmlns:xs="http://www.w3.org/2001/XMLSchema" xmlns:p="http://schemas.microsoft.com/office/2006/metadata/properties" xmlns:ns2="ba111d12-426d-4af0-bcb6-460e36974645" targetNamespace="http://schemas.microsoft.com/office/2006/metadata/properties" ma:root="true" ma:fieldsID="989b05398519136c88ba0a8d54e3c3da" ns2:_="">
     <xsd:import namespace="ba111d12-426d-4af0-bcb6-460e36974645"/>
@@ -6167,6 +10603,12 @@
 </ct:contentTypeSchema>
 </file>
 
+<file path=customXml/item2.xml><?xml version="1.0" encoding="utf-8"?>
+<p:properties xmlns:p="http://schemas.microsoft.com/office/2006/metadata/properties" xmlns:xsi="http://www.w3.org/2001/XMLSchema-instance" xmlns:pc="http://schemas.microsoft.com/office/infopath/2007/PartnerControls">
+  <documentManagement/>
+</p:properties>
+</file>
+
 <file path=customXml/item3.xml><?xml version="1.0" encoding="utf-8"?>
 <?mso-contentType ?>
 <FormTemplates xmlns="http://schemas.microsoft.com/sharepoint/v3/contenttype/forms">
@@ -6177,15 +10619,6 @@
 </file>
 
 <file path=customXml/itemProps1.xml><?xml version="1.0" encoding="utf-8"?>
-<ds:datastoreItem xmlns:ds="http://schemas.openxmlformats.org/officeDocument/2006/customXml" ds:itemID="{A05518A6-09E4-4E11-AE7D-4C13722BEBC7}">
-  <ds:schemaRefs>
-    <ds:schemaRef ds:uri="http://schemas.microsoft.com/office/2006/metadata/properties"/>
-    <ds:schemaRef ds:uri="http://schemas.microsoft.com/office/infopath/2007/PartnerControls"/>
-  </ds:schemaRefs>
-</ds:datastoreItem>
-</file>
-
-<file path=customXml/itemProps2.xml><?xml version="1.0" encoding="utf-8"?>
 <ds:datastoreItem xmlns:ds="http://schemas.openxmlformats.org/officeDocument/2006/customXml" ds:itemID="{46BFEDF5-8B64-4FF5-9637-4791A1C152B8}">
   <ds:schemaRefs>
     <ds:schemaRef ds:uri="http://schemas.microsoft.com/office/2006/metadata/contentType"/>
@@ -6203,6 +10636,15 @@
 </ds:datastoreItem>
 </file>
 
+<file path=customXml/itemProps2.xml><?xml version="1.0" encoding="utf-8"?>
+<ds:datastoreItem xmlns:ds="http://schemas.openxmlformats.org/officeDocument/2006/customXml" ds:itemID="{A05518A6-09E4-4E11-AE7D-4C13722BEBC7}">
+  <ds:schemaRefs>
+    <ds:schemaRef ds:uri="http://schemas.microsoft.com/office/2006/metadata/properties"/>
+    <ds:schemaRef ds:uri="http://schemas.microsoft.com/office/infopath/2007/PartnerControls"/>
+  </ds:schemaRefs>
+</ds:datastoreItem>
+</file>
+
 <file path=customXml/itemProps3.xml><?xml version="1.0" encoding="utf-8"?>
 <ds:datastoreItem xmlns:ds="http://schemas.openxmlformats.org/officeDocument/2006/customXml" ds:itemID="{AE0C03B0-3DE5-4BD9-B3BB-6E4919CD06B4}">
   <ds:schemaRefs>

--- a/Week 3 - Proofs/Proofs.pptx
+++ b/Week 3 - Proofs/Proofs.pptx
@@ -5,7 +5,7 @@
     <p:sldMasterId id="2147483648" r:id="rId4"/>
   </p:sldMasterIdLst>
   <p:notesMasterIdLst>
-    <p:notesMasterId r:id="rId22"/>
+    <p:notesMasterId r:id="rId23"/>
   </p:notesMasterIdLst>
   <p:sldIdLst>
     <p:sldId id="257" r:id="rId5"/>
@@ -24,7 +24,8 @@
     <p:sldId id="397" r:id="rId18"/>
     <p:sldId id="398" r:id="rId19"/>
     <p:sldId id="399" r:id="rId20"/>
-    <p:sldId id="400" r:id="rId21"/>
+    <p:sldId id="401" r:id="rId21"/>
+    <p:sldId id="400" r:id="rId22"/>
   </p:sldIdLst>
   <p:sldSz cx="12192000" cy="6858000"/>
   <p:notesSz cx="6858000" cy="9144000"/>
@@ -213,7 +214,7 @@
           <a:p>
             <a:fld id="{F666E1FD-E7A0-497B-BBC0-740BAAC97C64}" type="datetimeFigureOut">
               <a:rPr lang="en-PH" smtClean="0"/>
-              <a:t>18/04/2024</a:t>
+              <a:t>19/04/2024</a:t>
             </a:fld>
             <a:endParaRPr lang="en-PH"/>
           </a:p>
@@ -1227,6 +1228,90 @@
     </p:spTree>
     <p:extLst>
       <p:ext uri="{BB962C8B-B14F-4D97-AF65-F5344CB8AC3E}">
+        <p14:creationId xmlns:p14="http://schemas.microsoft.com/office/powerpoint/2010/main" val="371472264"/>
+      </p:ext>
+    </p:extLst>
+  </p:cSld>
+  <p:clrMapOvr>
+    <a:masterClrMapping/>
+  </p:clrMapOvr>
+</p:notes>
+</file>
+
+<file path=ppt/notesSlides/notesSlide18.xml><?xml version="1.0" encoding="utf-8"?>
+<p:notes xmlns:a="http://schemas.openxmlformats.org/drawingml/2006/main" xmlns:r="http://schemas.openxmlformats.org/officeDocument/2006/relationships" xmlns:p="http://schemas.openxmlformats.org/presentationml/2006/main">
+  <p:cSld>
+    <p:spTree>
+      <p:nvGrpSpPr>
+        <p:cNvPr id="1" name=""/>
+        <p:cNvGrpSpPr/>
+        <p:nvPr/>
+      </p:nvGrpSpPr>
+      <p:grpSpPr>
+        <a:xfrm>
+          <a:off x="0" y="0"/>
+          <a:ext cx="0" cy="0"/>
+          <a:chOff x="0" y="0"/>
+          <a:chExt cx="0" cy="0"/>
+        </a:xfrm>
+      </p:grpSpPr>
+      <p:sp>
+        <p:nvSpPr>
+          <p:cNvPr id="2" name="Slide Image Placeholder 1"/>
+          <p:cNvSpPr>
+            <a:spLocks noGrp="1" noRot="1" noChangeAspect="1"/>
+          </p:cNvSpPr>
+          <p:nvPr>
+            <p:ph type="sldImg"/>
+          </p:nvPr>
+        </p:nvSpPr>
+        <p:spPr/>
+      </p:sp>
+      <p:sp>
+        <p:nvSpPr>
+          <p:cNvPr id="3" name="Notes Placeholder 2"/>
+          <p:cNvSpPr>
+            <a:spLocks noGrp="1"/>
+          </p:cNvSpPr>
+          <p:nvPr>
+            <p:ph type="body" idx="1"/>
+          </p:nvPr>
+        </p:nvSpPr>
+        <p:spPr/>
+        <p:txBody>
+          <a:bodyPr/>
+          <a:lstStyle/>
+          <a:p>
+            <a:endParaRPr lang="en-PH" dirty="0"/>
+          </a:p>
+        </p:txBody>
+      </p:sp>
+      <p:sp>
+        <p:nvSpPr>
+          <p:cNvPr id="4" name="Slide Number Placeholder 3"/>
+          <p:cNvSpPr>
+            <a:spLocks noGrp="1"/>
+          </p:cNvSpPr>
+          <p:nvPr>
+            <p:ph type="sldNum" sz="quarter" idx="5"/>
+          </p:nvPr>
+        </p:nvSpPr>
+        <p:spPr/>
+        <p:txBody>
+          <a:bodyPr/>
+          <a:lstStyle/>
+          <a:p>
+            <a:fld id="{FE90CCE9-4AAE-4E1F-85AD-521A406D6524}" type="slidenum">
+              <a:rPr lang="en-PH" smtClean="0"/>
+              <a:t>18</a:t>
+            </a:fld>
+            <a:endParaRPr lang="en-PH"/>
+          </a:p>
+        </p:txBody>
+      </p:sp>
+    </p:spTree>
+    <p:extLst>
+      <p:ext uri="{BB962C8B-B14F-4D97-AF65-F5344CB8AC3E}">
         <p14:creationId xmlns:p14="http://schemas.microsoft.com/office/powerpoint/2010/main" val="612458403"/>
       </p:ext>
     </p:extLst>
@@ -2058,7 +2143,7 @@
           <a:p>
             <a:fld id="{0CCF0B81-6BD8-4C65-9459-815598C5F1F4}" type="datetimeFigureOut">
               <a:rPr lang="en-PH" smtClean="0"/>
-              <a:t>18/04/2024</a:t>
+              <a:t>19/04/2024</a:t>
             </a:fld>
             <a:endParaRPr lang="en-PH"/>
           </a:p>
@@ -2258,7 +2343,7 @@
           <a:p>
             <a:fld id="{0CCF0B81-6BD8-4C65-9459-815598C5F1F4}" type="datetimeFigureOut">
               <a:rPr lang="en-PH" smtClean="0"/>
-              <a:t>18/04/2024</a:t>
+              <a:t>19/04/2024</a:t>
             </a:fld>
             <a:endParaRPr lang="en-PH"/>
           </a:p>
@@ -2468,7 +2553,7 @@
           <a:p>
             <a:fld id="{0CCF0B81-6BD8-4C65-9459-815598C5F1F4}" type="datetimeFigureOut">
               <a:rPr lang="en-PH" smtClean="0"/>
-              <a:t>18/04/2024</a:t>
+              <a:t>19/04/2024</a:t>
             </a:fld>
             <a:endParaRPr lang="en-PH"/>
           </a:p>
@@ -2668,7 +2753,7 @@
           <a:p>
             <a:fld id="{0CCF0B81-6BD8-4C65-9459-815598C5F1F4}" type="datetimeFigureOut">
               <a:rPr lang="en-PH" smtClean="0"/>
-              <a:t>18/04/2024</a:t>
+              <a:t>19/04/2024</a:t>
             </a:fld>
             <a:endParaRPr lang="en-PH"/>
           </a:p>
@@ -2944,7 +3029,7 @@
           <a:p>
             <a:fld id="{0CCF0B81-6BD8-4C65-9459-815598C5F1F4}" type="datetimeFigureOut">
               <a:rPr lang="en-PH" smtClean="0"/>
-              <a:t>18/04/2024</a:t>
+              <a:t>19/04/2024</a:t>
             </a:fld>
             <a:endParaRPr lang="en-PH"/>
           </a:p>
@@ -3212,7 +3297,7 @@
           <a:p>
             <a:fld id="{0CCF0B81-6BD8-4C65-9459-815598C5F1F4}" type="datetimeFigureOut">
               <a:rPr lang="en-PH" smtClean="0"/>
-              <a:t>18/04/2024</a:t>
+              <a:t>19/04/2024</a:t>
             </a:fld>
             <a:endParaRPr lang="en-PH"/>
           </a:p>
@@ -3627,7 +3712,7 @@
           <a:p>
             <a:fld id="{0CCF0B81-6BD8-4C65-9459-815598C5F1F4}" type="datetimeFigureOut">
               <a:rPr lang="en-PH" smtClean="0"/>
-              <a:t>18/04/2024</a:t>
+              <a:t>19/04/2024</a:t>
             </a:fld>
             <a:endParaRPr lang="en-PH"/>
           </a:p>
@@ -3769,7 +3854,7 @@
           <a:p>
             <a:fld id="{0CCF0B81-6BD8-4C65-9459-815598C5F1F4}" type="datetimeFigureOut">
               <a:rPr lang="en-PH" smtClean="0"/>
-              <a:t>18/04/2024</a:t>
+              <a:t>19/04/2024</a:t>
             </a:fld>
             <a:endParaRPr lang="en-PH"/>
           </a:p>
@@ -3882,7 +3967,7 @@
           <a:p>
             <a:fld id="{0CCF0B81-6BD8-4C65-9459-815598C5F1F4}" type="datetimeFigureOut">
               <a:rPr lang="en-PH" smtClean="0"/>
-              <a:t>18/04/2024</a:t>
+              <a:t>19/04/2024</a:t>
             </a:fld>
             <a:endParaRPr lang="en-PH"/>
           </a:p>
@@ -4195,7 +4280,7 @@
           <a:p>
             <a:fld id="{0CCF0B81-6BD8-4C65-9459-815598C5F1F4}" type="datetimeFigureOut">
               <a:rPr lang="en-PH" smtClean="0"/>
-              <a:t>18/04/2024</a:t>
+              <a:t>19/04/2024</a:t>
             </a:fld>
             <a:endParaRPr lang="en-PH"/>
           </a:p>
@@ -4484,7 +4569,7 @@
           <a:p>
             <a:fld id="{0CCF0B81-6BD8-4C65-9459-815598C5F1F4}" type="datetimeFigureOut">
               <a:rPr lang="en-PH" smtClean="0"/>
-              <a:t>18/04/2024</a:t>
+              <a:t>19/04/2024</a:t>
             </a:fld>
             <a:endParaRPr lang="en-PH"/>
           </a:p>
@@ -4727,7 +4812,7 @@
           <a:p>
             <a:fld id="{0CCF0B81-6BD8-4C65-9459-815598C5F1F4}" type="datetimeFigureOut">
               <a:rPr lang="en-PH" smtClean="0"/>
-              <a:t>18/04/2024</a:t>
+              <a:t>19/04/2024</a:t>
             </a:fld>
             <a:endParaRPr lang="en-PH"/>
           </a:p>
@@ -5763,8 +5848,8 @@
           </a:p>
         </p:txBody>
       </p:sp>
-      <mc:AlternateContent xmlns:mc="http://schemas.openxmlformats.org/markup-compatibility/2006">
-        <mc:Choice xmlns:a14="http://schemas.microsoft.com/office/drawing/2010/main" Requires="a14">
+      <mc:AlternateContent xmlns:mc="http://schemas.openxmlformats.org/markup-compatibility/2006" xmlns:a14="http://schemas.microsoft.com/office/drawing/2010/main">
+        <mc:Choice Requires="a14">
           <p:sp>
             <p:nvSpPr>
               <p:cNvPr id="6" name="TextBox 5">
@@ -5827,7 +5912,7 @@
             </p:txBody>
           </p:sp>
         </mc:Choice>
-        <mc:Fallback>
+        <mc:Fallback xmlns="">
           <p:sp>
             <p:nvSpPr>
               <p:cNvPr id="6" name="TextBox 5">
@@ -6032,8 +6117,8 @@
           </p:sp>
         </mc:Fallback>
       </mc:AlternateContent>
-      <mc:AlternateContent xmlns:mc="http://schemas.openxmlformats.org/markup-compatibility/2006" xmlns:a14="http://schemas.microsoft.com/office/drawing/2010/main">
-        <mc:Choice Requires="a14">
+      <mc:AlternateContent xmlns:mc="http://schemas.openxmlformats.org/markup-compatibility/2006">
+        <mc:Choice xmlns:a14="http://schemas.microsoft.com/office/drawing/2010/main" Requires="a14">
           <p:sp>
             <p:nvSpPr>
               <p:cNvPr id="8" name="TextBox 7">
@@ -6048,8 +6133,8 @@
             </p:nvSpPr>
             <p:spPr>
               <a:xfrm>
-                <a:off x="805122" y="3429000"/>
-                <a:ext cx="3365434" cy="461665"/>
+                <a:off x="805121" y="3429000"/>
+                <a:ext cx="5763511" cy="461665"/>
               </a:xfrm>
               <a:prstGeom prst="rect">
                 <a:avLst/>
@@ -6064,7 +6149,15 @@
               <a:p>
                 <a:r>
                   <a:rPr lang="en-US" sz="2400" dirty="0"/>
-                  <a:t>We know that </a:t>
+                  <a:t>From </a:t>
+                </a:r>
+                <a:r>
+                  <a:rPr lang="en-US" sz="2400" b="1" dirty="0"/>
+                  <a:t>Definition 3</a:t>
+                </a:r>
+                <a:r>
+                  <a:rPr lang="en-US" sz="2400" dirty="0"/>
+                  <a:t>, we know that </a:t>
                 </a:r>
                 <a14:m>
                   <m:oMath xmlns:m="http://schemas.openxmlformats.org/officeDocument/2006/math">
@@ -6113,7 +6206,7 @@
             </p:txBody>
           </p:sp>
         </mc:Choice>
-        <mc:Fallback xmlns="">
+        <mc:Fallback>
           <p:sp>
             <p:nvSpPr>
               <p:cNvPr id="8" name="TextBox 7">
@@ -6130,8 +6223,8 @@
             </p:nvSpPr>
             <p:spPr>
               <a:xfrm>
-                <a:off x="805122" y="3429000"/>
-                <a:ext cx="3365434" cy="461665"/>
+                <a:off x="805121" y="3429000"/>
+                <a:ext cx="5763511" cy="461665"/>
               </a:xfrm>
               <a:prstGeom prst="rect">
                 <a:avLst/>
@@ -6139,7 +6232,7 @@
               <a:blipFill>
                 <a:blip r:embed="rId6"/>
                 <a:stretch>
-                  <a:fillRect l="-2717" t="-10667" b="-29333"/>
+                  <a:fillRect l="-1586" t="-10667" b="-29333"/>
                 </a:stretch>
               </a:blipFill>
             </p:spPr>
@@ -6338,8 +6431,8 @@
           </p:sp>
         </mc:Fallback>
       </mc:AlternateContent>
-      <mc:AlternateContent xmlns:mc="http://schemas.openxmlformats.org/markup-compatibility/2006" xmlns:a14="http://schemas.microsoft.com/office/drawing/2010/main">
-        <mc:Choice Requires="a14">
+      <mc:AlternateContent xmlns:mc="http://schemas.openxmlformats.org/markup-compatibility/2006">
+        <mc:Choice xmlns:a14="http://schemas.microsoft.com/office/drawing/2010/main" Requires="a14">
           <p:sp>
             <p:nvSpPr>
               <p:cNvPr id="12" name="TextBox 11">
@@ -6354,8 +6447,8 @@
             </p:nvSpPr>
             <p:spPr>
               <a:xfrm>
-                <a:off x="805122" y="5181962"/>
-                <a:ext cx="4012204" cy="461665"/>
+                <a:off x="805121" y="5181962"/>
+                <a:ext cx="3826643" cy="461665"/>
               </a:xfrm>
               <a:prstGeom prst="rect">
                 <a:avLst/>
@@ -6413,7 +6506,7 @@
             </p:txBody>
           </p:sp>
         </mc:Choice>
-        <mc:Fallback xmlns="">
+        <mc:Fallback>
           <p:sp>
             <p:nvSpPr>
               <p:cNvPr id="12" name="TextBox 11">
@@ -6430,8 +6523,8 @@
             </p:nvSpPr>
             <p:spPr>
               <a:xfrm>
-                <a:off x="805122" y="5181962"/>
-                <a:ext cx="4012204" cy="461665"/>
+                <a:off x="805121" y="5181962"/>
+                <a:ext cx="3826643" cy="461665"/>
               </a:xfrm>
               <a:prstGeom prst="rect">
                 <a:avLst/>
@@ -6439,7 +6532,7 @@
               <a:blipFill>
                 <a:blip r:embed="rId8"/>
                 <a:stretch>
-                  <a:fillRect l="-456" t="-10526" b="-28947"/>
+                  <a:fillRect l="-478" t="-10526" r="-1752" b="-28947"/>
                 </a:stretch>
               </a:blipFill>
             </p:spPr>
@@ -6656,6 +6749,51 @@
                       </p:childTnLst>
                     </p:cTn>
                   </p:par>
+                  <p:par>
+                    <p:cTn id="19" fill="hold">
+                      <p:stCondLst>
+                        <p:cond delay="indefinite"/>
+                      </p:stCondLst>
+                      <p:childTnLst>
+                        <p:par>
+                          <p:cTn id="20" fill="hold">
+                            <p:stCondLst>
+                              <p:cond delay="0"/>
+                            </p:stCondLst>
+                            <p:childTnLst>
+                              <p:par>
+                                <p:cTn id="21" presetID="1" presetClass="entr" presetSubtype="0" fill="hold" grpId="0" nodeType="clickEffect">
+                                  <p:stCondLst>
+                                    <p:cond delay="0"/>
+                                  </p:stCondLst>
+                                  <p:childTnLst>
+                                    <p:set>
+                                      <p:cBhvr>
+                                        <p:cTn id="22" dur="1" fill="hold">
+                                          <p:stCondLst>
+                                            <p:cond delay="0"/>
+                                          </p:stCondLst>
+                                        </p:cTn>
+                                        <p:tgtEl>
+                                          <p:spTgt spid="5"/>
+                                        </p:tgtEl>
+                                        <p:attrNameLst>
+                                          <p:attrName>style.visibility</p:attrName>
+                                        </p:attrNameLst>
+                                      </p:cBhvr>
+                                      <p:to>
+                                        <p:strVal val="visible"/>
+                                      </p:to>
+                                    </p:set>
+                                  </p:childTnLst>
+                                </p:cTn>
+                              </p:par>
+                            </p:childTnLst>
+                          </p:cTn>
+                        </p:par>
+                      </p:childTnLst>
+                    </p:cTn>
+                  </p:par>
                 </p:childTnLst>
               </p:cTn>
               <p:prevCondLst>
@@ -6679,6 +6817,7 @@
     </p:tnLst>
     <p:bldLst>
       <p:bldP spid="6" grpId="0"/>
+      <p:bldP spid="5" grpId="0"/>
       <p:bldP spid="8" grpId="0"/>
       <p:bldP spid="10" grpId="0"/>
       <p:bldP spid="12" grpId="0"/>
@@ -6911,6 +7050,181 @@
           </a:p>
         </p:txBody>
       </p:sp>
+      <p:sp>
+        <p:nvSpPr>
+          <p:cNvPr id="5" name="TextBox 4">
+            <a:extLst>
+              <a:ext uri="{FF2B5EF4-FFF2-40B4-BE49-F238E27FC236}">
+                <a16:creationId xmlns:a16="http://schemas.microsoft.com/office/drawing/2014/main" id="{2F0F189D-0F40-213F-801E-52EFB6148E52}"/>
+              </a:ext>
+            </a:extLst>
+          </p:cNvPr>
+          <p:cNvSpPr txBox="1"/>
+          <p:nvPr/>
+        </p:nvSpPr>
+        <p:spPr>
+          <a:xfrm>
+            <a:off x="782820" y="4258669"/>
+            <a:ext cx="9668435" cy="830997"/>
+          </a:xfrm>
+          <a:prstGeom prst="rect">
+            <a:avLst/>
+          </a:prstGeom>
+          <a:noFill/>
+        </p:spPr>
+        <p:txBody>
+          <a:bodyPr wrap="square">
+            <a:spAutoFit/>
+          </a:bodyPr>
+          <a:lstStyle/>
+          <a:p>
+            <a:r>
+              <a:rPr lang="en-US" sz="2400" dirty="0"/>
+              <a:t>The fact of something being the complete opposite of something else or very different from something else, so that one of them must be wrong.</a:t>
+            </a:r>
+            <a:endParaRPr lang="en-PH" sz="2400" dirty="0"/>
+          </a:p>
+        </p:txBody>
+      </p:sp>
+      <p:sp>
+        <p:nvSpPr>
+          <p:cNvPr id="8" name="TextBox 7">
+            <a:extLst>
+              <a:ext uri="{FF2B5EF4-FFF2-40B4-BE49-F238E27FC236}">
+                <a16:creationId xmlns:a16="http://schemas.microsoft.com/office/drawing/2014/main" id="{B6A95D3C-F68F-0D70-A070-8BDBEB7ECD47}"/>
+              </a:ext>
+            </a:extLst>
+          </p:cNvPr>
+          <p:cNvSpPr txBox="1"/>
+          <p:nvPr/>
+        </p:nvSpPr>
+        <p:spPr>
+          <a:xfrm>
+            <a:off x="782820" y="3774837"/>
+            <a:ext cx="3614271" cy="461665"/>
+          </a:xfrm>
+          <a:prstGeom prst="rect">
+            <a:avLst/>
+          </a:prstGeom>
+          <a:noFill/>
+        </p:spPr>
+        <p:txBody>
+          <a:bodyPr wrap="square">
+            <a:spAutoFit/>
+          </a:bodyPr>
+          <a:lstStyle/>
+          <a:p>
+            <a:r>
+              <a:rPr lang="en-PH" sz="2400" b="1" dirty="0"/>
+              <a:t>Definition of Contradiction</a:t>
+            </a:r>
+          </a:p>
+        </p:txBody>
+      </p:sp>
+      <p:sp>
+        <p:nvSpPr>
+          <p:cNvPr id="10" name="TextBox 9">
+            <a:extLst>
+              <a:ext uri="{FF2B5EF4-FFF2-40B4-BE49-F238E27FC236}">
+                <a16:creationId xmlns:a16="http://schemas.microsoft.com/office/drawing/2014/main" id="{EC9CB29B-1BF9-53A3-F123-80AAFAF7FC7A}"/>
+              </a:ext>
+            </a:extLst>
+          </p:cNvPr>
+          <p:cNvSpPr txBox="1"/>
+          <p:nvPr/>
+        </p:nvSpPr>
+        <p:spPr>
+          <a:xfrm>
+            <a:off x="782819" y="5230239"/>
+            <a:ext cx="10512709" cy="415498"/>
+          </a:xfrm>
+          <a:prstGeom prst="rect">
+            <a:avLst/>
+          </a:prstGeom>
+          <a:noFill/>
+        </p:spPr>
+        <p:txBody>
+          <a:bodyPr wrap="square">
+            <a:spAutoFit/>
+          </a:bodyPr>
+          <a:lstStyle/>
+          <a:p>
+            <a:r>
+              <a:rPr lang="en-US" sz="2100" b="0" i="1" dirty="0">
+                <a:solidFill>
+                  <a:srgbClr val="1D2A57"/>
+                </a:solidFill>
+                <a:effectLst/>
+                <a:latin typeface="Calibri (Body)"/>
+              </a:rPr>
+              <a:t>“You say that you're good </a:t>
+            </a:r>
+            <a:r>
+              <a:rPr lang="en-US" sz="2100" b="0" i="1" u="none" strike="noStrike" dirty="0">
+                <a:solidFill>
+                  <a:srgbClr val="1D2A57"/>
+                </a:solidFill>
+                <a:effectLst/>
+                <a:latin typeface="Calibri (Body)"/>
+              </a:rPr>
+              <a:t>friends</a:t>
+            </a:r>
+            <a:r>
+              <a:rPr lang="en-US" sz="2100" b="0" i="1" dirty="0">
+                <a:solidFill>
+                  <a:srgbClr val="1D2A57"/>
+                </a:solidFill>
+                <a:effectLst/>
+                <a:latin typeface="Calibri (Body)"/>
+              </a:rPr>
+              <a:t> and </a:t>
+            </a:r>
+            <a:r>
+              <a:rPr lang="en-US" sz="2100" b="0" i="1" u="none" strike="noStrike" dirty="0">
+                <a:solidFill>
+                  <a:srgbClr val="1D2A57"/>
+                </a:solidFill>
+                <a:effectLst/>
+                <a:latin typeface="Calibri (Body)"/>
+              </a:rPr>
+              <a:t>yet</a:t>
+            </a:r>
+            <a:r>
+              <a:rPr lang="en-US" sz="2100" b="0" i="1" dirty="0">
+                <a:solidFill>
+                  <a:srgbClr val="1D2A57"/>
+                </a:solidFill>
+                <a:effectLst/>
+                <a:latin typeface="Calibri (Body)"/>
+              </a:rPr>
+              <a:t> you don't </a:t>
+            </a:r>
+            <a:r>
+              <a:rPr lang="en-US" sz="2100" b="0" i="1" u="none" strike="noStrike" dirty="0">
+                <a:solidFill>
+                  <a:srgbClr val="1D2A57"/>
+                </a:solidFill>
+                <a:effectLst/>
+                <a:latin typeface="Calibri (Body)"/>
+              </a:rPr>
+              <a:t>trust</a:t>
+            </a:r>
+            <a:r>
+              <a:rPr lang="en-US" sz="2100" b="0" i="1" dirty="0">
+                <a:solidFill>
+                  <a:srgbClr val="1D2A57"/>
+                </a:solidFill>
+                <a:effectLst/>
+                <a:latin typeface="Calibri (Body)"/>
+              </a:rPr>
+              <a:t> him. Isn't that a contradiction?”</a:t>
+            </a:r>
+            <a:endParaRPr lang="en-PH" sz="2100" dirty="0">
+              <a:latin typeface="Calibri (Body)"/>
+            </a:endParaRPr>
+          </a:p>
+        </p:txBody>
+      </p:sp>
     </p:spTree>
     <p:extLst>
       <p:ext uri="{BB962C8B-B14F-4D97-AF65-F5344CB8AC3E}">
@@ -6921,6 +7235,158 @@
   <p:clrMapOvr>
     <a:masterClrMapping/>
   </p:clrMapOvr>
+  <p:timing>
+    <p:tnLst>
+      <p:par>
+        <p:cTn id="1" dur="indefinite" restart="never" nodeType="tmRoot">
+          <p:childTnLst>
+            <p:seq concurrent="1" nextAc="seek">
+              <p:cTn id="2" dur="indefinite" nodeType="mainSeq">
+                <p:childTnLst>
+                  <p:par>
+                    <p:cTn id="3" fill="hold">
+                      <p:stCondLst>
+                        <p:cond delay="indefinite"/>
+                      </p:stCondLst>
+                      <p:childTnLst>
+                        <p:par>
+                          <p:cTn id="4" fill="hold">
+                            <p:stCondLst>
+                              <p:cond delay="0"/>
+                            </p:stCondLst>
+                            <p:childTnLst>
+                              <p:par>
+                                <p:cTn id="5" presetID="1" presetClass="entr" presetSubtype="0" fill="hold" grpId="0" nodeType="clickEffect">
+                                  <p:stCondLst>
+                                    <p:cond delay="0"/>
+                                  </p:stCondLst>
+                                  <p:childTnLst>
+                                    <p:set>
+                                      <p:cBhvr>
+                                        <p:cTn id="6" dur="1" fill="hold">
+                                          <p:stCondLst>
+                                            <p:cond delay="0"/>
+                                          </p:stCondLst>
+                                        </p:cTn>
+                                        <p:tgtEl>
+                                          <p:spTgt spid="8"/>
+                                        </p:tgtEl>
+                                        <p:attrNameLst>
+                                          <p:attrName>style.visibility</p:attrName>
+                                        </p:attrNameLst>
+                                      </p:cBhvr>
+                                      <p:to>
+                                        <p:strVal val="visible"/>
+                                      </p:to>
+                                    </p:set>
+                                  </p:childTnLst>
+                                </p:cTn>
+                              </p:par>
+                              <p:par>
+                                <p:cTn id="7" presetID="1" presetClass="entr" presetSubtype="0" fill="hold" grpId="0" nodeType="withEffect">
+                                  <p:stCondLst>
+                                    <p:cond delay="0"/>
+                                  </p:stCondLst>
+                                  <p:childTnLst>
+                                    <p:set>
+                                      <p:cBhvr>
+                                        <p:cTn id="8" dur="1" fill="hold">
+                                          <p:stCondLst>
+                                            <p:cond delay="0"/>
+                                          </p:stCondLst>
+                                        </p:cTn>
+                                        <p:tgtEl>
+                                          <p:spTgt spid="5"/>
+                                        </p:tgtEl>
+                                        <p:attrNameLst>
+                                          <p:attrName>style.visibility</p:attrName>
+                                        </p:attrNameLst>
+                                      </p:cBhvr>
+                                      <p:to>
+                                        <p:strVal val="visible"/>
+                                      </p:to>
+                                    </p:set>
+                                  </p:childTnLst>
+                                </p:cTn>
+                              </p:par>
+                            </p:childTnLst>
+                          </p:cTn>
+                        </p:par>
+                      </p:childTnLst>
+                    </p:cTn>
+                  </p:par>
+                  <p:par>
+                    <p:cTn id="9" fill="hold">
+                      <p:stCondLst>
+                        <p:cond delay="indefinite"/>
+                      </p:stCondLst>
+                      <p:childTnLst>
+                        <p:par>
+                          <p:cTn id="10" fill="hold">
+                            <p:stCondLst>
+                              <p:cond delay="0"/>
+                            </p:stCondLst>
+                            <p:childTnLst>
+                              <p:par>
+                                <p:cTn id="11" presetID="1" presetClass="entr" presetSubtype="0" fill="hold" grpId="0" nodeType="clickEffect">
+                                  <p:stCondLst>
+                                    <p:cond delay="0"/>
+                                  </p:stCondLst>
+                                  <p:childTnLst>
+                                    <p:set>
+                                      <p:cBhvr>
+                                        <p:cTn id="12" dur="1" fill="hold">
+                                          <p:stCondLst>
+                                            <p:cond delay="0"/>
+                                          </p:stCondLst>
+                                        </p:cTn>
+                                        <p:tgtEl>
+                                          <p:spTgt spid="10"/>
+                                        </p:tgtEl>
+                                        <p:attrNameLst>
+                                          <p:attrName>style.visibility</p:attrName>
+                                        </p:attrNameLst>
+                                      </p:cBhvr>
+                                      <p:to>
+                                        <p:strVal val="visible"/>
+                                      </p:to>
+                                    </p:set>
+                                  </p:childTnLst>
+                                </p:cTn>
+                              </p:par>
+                            </p:childTnLst>
+                          </p:cTn>
+                        </p:par>
+                      </p:childTnLst>
+                    </p:cTn>
+                  </p:par>
+                </p:childTnLst>
+              </p:cTn>
+              <p:prevCondLst>
+                <p:cond evt="onPrev" delay="0">
+                  <p:tgtEl>
+                    <p:sldTgt/>
+                  </p:tgtEl>
+                </p:cond>
+              </p:prevCondLst>
+              <p:nextCondLst>
+                <p:cond evt="onNext" delay="0">
+                  <p:tgtEl>
+                    <p:sldTgt/>
+                  </p:tgtEl>
+                </p:cond>
+              </p:nextCondLst>
+            </p:seq>
+          </p:childTnLst>
+        </p:cTn>
+      </p:par>
+    </p:tnLst>
+    <p:bldLst>
+      <p:bldP spid="5" grpId="0"/>
+      <p:bldP spid="8" grpId="0"/>
+      <p:bldP spid="10" grpId="0"/>
+    </p:bldLst>
+  </p:timing>
 </p:sld>
 </file>
 
@@ -9366,8 +9832,8 @@
           </a:p>
         </p:txBody>
       </p:sp>
-      <mc:AlternateContent xmlns:mc="http://schemas.openxmlformats.org/markup-compatibility/2006" xmlns:a14="http://schemas.microsoft.com/office/drawing/2010/main">
-        <mc:Choice Requires="a14">
+      <mc:AlternateContent xmlns:mc="http://schemas.openxmlformats.org/markup-compatibility/2006">
+        <mc:Choice xmlns:a14="http://schemas.microsoft.com/office/drawing/2010/main" Requires="a14">
           <p:sp>
             <p:nvSpPr>
               <p:cNvPr id="6" name="TextBox 5">
@@ -9383,7 +9849,7 @@
             <p:spPr>
               <a:xfrm>
                 <a:off x="446048" y="2339141"/>
-                <a:ext cx="11586118" cy="738664"/>
+                <a:ext cx="11586118" cy="1061829"/>
               </a:xfrm>
               <a:prstGeom prst="rect">
                 <a:avLst/>
@@ -9414,41 +9880,27 @@
                 <a14:m>
                   <m:oMath xmlns:m="http://schemas.openxmlformats.org/officeDocument/2006/math">
                     <m:r>
-                      <m:rPr>
-                        <m:sty m:val="p"/>
-                      </m:rPr>
-                      <a:rPr lang="en-US" sz="2000">
+                      <a:rPr lang="en-US" sz="2000" i="1">
                         <a:latin typeface="Cambria Math" panose="02040503050406030204" pitchFamily="18" charset="0"/>
                         <a:ea typeface="Cambria Math" panose="02040503050406030204" pitchFamily="18" charset="0"/>
                       </a:rPr>
-                      <m:t>F</m:t>
+                      <m:t>𝐹</m:t>
                     </m:r>
                     <m:r>
                       <a:rPr lang="en-US" sz="2000" i="1">
                         <a:latin typeface="Cambria Math" panose="02040503050406030204" pitchFamily="18" charset="0"/>
                         <a:ea typeface="Cambria Math" panose="02040503050406030204" pitchFamily="18" charset="0"/>
                       </a:rPr>
-                      <m:t>(</m:t>
-                    </m:r>
-                    <m:r>
-                      <a:rPr lang="en-US" sz="2000" b="0" i="1" smtClean="0">
-                        <a:latin typeface="Cambria Math" panose="02040503050406030204" pitchFamily="18" charset="0"/>
-                        <a:ea typeface="Cambria Math" panose="02040503050406030204" pitchFamily="18" charset="0"/>
-                      </a:rPr>
-                      <m:t>1</m:t>
-                    </m:r>
-                    <m:r>
-                      <a:rPr lang="en-US" sz="2000" i="1">
-                        <a:latin typeface="Cambria Math" panose="02040503050406030204" pitchFamily="18" charset="0"/>
-                        <a:ea typeface="Cambria Math" panose="02040503050406030204" pitchFamily="18" charset="0"/>
-                      </a:rPr>
-                      <m:t>)</m:t>
+                      <m:t>(1)</m:t>
                     </m:r>
                   </m:oMath>
                 </a14:m>
+                <a:endParaRPr lang="en-US" sz="2100" i="1" dirty="0"/>
+              </a:p>
+              <a:p>
                 <a:r>
                   <a:rPr lang="en-US" sz="2100" dirty="0"/>
-                  <a:t>; The sum </a:t>
+                  <a:t>The sum </a:t>
                 </a:r>
                 <a14:m>
                   <m:oMath xmlns:m="http://schemas.openxmlformats.org/officeDocument/2006/math">
@@ -9462,7 +9914,7 @@
                 </a14:m>
                 <a:r>
                   <a:rPr lang="en-US" sz="2100" dirty="0"/>
-                  <a:t> is odd, can show </a:t>
+                  <a:t> is odd, this can show that </a:t>
                 </a:r>
                 <a14:m>
                   <m:oMath xmlns:m="http://schemas.openxmlformats.org/officeDocument/2006/math">
@@ -9554,7 +10006,7 @@
             </p:txBody>
           </p:sp>
         </mc:Choice>
-        <mc:Fallback xmlns="">
+        <mc:Fallback>
           <p:sp>
             <p:nvSpPr>
               <p:cNvPr id="6" name="TextBox 5">
@@ -9572,7 +10024,7 @@
             <p:spPr>
               <a:xfrm>
                 <a:off x="446048" y="2339141"/>
-                <a:ext cx="11586118" cy="738664"/>
+                <a:ext cx="11586118" cy="1061829"/>
               </a:xfrm>
               <a:prstGeom prst="rect">
                 <a:avLst/>
@@ -9580,7 +10032,7 @@
               <a:blipFill>
                 <a:blip r:embed="rId4"/>
                 <a:stretch>
-                  <a:fillRect l="-472" t="-3150" b="-12598"/>
+                  <a:fillRect l="-472" t="-2222" b="-8333"/>
                 </a:stretch>
               </a:blipFill>
               <a:ln w="38100">
@@ -9783,8 +10235,8 @@
           </p:sp>
         </mc:Fallback>
       </mc:AlternateContent>
-      <mc:AlternateContent xmlns:mc="http://schemas.openxmlformats.org/markup-compatibility/2006" xmlns:a14="http://schemas.microsoft.com/office/drawing/2010/main">
-        <mc:Choice Requires="a14">
+      <mc:AlternateContent xmlns:mc="http://schemas.openxmlformats.org/markup-compatibility/2006">
+        <mc:Choice xmlns:a14="http://schemas.microsoft.com/office/drawing/2010/main" Requires="a14">
           <p:sp>
             <p:nvSpPr>
               <p:cNvPr id="7" name="TextBox 6">
@@ -9799,7 +10251,7 @@
             </p:nvSpPr>
             <p:spPr>
               <a:xfrm>
-                <a:off x="446048" y="3323928"/>
+                <a:off x="446048" y="3767433"/>
                 <a:ext cx="7727796" cy="453137"/>
               </a:xfrm>
               <a:prstGeom prst="rect">
@@ -9825,14 +10277,11 @@
                 <a14:m>
                   <m:oMath xmlns:m="http://schemas.openxmlformats.org/officeDocument/2006/math">
                     <m:r>
-                      <m:rPr>
-                        <m:sty m:val="p"/>
-                      </m:rPr>
-                      <a:rPr lang="en-US" sz="2000">
+                      <a:rPr lang="en-US" sz="2000" i="1">
                         <a:latin typeface="Cambria Math" panose="02040503050406030204" pitchFamily="18" charset="0"/>
                         <a:ea typeface="Cambria Math" panose="02040503050406030204" pitchFamily="18" charset="0"/>
                       </a:rPr>
-                      <m:t>F</m:t>
+                      <m:t>𝐹</m:t>
                     </m:r>
                     <m:d>
                       <m:dPr>
@@ -9888,17 +10337,14 @@
                 <a14:m>
                   <m:oMath xmlns:m="http://schemas.openxmlformats.org/officeDocument/2006/math">
                     <m:r>
-                      <m:rPr>
-                        <m:sty m:val="p"/>
-                      </m:rPr>
-                      <a:rPr lang="en-US" sz="2400" dirty="0">
+                      <a:rPr lang="en-US" sz="2400" i="1" dirty="0">
                         <a:latin typeface="Cambria Math" panose="02040503050406030204" pitchFamily="18" charset="0"/>
                         <a:ea typeface="Cambria Math" panose="02040503050406030204" pitchFamily="18" charset="0"/>
                       </a:rPr>
-                      <m:t>x</m:t>
-                    </m:r>
-                    <m:r>
-                      <a:rPr lang="en-US" sz="2400" b="0" i="0" smtClean="0">
+                      <m:t>𝑥</m:t>
+                    </m:r>
+                    <m:r>
+                      <a:rPr lang="en-US" sz="2400" b="0" i="1" smtClean="0">
                         <a:latin typeface="Cambria Math" panose="02040503050406030204" pitchFamily="18" charset="0"/>
                         <a:ea typeface="Cambria Math" panose="02040503050406030204" pitchFamily="18" charset="0"/>
                       </a:rPr>
@@ -9915,17 +10361,14 @@
                       </m:dPr>
                       <m:e>
                         <m:r>
-                          <m:rPr>
-                            <m:sty m:val="p"/>
-                          </m:rPr>
-                          <a:rPr lang="en-US" sz="2400" b="0" i="0" smtClean="0">
+                          <a:rPr lang="en-US" sz="2400" b="0" i="1" smtClean="0">
                             <a:latin typeface="Cambria Math" panose="02040503050406030204" pitchFamily="18" charset="0"/>
                             <a:ea typeface="Cambria Math" panose="02040503050406030204" pitchFamily="18" charset="0"/>
                           </a:rPr>
-                          <m:t>x</m:t>
+                          <m:t>𝑥</m:t>
                         </m:r>
                         <m:r>
-                          <a:rPr lang="en-US" sz="2400" b="0" i="0" smtClean="0">
+                          <a:rPr lang="en-US" sz="2400" b="0" i="1" smtClean="0">
                             <a:latin typeface="Cambria Math" panose="02040503050406030204" pitchFamily="18" charset="0"/>
                             <a:ea typeface="Cambria Math" panose="02040503050406030204" pitchFamily="18" charset="0"/>
                           </a:rPr>
@@ -9943,7 +10386,7 @@
             </p:txBody>
           </p:sp>
         </mc:Choice>
-        <mc:Fallback xmlns="">
+        <mc:Fallback>
           <p:sp>
             <p:nvSpPr>
               <p:cNvPr id="7" name="TextBox 6">
@@ -9960,7 +10403,7 @@
             </p:nvSpPr>
             <p:spPr>
               <a:xfrm>
-                <a:off x="446048" y="3323928"/>
+                <a:off x="446048" y="3767433"/>
                 <a:ext cx="7727796" cy="453137"/>
               </a:xfrm>
               <a:prstGeom prst="rect">
@@ -9969,7 +10412,7 @@
               <a:blipFill>
                 <a:blip r:embed="rId6"/>
                 <a:stretch>
-                  <a:fillRect l="-706" b="-19753"/>
+                  <a:fillRect l="-706" b="-21250"/>
                 </a:stretch>
               </a:blipFill>
               <a:ln w="38100">
@@ -9993,8 +10436,8 @@
           </p:sp>
         </mc:Fallback>
       </mc:AlternateContent>
-      <mc:AlternateContent xmlns:mc="http://schemas.openxmlformats.org/markup-compatibility/2006" xmlns:a14="http://schemas.microsoft.com/office/drawing/2010/main">
-        <mc:Choice Requires="a14">
+      <mc:AlternateContent xmlns:mc="http://schemas.openxmlformats.org/markup-compatibility/2006">
+        <mc:Choice xmlns:a14="http://schemas.microsoft.com/office/drawing/2010/main" Requires="a14">
           <p:sp>
             <p:nvSpPr>
               <p:cNvPr id="8" name="TextBox 7">
@@ -10009,7 +10452,7 @@
             </p:nvSpPr>
             <p:spPr>
               <a:xfrm>
-                <a:off x="446048" y="4042549"/>
+                <a:off x="446048" y="4486054"/>
                 <a:ext cx="6757640" cy="461665"/>
               </a:xfrm>
               <a:prstGeom prst="rect">
@@ -10036,17 +10479,14 @@
                     </m:oMathParaPr>
                     <m:oMath xmlns:m="http://schemas.openxmlformats.org/officeDocument/2006/math">
                       <m:r>
-                        <m:rPr>
-                          <m:sty m:val="p"/>
-                        </m:rPr>
-                        <a:rPr lang="en-US" sz="2400" b="0" i="0" smtClean="0">
+                        <a:rPr lang="en-US" sz="2400" b="0" i="1" smtClean="0">
                           <a:latin typeface="Cambria Math" panose="02040503050406030204" pitchFamily="18" charset="0"/>
                           <a:ea typeface="Cambria Math" panose="02040503050406030204" pitchFamily="18" charset="0"/>
                         </a:rPr>
-                        <m:t>x</m:t>
+                        <m:t>𝑥</m:t>
                       </m:r>
                       <m:r>
-                        <a:rPr lang="en-US" sz="2400" b="1" i="0" smtClean="0">
+                        <a:rPr lang="en-US" sz="2400" b="1" i="1" smtClean="0">
                           <a:solidFill>
                             <a:srgbClr val="00B050"/>
                           </a:solidFill>
@@ -10056,7 +10496,7 @@
                         <m:t>+</m:t>
                       </m:r>
                       <m:r>
-                        <a:rPr lang="en-US" sz="2400" b="1" i="0" smtClean="0">
+                        <a:rPr lang="en-US" sz="2400" b="1" i="1" smtClean="0">
                           <a:solidFill>
                             <a:srgbClr val="00B050"/>
                           </a:solidFill>
@@ -10076,24 +10516,21 @@
                         </m:dPr>
                         <m:e>
                           <m:r>
-                            <m:rPr>
-                              <m:sty m:val="p"/>
-                            </m:rPr>
-                            <a:rPr lang="en-US" sz="2400" b="0" i="0" smtClean="0">
+                            <a:rPr lang="en-US" sz="2400" b="0" i="1" smtClean="0">
                               <a:latin typeface="Cambria Math" panose="02040503050406030204" pitchFamily="18" charset="0"/>
                               <a:ea typeface="Cambria Math" panose="02040503050406030204" pitchFamily="18" charset="0"/>
                             </a:rPr>
-                            <m:t>x</m:t>
+                            <m:t>𝑥</m:t>
                           </m:r>
                           <m:r>
-                            <a:rPr lang="en-US" sz="2400" b="0" i="0" smtClean="0">
+                            <a:rPr lang="en-US" sz="2400" b="0" i="1" smtClean="0">
                               <a:latin typeface="Cambria Math" panose="02040503050406030204" pitchFamily="18" charset="0"/>
                               <a:ea typeface="Cambria Math" panose="02040503050406030204" pitchFamily="18" charset="0"/>
                             </a:rPr>
                             <m:t>+1</m:t>
                           </m:r>
                           <m:r>
-                            <a:rPr lang="en-US" sz="2400" b="1" i="0" smtClean="0">
+                            <a:rPr lang="en-US" sz="2400" b="1" i="1" smtClean="0">
                               <a:solidFill>
                                 <a:srgbClr val="00B050"/>
                               </a:solidFill>
@@ -10103,7 +10540,7 @@
                             <m:t>+</m:t>
                           </m:r>
                           <m:r>
-                            <a:rPr lang="en-US" sz="2400" b="1" i="0" smtClean="0">
+                            <a:rPr lang="en-US" sz="2400" b="1" i="1" smtClean="0">
                               <a:solidFill>
                                 <a:srgbClr val="00B050"/>
                               </a:solidFill>
@@ -10115,7 +10552,7 @@
                         </m:e>
                       </m:d>
                       <m:r>
-                        <a:rPr lang="en-US" sz="2400" b="0" i="0" smtClean="0">
+                        <a:rPr lang="en-US" sz="2400" b="0" i="1" smtClean="0">
                           <a:latin typeface="Cambria Math" panose="02040503050406030204" pitchFamily="18" charset="0"/>
                           <a:ea typeface="Cambria Math" panose="02040503050406030204" pitchFamily="18" charset="0"/>
                         </a:rPr>
@@ -10132,17 +10569,14 @@
                         </m:dPr>
                         <m:e>
                           <m:r>
-                            <m:rPr>
-                              <m:sty m:val="p"/>
-                            </m:rPr>
-                            <a:rPr lang="en-US" sz="2400" b="0" i="0" smtClean="0">
+                            <a:rPr lang="en-US" sz="2400" b="0" i="1" smtClean="0">
                               <a:latin typeface="Cambria Math" panose="02040503050406030204" pitchFamily="18" charset="0"/>
                               <a:ea typeface="Cambria Math" panose="02040503050406030204" pitchFamily="18" charset="0"/>
                             </a:rPr>
-                            <m:t>x</m:t>
+                            <m:t>𝑥</m:t>
                           </m:r>
                           <m:r>
-                            <a:rPr lang="en-US" sz="2400" b="0" i="0" smtClean="0">
+                            <a:rPr lang="en-US" sz="2400" b="0" i="1" smtClean="0">
                               <a:latin typeface="Cambria Math" panose="02040503050406030204" pitchFamily="18" charset="0"/>
                               <a:ea typeface="Cambria Math" panose="02040503050406030204" pitchFamily="18" charset="0"/>
                             </a:rPr>
@@ -10151,7 +10585,7 @@
                         </m:e>
                       </m:d>
                       <m:r>
-                        <a:rPr lang="en-US" sz="2400" b="0" i="0" smtClean="0">
+                        <a:rPr lang="en-US" sz="2400" b="0" i="1" smtClean="0">
                           <a:latin typeface="Cambria Math" panose="02040503050406030204" pitchFamily="18" charset="0"/>
                           <a:ea typeface="Cambria Math" panose="02040503050406030204" pitchFamily="18" charset="0"/>
                         </a:rPr>
@@ -10168,17 +10602,14 @@
                         </m:dPr>
                         <m:e>
                           <m:r>
-                            <m:rPr>
-                              <m:sty m:val="p"/>
-                            </m:rPr>
-                            <a:rPr lang="en-US" sz="2400" b="0" i="0" smtClean="0">
+                            <a:rPr lang="en-US" sz="2400" b="0" i="1" smtClean="0">
                               <a:latin typeface="Cambria Math" panose="02040503050406030204" pitchFamily="18" charset="0"/>
                               <a:ea typeface="Cambria Math" panose="02040503050406030204" pitchFamily="18" charset="0"/>
                             </a:rPr>
-                            <m:t>x</m:t>
+                            <m:t>𝑥</m:t>
                           </m:r>
                           <m:r>
-                            <a:rPr lang="en-US" sz="2400" b="0" i="0" smtClean="0">
+                            <a:rPr lang="en-US" sz="2400" b="0" i="1" smtClean="0">
                               <a:latin typeface="Cambria Math" panose="02040503050406030204" pitchFamily="18" charset="0"/>
                               <a:ea typeface="Cambria Math" panose="02040503050406030204" pitchFamily="18" charset="0"/>
                             </a:rPr>
@@ -10187,41 +10618,35 @@
                         </m:e>
                       </m:d>
                       <m:r>
-                        <a:rPr lang="en-US" sz="2400" b="0" i="0" smtClean="0">
+                        <a:rPr lang="en-US" sz="2400" b="0" i="1" smtClean="0">
                           <a:latin typeface="Cambria Math" panose="02040503050406030204" pitchFamily="18" charset="0"/>
                           <a:ea typeface="Cambria Math" panose="02040503050406030204" pitchFamily="18" charset="0"/>
                         </a:rPr>
                         <m:t>=</m:t>
                       </m:r>
                       <m:r>
-                        <m:rPr>
-                          <m:sty m:val="p"/>
-                        </m:rPr>
-                        <a:rPr lang="en-US" sz="2400" b="0" i="0" smtClean="0">
+                        <a:rPr lang="en-US" sz="2400" b="0" i="1" smtClean="0">
                           <a:latin typeface="Cambria Math" panose="02040503050406030204" pitchFamily="18" charset="0"/>
                           <a:ea typeface="Cambria Math" panose="02040503050406030204" pitchFamily="18" charset="0"/>
                         </a:rPr>
-                        <m:t>F</m:t>
+                        <m:t>𝐹</m:t>
                       </m:r>
                       <m:r>
-                        <a:rPr lang="en-US" sz="2400" b="0" i="0" smtClean="0">
+                        <a:rPr lang="en-US" sz="2400" b="0" i="1" smtClean="0">
                           <a:latin typeface="Cambria Math" panose="02040503050406030204" pitchFamily="18" charset="0"/>
                           <a:ea typeface="Cambria Math" panose="02040503050406030204" pitchFamily="18" charset="0"/>
                         </a:rPr>
                         <m:t>(</m:t>
                       </m:r>
                       <m:r>
-                        <m:rPr>
-                          <m:sty m:val="p"/>
-                        </m:rPr>
-                        <a:rPr lang="en-US" sz="2400" b="0" i="0" smtClean="0">
+                        <a:rPr lang="en-US" sz="2400" b="0" i="1" smtClean="0">
                           <a:latin typeface="Cambria Math" panose="02040503050406030204" pitchFamily="18" charset="0"/>
                           <a:ea typeface="Cambria Math" panose="02040503050406030204" pitchFamily="18" charset="0"/>
                         </a:rPr>
-                        <m:t>x</m:t>
+                        <m:t>𝑥</m:t>
                       </m:r>
                       <m:r>
-                        <a:rPr lang="en-US" sz="2400" b="0" i="0" smtClean="0">
+                        <a:rPr lang="en-US" sz="2400" b="0" i="1" smtClean="0">
                           <a:latin typeface="Cambria Math" panose="02040503050406030204" pitchFamily="18" charset="0"/>
                           <a:ea typeface="Cambria Math" panose="02040503050406030204" pitchFamily="18" charset="0"/>
                         </a:rPr>
@@ -10230,12 +10655,12 @@
                     </m:oMath>
                   </m:oMathPara>
                 </a14:m>
-                <a:endParaRPr lang="en-US" sz="2100" dirty="0"/>
+                <a:endParaRPr lang="en-US" sz="2100" i="1" dirty="0"/>
               </a:p>
             </p:txBody>
           </p:sp>
         </mc:Choice>
-        <mc:Fallback xmlns="">
+        <mc:Fallback>
           <p:sp>
             <p:nvSpPr>
               <p:cNvPr id="8" name="TextBox 7">
@@ -10252,7 +10677,7 @@
             </p:nvSpPr>
             <p:spPr>
               <a:xfrm>
-                <a:off x="446048" y="4042549"/>
+                <a:off x="446048" y="4486054"/>
                 <a:ext cx="6757640" cy="461665"/>
               </a:xfrm>
               <a:prstGeom prst="rect">
@@ -10285,8 +10710,8 @@
           </p:sp>
         </mc:Fallback>
       </mc:AlternateContent>
-      <mc:AlternateContent xmlns:mc="http://schemas.openxmlformats.org/markup-compatibility/2006" xmlns:a14="http://schemas.microsoft.com/office/drawing/2010/main">
-        <mc:Choice Requires="a14">
+      <mc:AlternateContent xmlns:mc="http://schemas.openxmlformats.org/markup-compatibility/2006">
+        <mc:Choice xmlns:a14="http://schemas.microsoft.com/office/drawing/2010/main" Requires="a14">
           <p:sp>
             <p:nvSpPr>
               <p:cNvPr id="10" name="TextBox 9">
@@ -10301,7 +10726,7 @@
             </p:nvSpPr>
             <p:spPr>
               <a:xfrm>
-                <a:off x="446049" y="4929462"/>
+                <a:off x="446049" y="5372967"/>
                 <a:ext cx="9144930" cy="400110"/>
               </a:xfrm>
               <a:prstGeom prst="rect">
@@ -10329,14 +10754,11 @@
                 <a14:m>
                   <m:oMath xmlns:m="http://schemas.openxmlformats.org/officeDocument/2006/math">
                     <m:r>
-                      <m:rPr>
-                        <m:sty m:val="p"/>
-                      </m:rPr>
-                      <a:rPr lang="en-US" sz="2000" b="0" i="0" smtClean="0">
+                      <a:rPr lang="en-US" sz="2000" b="0" i="1" smtClean="0">
                         <a:latin typeface="Cambria Math" panose="02040503050406030204" pitchFamily="18" charset="0"/>
                         <a:ea typeface="Cambria Math" panose="02040503050406030204" pitchFamily="18" charset="0"/>
                       </a:rPr>
-                      <m:t>x</m:t>
+                      <m:t>𝑥</m:t>
                     </m:r>
                     <m:d>
                       <m:dPr>
@@ -10349,17 +10771,14 @@
                       </m:dPr>
                       <m:e>
                         <m:r>
-                          <m:rPr>
-                            <m:sty m:val="p"/>
-                          </m:rPr>
-                          <a:rPr lang="en-US" sz="2000" b="0" i="0" smtClean="0">
+                          <a:rPr lang="en-US" sz="2000" b="0" i="1" smtClean="0">
                             <a:latin typeface="Cambria Math" panose="02040503050406030204" pitchFamily="18" charset="0"/>
                             <a:ea typeface="Cambria Math" panose="02040503050406030204" pitchFamily="18" charset="0"/>
                           </a:rPr>
-                          <m:t>x</m:t>
+                          <m:t>𝑥</m:t>
                         </m:r>
                         <m:r>
-                          <a:rPr lang="en-US" sz="2000" b="0" i="0" smtClean="0">
+                          <a:rPr lang="en-US" sz="2000" b="0" i="1" smtClean="0">
                             <a:latin typeface="Cambria Math" panose="02040503050406030204" pitchFamily="18" charset="0"/>
                             <a:ea typeface="Cambria Math" panose="02040503050406030204" pitchFamily="18" charset="0"/>
                           </a:rPr>
@@ -10391,7 +10810,7 @@
             </p:txBody>
           </p:sp>
         </mc:Choice>
-        <mc:Fallback xmlns="">
+        <mc:Fallback>
           <p:sp>
             <p:nvSpPr>
               <p:cNvPr id="10" name="TextBox 9">
@@ -10408,7 +10827,7 @@
             </p:nvSpPr>
             <p:spPr>
               <a:xfrm>
-                <a:off x="446049" y="4929462"/>
+                <a:off x="446049" y="5372967"/>
                 <a:ext cx="9144930" cy="400110"/>
               </a:xfrm>
               <a:prstGeom prst="rect">
@@ -10417,7 +10836,7 @@
               <a:blipFill>
                 <a:blip r:embed="rId8"/>
                 <a:stretch>
-                  <a:fillRect l="-465" t="-4225" b="-21127"/>
+                  <a:fillRect l="-465" t="-2778" b="-19444"/>
                 </a:stretch>
               </a:blipFill>
               <a:ln w="38100">
@@ -10455,7 +10874,7 @@
         </p:nvSpPr>
         <p:spPr>
           <a:xfrm rot="5400000">
-            <a:off x="1343487" y="3902966"/>
+            <a:off x="1343487" y="4346471"/>
             <a:ext cx="361026" cy="1627744"/>
           </a:xfrm>
           <a:prstGeom prst="rightBrace">
@@ -10486,8 +10905,8 @@
           </a:p>
         </p:txBody>
       </p:sp>
-      <mc:AlternateContent xmlns:mc="http://schemas.openxmlformats.org/markup-compatibility/2006" xmlns:a14="http://schemas.microsoft.com/office/drawing/2010/main">
-        <mc:Choice Requires="a14">
+      <mc:AlternateContent xmlns:mc="http://schemas.openxmlformats.org/markup-compatibility/2006">
+        <mc:Choice xmlns:a14="http://schemas.microsoft.com/office/drawing/2010/main" Requires="a14">
           <p:sp>
             <p:nvSpPr>
               <p:cNvPr id="16" name="TextBox 15">
@@ -10502,7 +10921,7 @@
             </p:nvSpPr>
             <p:spPr>
               <a:xfrm>
-                <a:off x="8744415" y="4991017"/>
+                <a:off x="8784926" y="5434522"/>
                 <a:ext cx="234038" cy="276999"/>
               </a:xfrm>
               <a:prstGeom prst="rect">
@@ -10538,7 +10957,7 @@
             </p:txBody>
           </p:sp>
         </mc:Choice>
-        <mc:Fallback xmlns="">
+        <mc:Fallback>
           <p:sp>
             <p:nvSpPr>
               <p:cNvPr id="16" name="TextBox 15">
@@ -10555,7 +10974,7 @@
             </p:nvSpPr>
             <p:spPr>
               <a:xfrm>
-                <a:off x="8744415" y="4991017"/>
+                <a:off x="8784926" y="5434522"/>
                 <a:ext cx="234038" cy="276999"/>
               </a:xfrm>
               <a:prstGeom prst="rect">
@@ -10564,7 +10983,7 @@
               <a:blipFill>
                 <a:blip r:embed="rId9"/>
                 <a:stretch>
-                  <a:fillRect l="-15385" r="-12821"/>
+                  <a:fillRect l="-15789" r="-15789"/>
                 </a:stretch>
               </a:blipFill>
             </p:spPr>
@@ -11016,8 +11435,8 @@
           </a:p>
         </p:txBody>
       </p:sp>
-      <mc:AlternateContent xmlns:mc="http://schemas.openxmlformats.org/markup-compatibility/2006" xmlns:a14="http://schemas.microsoft.com/office/drawing/2010/main">
-        <mc:Choice Requires="a14">
+      <mc:AlternateContent xmlns:mc="http://schemas.openxmlformats.org/markup-compatibility/2006">
+        <mc:Choice xmlns:a14="http://schemas.microsoft.com/office/drawing/2010/main" Requires="a14">
           <p:sp>
             <p:nvSpPr>
               <p:cNvPr id="6" name="TextBox 5">
@@ -11033,7 +11452,7 @@
             <p:spPr>
               <a:xfrm>
                 <a:off x="782820" y="1525727"/>
-                <a:ext cx="10312643" cy="2677656"/>
+                <a:ext cx="10312643" cy="3046988"/>
               </a:xfrm>
               <a:prstGeom prst="rect">
                 <a:avLst/>
@@ -11127,17 +11546,23 @@
                     </m:r>
                   </m:oMath>
                 </a14:m>
-                <a:r>
-                  <a:rPr lang="en-US" sz="2400" b="1" dirty="0">
-                    <a:solidFill>
-                      <a:srgbClr val="0070C0"/>
-                    </a:solidFill>
-                  </a:rPr>
-                  <a:t>. </a:t>
-                </a:r>
+                <a:endParaRPr lang="en-US" sz="2400" b="1" dirty="0">
+                  <a:solidFill>
+                    <a:srgbClr val="0070C0"/>
+                  </a:solidFill>
+                </a:endParaRPr>
+              </a:p>
+              <a:p>
+                <a:endParaRPr lang="en-US" sz="2400" b="1" dirty="0">
+                  <a:solidFill>
+                    <a:srgbClr val="0070C0"/>
+                  </a:solidFill>
+                </a:endParaRPr>
+              </a:p>
+              <a:p>
                 <a:r>
                   <a:rPr lang="en-US" sz="2400" dirty="0"/>
-                  <a:t>Also recall that these propositions are equivalent; </a:t>
+                  <a:t>Also recall that these propositions are equivalent.</a:t>
                 </a:r>
               </a:p>
               <a:p>
@@ -11241,7 +11666,7 @@
             </p:txBody>
           </p:sp>
         </mc:Choice>
-        <mc:Fallback xmlns="">
+        <mc:Fallback>
           <p:sp>
             <p:nvSpPr>
               <p:cNvPr id="6" name="TextBox 5">
@@ -11259,7 +11684,7 @@
             <p:spPr>
               <a:xfrm>
                 <a:off x="782820" y="1525727"/>
-                <a:ext cx="10312643" cy="2677656"/>
+                <a:ext cx="10312643" cy="3046988"/>
               </a:xfrm>
               <a:prstGeom prst="rect">
                 <a:avLst/>
@@ -11267,7 +11692,7 @@
               <a:blipFill>
                 <a:blip r:embed="rId4"/>
                 <a:stretch>
-                  <a:fillRect l="-887" t="-1818" r="-768" b="-4091"/>
+                  <a:fillRect l="-887" t="-1600" r="-768" b="-3600"/>
                 </a:stretch>
               </a:blipFill>
             </p:spPr>
@@ -11300,6 +11725,599 @@
 </file>
 
 <file path=ppt/slides/slide17.xml><?xml version="1.0" encoding="utf-8"?>
+<p:sld xmlns:a="http://schemas.openxmlformats.org/drawingml/2006/main" xmlns:r="http://schemas.openxmlformats.org/officeDocument/2006/relationships" xmlns:p="http://schemas.openxmlformats.org/presentationml/2006/main">
+  <p:cSld>
+    <p:bg>
+      <p:bgPr>
+        <a:blipFill dpi="0" rotWithShape="1">
+          <a:blip r:embed="rId3">
+            <a:alphaModFix amt="99000"/>
+            <a:lum/>
+          </a:blip>
+          <a:srcRect/>
+          <a:stretch>
+            <a:fillRect t="89000" r="85000" b="-1000"/>
+          </a:stretch>
+        </a:blipFill>
+        <a:effectLst/>
+      </p:bgPr>
+    </p:bg>
+    <p:spTree>
+      <p:nvGrpSpPr>
+        <p:cNvPr id="1" name=""/>
+        <p:cNvGrpSpPr/>
+        <p:nvPr/>
+      </p:nvGrpSpPr>
+      <p:grpSpPr>
+        <a:xfrm>
+          <a:off x="0" y="0"/>
+          <a:ext cx="0" cy="0"/>
+          <a:chOff x="0" y="0"/>
+          <a:chExt cx="0" cy="0"/>
+        </a:xfrm>
+      </p:grpSpPr>
+      <p:sp>
+        <p:nvSpPr>
+          <p:cNvPr id="2" name="Title 1">
+            <a:extLst>
+              <a:ext uri="{FF2B5EF4-FFF2-40B4-BE49-F238E27FC236}">
+                <a16:creationId xmlns:a16="http://schemas.microsoft.com/office/drawing/2014/main" id="{6A3DCE86-C2BA-4713-9E7A-73589E8D6CCF}"/>
+              </a:ext>
+            </a:extLst>
+          </p:cNvPr>
+          <p:cNvSpPr>
+            <a:spLocks noGrp="1"/>
+          </p:cNvSpPr>
+          <p:nvPr>
+            <p:ph type="ctrTitle"/>
+          </p:nvPr>
+        </p:nvSpPr>
+        <p:spPr>
+          <a:xfrm>
+            <a:off x="1524000" y="497150"/>
+            <a:ext cx="9144000" cy="718459"/>
+          </a:xfrm>
+        </p:spPr>
+        <p:txBody>
+          <a:bodyPr>
+            <a:normAutofit fontScale="90000"/>
+          </a:bodyPr>
+          <a:lstStyle/>
+          <a:p>
+            <a:r>
+              <a:rPr lang="en-PH" b="1" dirty="0"/>
+              <a:t>Proof by Contrapositive</a:t>
+            </a:r>
+          </a:p>
+        </p:txBody>
+      </p:sp>
+      <p:sp>
+        <p:nvSpPr>
+          <p:cNvPr id="4" name="Footer Placeholder 3">
+            <a:extLst>
+              <a:ext uri="{FF2B5EF4-FFF2-40B4-BE49-F238E27FC236}">
+                <a16:creationId xmlns:a16="http://schemas.microsoft.com/office/drawing/2014/main" id="{638E7DE1-45EE-476A-A474-0F3C264AEDA3}"/>
+              </a:ext>
+            </a:extLst>
+          </p:cNvPr>
+          <p:cNvSpPr>
+            <a:spLocks noGrp="1"/>
+          </p:cNvSpPr>
+          <p:nvPr>
+            <p:ph type="ftr" sz="quarter" idx="11"/>
+          </p:nvPr>
+        </p:nvSpPr>
+        <p:spPr>
+          <a:xfrm>
+            <a:off x="0" y="6139541"/>
+            <a:ext cx="12192000" cy="718459"/>
+          </a:xfrm>
+          <a:ln w="28575">
+            <a:solidFill>
+              <a:schemeClr val="accent5">
+                <a:lumMod val="50000"/>
+              </a:schemeClr>
+            </a:solidFill>
+          </a:ln>
+        </p:spPr>
+        <p:txBody>
+          <a:bodyPr/>
+          <a:lstStyle/>
+          <a:p>
+            <a:pPr algn="r"/>
+            <a:r>
+              <a:rPr lang="en-PH" b="1" dirty="0">
+                <a:solidFill>
+                  <a:schemeClr val="tx1"/>
+                </a:solidFill>
+              </a:rPr>
+              <a:t>CCALCOMP</a:t>
+            </a:r>
+          </a:p>
+        </p:txBody>
+      </p:sp>
+      <p:sp>
+        <p:nvSpPr>
+          <p:cNvPr id="6" name="TextBox 5">
+            <a:extLst>
+              <a:ext uri="{FF2B5EF4-FFF2-40B4-BE49-F238E27FC236}">
+                <a16:creationId xmlns:a16="http://schemas.microsoft.com/office/drawing/2014/main" id="{767E91CD-3482-885C-EF95-3B159020DE89}"/>
+              </a:ext>
+            </a:extLst>
+          </p:cNvPr>
+          <p:cNvSpPr txBox="1"/>
+          <p:nvPr/>
+        </p:nvSpPr>
+        <p:spPr>
+          <a:xfrm>
+            <a:off x="723055" y="1952972"/>
+            <a:ext cx="10312643" cy="830997"/>
+          </a:xfrm>
+          <a:prstGeom prst="rect">
+            <a:avLst/>
+          </a:prstGeom>
+          <a:noFill/>
+        </p:spPr>
+        <p:txBody>
+          <a:bodyPr wrap="square">
+            <a:spAutoFit/>
+          </a:bodyPr>
+          <a:lstStyle/>
+          <a:p>
+            <a:r>
+              <a:rPr lang="en-US" sz="2400" dirty="0"/>
+              <a:t>A proposition or theorem formed </a:t>
+            </a:r>
+            <a:r>
+              <a:rPr lang="en-US" sz="2400" b="1" dirty="0">
+                <a:solidFill>
+                  <a:srgbClr val="0070C0"/>
+                </a:solidFill>
+              </a:rPr>
+              <a:t>by contradicting both the hypothesis and conclusion</a:t>
+            </a:r>
+            <a:r>
+              <a:rPr lang="en-US" sz="2400" dirty="0"/>
+              <a:t> of a given proposition or theorem and interchanging them.</a:t>
+            </a:r>
+          </a:p>
+        </p:txBody>
+      </p:sp>
+      <p:sp>
+        <p:nvSpPr>
+          <p:cNvPr id="3" name="TextBox 2">
+            <a:extLst>
+              <a:ext uri="{FF2B5EF4-FFF2-40B4-BE49-F238E27FC236}">
+                <a16:creationId xmlns:a16="http://schemas.microsoft.com/office/drawing/2014/main" id="{3EFED183-6812-5D91-029F-2ABE3E7EC893}"/>
+              </a:ext>
+            </a:extLst>
+          </p:cNvPr>
+          <p:cNvSpPr txBox="1"/>
+          <p:nvPr/>
+        </p:nvSpPr>
+        <p:spPr>
+          <a:xfrm>
+            <a:off x="723055" y="1491307"/>
+            <a:ext cx="3801133" cy="461665"/>
+          </a:xfrm>
+          <a:prstGeom prst="rect">
+            <a:avLst/>
+          </a:prstGeom>
+          <a:noFill/>
+        </p:spPr>
+        <p:txBody>
+          <a:bodyPr wrap="square">
+            <a:spAutoFit/>
+          </a:bodyPr>
+          <a:lstStyle/>
+          <a:p>
+            <a:r>
+              <a:rPr lang="en-PH" sz="2400" b="1" dirty="0"/>
+              <a:t>Definition of Contrapositive</a:t>
+            </a:r>
+          </a:p>
+        </p:txBody>
+      </p:sp>
+      <p:sp>
+        <p:nvSpPr>
+          <p:cNvPr id="7" name="TextBox 6">
+            <a:extLst>
+              <a:ext uri="{FF2B5EF4-FFF2-40B4-BE49-F238E27FC236}">
+                <a16:creationId xmlns:a16="http://schemas.microsoft.com/office/drawing/2014/main" id="{5200CAD9-65BF-907D-C83F-663A5147B33B}"/>
+              </a:ext>
+            </a:extLst>
+          </p:cNvPr>
+          <p:cNvSpPr txBox="1"/>
+          <p:nvPr/>
+        </p:nvSpPr>
+        <p:spPr>
+          <a:xfrm>
+            <a:off x="723055" y="3231522"/>
+            <a:ext cx="2593092" cy="415498"/>
+          </a:xfrm>
+          <a:prstGeom prst="rect">
+            <a:avLst/>
+          </a:prstGeom>
+          <a:noFill/>
+        </p:spPr>
+        <p:txBody>
+          <a:bodyPr wrap="square">
+            <a:spAutoFit/>
+          </a:bodyPr>
+          <a:lstStyle/>
+          <a:p>
+            <a:r>
+              <a:rPr lang="en-US" sz="2100" b="1" dirty="0">
+                <a:latin typeface="Calibri (Body)"/>
+              </a:rPr>
+              <a:t>Proposition</a:t>
+            </a:r>
+            <a:r>
+              <a:rPr lang="en-US" sz="2100" dirty="0">
+                <a:latin typeface="Calibri (Body)"/>
+              </a:rPr>
+              <a:t>:</a:t>
+            </a:r>
+            <a:endParaRPr lang="en-US" sz="2100" b="0" i="1" dirty="0">
+              <a:solidFill>
+                <a:srgbClr val="393939"/>
+              </a:solidFill>
+              <a:effectLst/>
+              <a:latin typeface="Calibri (Body)"/>
+            </a:endParaRPr>
+          </a:p>
+        </p:txBody>
+      </p:sp>
+      <p:sp>
+        <p:nvSpPr>
+          <p:cNvPr id="9" name="TextBox 8">
+            <a:extLst>
+              <a:ext uri="{FF2B5EF4-FFF2-40B4-BE49-F238E27FC236}">
+                <a16:creationId xmlns:a16="http://schemas.microsoft.com/office/drawing/2014/main" id="{293669F3-9E68-0F03-7081-0D03F63F7A1F}"/>
+              </a:ext>
+            </a:extLst>
+          </p:cNvPr>
+          <p:cNvSpPr txBox="1"/>
+          <p:nvPr/>
+        </p:nvSpPr>
+        <p:spPr>
+          <a:xfrm>
+            <a:off x="723055" y="4447083"/>
+            <a:ext cx="2211127" cy="1061829"/>
+          </a:xfrm>
+          <a:prstGeom prst="rect">
+            <a:avLst/>
+          </a:prstGeom>
+          <a:noFill/>
+        </p:spPr>
+        <p:txBody>
+          <a:bodyPr wrap="square">
+            <a:spAutoFit/>
+          </a:bodyPr>
+          <a:lstStyle/>
+          <a:p>
+            <a:r>
+              <a:rPr lang="en-US" sz="2100" b="1" dirty="0">
+                <a:latin typeface="Calibri (Body)"/>
+              </a:rPr>
+              <a:t>The contrapositive of the proposition:</a:t>
+            </a:r>
+          </a:p>
+        </p:txBody>
+      </p:sp>
+      <p:sp>
+        <p:nvSpPr>
+          <p:cNvPr id="13" name="TextBox 12">
+            <a:extLst>
+              <a:ext uri="{FF2B5EF4-FFF2-40B4-BE49-F238E27FC236}">
+                <a16:creationId xmlns:a16="http://schemas.microsoft.com/office/drawing/2014/main" id="{B516F420-C7F3-6448-FE8F-6CEE0E54F215}"/>
+              </a:ext>
+            </a:extLst>
+          </p:cNvPr>
+          <p:cNvSpPr txBox="1"/>
+          <p:nvPr/>
+        </p:nvSpPr>
+        <p:spPr>
+          <a:xfrm>
+            <a:off x="3433824" y="3231522"/>
+            <a:ext cx="6111432" cy="738664"/>
+          </a:xfrm>
+          <a:prstGeom prst="rect">
+            <a:avLst/>
+          </a:prstGeom>
+          <a:noFill/>
+          <a:ln w="38100">
+            <a:solidFill>
+              <a:srgbClr val="00B050"/>
+            </a:solidFill>
+          </a:ln>
+        </p:spPr>
+        <p:txBody>
+          <a:bodyPr wrap="square">
+            <a:spAutoFit/>
+          </a:bodyPr>
+          <a:lstStyle/>
+          <a:p>
+            <a:r>
+              <a:rPr lang="en-US" sz="2100" b="0" i="1" dirty="0">
+                <a:solidFill>
+                  <a:srgbClr val="393939"/>
+                </a:solidFill>
+                <a:effectLst/>
+                <a:latin typeface="Calibri (Body)"/>
+              </a:rPr>
+              <a:t>If it rains, </a:t>
+            </a:r>
+          </a:p>
+          <a:p>
+            <a:r>
+              <a:rPr lang="en-US" sz="2100" b="0" i="1" dirty="0">
+                <a:solidFill>
+                  <a:srgbClr val="393939"/>
+                </a:solidFill>
+                <a:effectLst/>
+                <a:latin typeface="Calibri (Body)"/>
+              </a:rPr>
+              <a:t>then they cancel school</a:t>
+            </a:r>
+          </a:p>
+        </p:txBody>
+      </p:sp>
+      <p:sp>
+        <p:nvSpPr>
+          <p:cNvPr id="15" name="TextBox 14">
+            <a:extLst>
+              <a:ext uri="{FF2B5EF4-FFF2-40B4-BE49-F238E27FC236}">
+                <a16:creationId xmlns:a16="http://schemas.microsoft.com/office/drawing/2014/main" id="{3C08E8D9-43F7-CDA9-4C96-B8E26144FC4C}"/>
+              </a:ext>
+            </a:extLst>
+          </p:cNvPr>
+          <p:cNvSpPr txBox="1"/>
+          <p:nvPr/>
+        </p:nvSpPr>
+        <p:spPr>
+          <a:xfrm>
+            <a:off x="3433824" y="4508991"/>
+            <a:ext cx="6111432" cy="738664"/>
+          </a:xfrm>
+          <a:prstGeom prst="rect">
+            <a:avLst/>
+          </a:prstGeom>
+          <a:noFill/>
+          <a:ln w="38100">
+            <a:solidFill>
+              <a:srgbClr val="7030A0"/>
+            </a:solidFill>
+          </a:ln>
+        </p:spPr>
+        <p:txBody>
+          <a:bodyPr wrap="square">
+            <a:spAutoFit/>
+          </a:bodyPr>
+          <a:lstStyle/>
+          <a:p>
+            <a:r>
+              <a:rPr lang="en-US" sz="2100" b="0" i="1" dirty="0">
+                <a:solidFill>
+                  <a:srgbClr val="393939"/>
+                </a:solidFill>
+                <a:effectLst/>
+                <a:latin typeface="Calibri (Body)"/>
+              </a:rPr>
+              <a:t>If they do not cancel school,</a:t>
+            </a:r>
+          </a:p>
+          <a:p>
+            <a:r>
+              <a:rPr lang="en-US" sz="2100" b="0" i="1" dirty="0">
+                <a:solidFill>
+                  <a:srgbClr val="393939"/>
+                </a:solidFill>
+                <a:effectLst/>
+                <a:latin typeface="Calibri (Body)"/>
+              </a:rPr>
+              <a:t>then it does not rain.</a:t>
+            </a:r>
+            <a:endParaRPr lang="en-PH" sz="2100" dirty="0">
+              <a:latin typeface="Calibri (Body)"/>
+            </a:endParaRPr>
+          </a:p>
+        </p:txBody>
+      </p:sp>
+    </p:spTree>
+    <p:extLst>
+      <p:ext uri="{BB962C8B-B14F-4D97-AF65-F5344CB8AC3E}">
+        <p14:creationId xmlns:p14="http://schemas.microsoft.com/office/powerpoint/2010/main" val="465057193"/>
+      </p:ext>
+    </p:extLst>
+  </p:cSld>
+  <p:clrMapOvr>
+    <a:masterClrMapping/>
+  </p:clrMapOvr>
+  <p:timing>
+    <p:tnLst>
+      <p:par>
+        <p:cTn id="1" dur="indefinite" restart="never" nodeType="tmRoot">
+          <p:childTnLst>
+            <p:seq concurrent="1" nextAc="seek">
+              <p:cTn id="2" dur="indefinite" nodeType="mainSeq">
+                <p:childTnLst>
+                  <p:par>
+                    <p:cTn id="3" fill="hold">
+                      <p:stCondLst>
+                        <p:cond delay="indefinite"/>
+                      </p:stCondLst>
+                      <p:childTnLst>
+                        <p:par>
+                          <p:cTn id="4" fill="hold">
+                            <p:stCondLst>
+                              <p:cond delay="0"/>
+                            </p:stCondLst>
+                            <p:childTnLst>
+                              <p:par>
+                                <p:cTn id="5" presetID="1" presetClass="entr" presetSubtype="0" fill="hold" grpId="0" nodeType="clickEffect">
+                                  <p:stCondLst>
+                                    <p:cond delay="0"/>
+                                  </p:stCondLst>
+                                  <p:childTnLst>
+                                    <p:set>
+                                      <p:cBhvr>
+                                        <p:cTn id="6" dur="1" fill="hold">
+                                          <p:stCondLst>
+                                            <p:cond delay="0"/>
+                                          </p:stCondLst>
+                                        </p:cTn>
+                                        <p:tgtEl>
+                                          <p:spTgt spid="7"/>
+                                        </p:tgtEl>
+                                        <p:attrNameLst>
+                                          <p:attrName>style.visibility</p:attrName>
+                                        </p:attrNameLst>
+                                      </p:cBhvr>
+                                      <p:to>
+                                        <p:strVal val="visible"/>
+                                      </p:to>
+                                    </p:set>
+                                  </p:childTnLst>
+                                </p:cTn>
+                              </p:par>
+                              <p:par>
+                                <p:cTn id="7" presetID="1" presetClass="entr" presetSubtype="0" fill="hold" grpId="0" nodeType="withEffect">
+                                  <p:stCondLst>
+                                    <p:cond delay="0"/>
+                                  </p:stCondLst>
+                                  <p:childTnLst>
+                                    <p:set>
+                                      <p:cBhvr>
+                                        <p:cTn id="8" dur="1" fill="hold">
+                                          <p:stCondLst>
+                                            <p:cond delay="0"/>
+                                          </p:stCondLst>
+                                        </p:cTn>
+                                        <p:tgtEl>
+                                          <p:spTgt spid="13"/>
+                                        </p:tgtEl>
+                                        <p:attrNameLst>
+                                          <p:attrName>style.visibility</p:attrName>
+                                        </p:attrNameLst>
+                                      </p:cBhvr>
+                                      <p:to>
+                                        <p:strVal val="visible"/>
+                                      </p:to>
+                                    </p:set>
+                                  </p:childTnLst>
+                                </p:cTn>
+                              </p:par>
+                            </p:childTnLst>
+                          </p:cTn>
+                        </p:par>
+                      </p:childTnLst>
+                    </p:cTn>
+                  </p:par>
+                  <p:par>
+                    <p:cTn id="9" fill="hold">
+                      <p:stCondLst>
+                        <p:cond delay="indefinite"/>
+                      </p:stCondLst>
+                      <p:childTnLst>
+                        <p:par>
+                          <p:cTn id="10" fill="hold">
+                            <p:stCondLst>
+                              <p:cond delay="0"/>
+                            </p:stCondLst>
+                            <p:childTnLst>
+                              <p:par>
+                                <p:cTn id="11" presetID="1" presetClass="entr" presetSubtype="0" fill="hold" grpId="0" nodeType="clickEffect">
+                                  <p:stCondLst>
+                                    <p:cond delay="0"/>
+                                  </p:stCondLst>
+                                  <p:childTnLst>
+                                    <p:set>
+                                      <p:cBhvr>
+                                        <p:cTn id="12" dur="1" fill="hold">
+                                          <p:stCondLst>
+                                            <p:cond delay="0"/>
+                                          </p:stCondLst>
+                                        </p:cTn>
+                                        <p:tgtEl>
+                                          <p:spTgt spid="9"/>
+                                        </p:tgtEl>
+                                        <p:attrNameLst>
+                                          <p:attrName>style.visibility</p:attrName>
+                                        </p:attrNameLst>
+                                      </p:cBhvr>
+                                      <p:to>
+                                        <p:strVal val="visible"/>
+                                      </p:to>
+                                    </p:set>
+                                  </p:childTnLst>
+                                </p:cTn>
+                              </p:par>
+                              <p:par>
+                                <p:cTn id="13" presetID="1" presetClass="entr" presetSubtype="0" fill="hold" grpId="0" nodeType="withEffect">
+                                  <p:stCondLst>
+                                    <p:cond delay="0"/>
+                                  </p:stCondLst>
+                                  <p:childTnLst>
+                                    <p:set>
+                                      <p:cBhvr>
+                                        <p:cTn id="14" dur="1" fill="hold">
+                                          <p:stCondLst>
+                                            <p:cond delay="0"/>
+                                          </p:stCondLst>
+                                        </p:cTn>
+                                        <p:tgtEl>
+                                          <p:spTgt spid="15"/>
+                                        </p:tgtEl>
+                                        <p:attrNameLst>
+                                          <p:attrName>style.visibility</p:attrName>
+                                        </p:attrNameLst>
+                                      </p:cBhvr>
+                                      <p:to>
+                                        <p:strVal val="visible"/>
+                                      </p:to>
+                                    </p:set>
+                                  </p:childTnLst>
+                                </p:cTn>
+                              </p:par>
+                            </p:childTnLst>
+                          </p:cTn>
+                        </p:par>
+                      </p:childTnLst>
+                    </p:cTn>
+                  </p:par>
+                </p:childTnLst>
+              </p:cTn>
+              <p:prevCondLst>
+                <p:cond evt="onPrev" delay="0">
+                  <p:tgtEl>
+                    <p:sldTgt/>
+                  </p:tgtEl>
+                </p:cond>
+              </p:prevCondLst>
+              <p:nextCondLst>
+                <p:cond evt="onNext" delay="0">
+                  <p:tgtEl>
+                    <p:sldTgt/>
+                  </p:tgtEl>
+                </p:cond>
+              </p:nextCondLst>
+            </p:seq>
+          </p:childTnLst>
+        </p:cTn>
+      </p:par>
+    </p:tnLst>
+    <p:bldLst>
+      <p:bldP spid="7" grpId="0"/>
+      <p:bldP spid="9" grpId="0"/>
+      <p:bldP spid="13" grpId="0" animBg="1"/>
+      <p:bldP spid="15" grpId="0" animBg="1"/>
+    </p:bldLst>
+  </p:timing>
+</p:sld>
+</file>
+
+<file path=ppt/slides/slide18.xml><?xml version="1.0" encoding="utf-8"?>
 <p:sld xmlns:a="http://schemas.openxmlformats.org/drawingml/2006/main" xmlns:r="http://schemas.openxmlformats.org/officeDocument/2006/relationships" xmlns:p="http://schemas.openxmlformats.org/presentationml/2006/main">
   <p:cSld>
     <p:bg>
@@ -11826,8 +12844,8 @@
           </p:sp>
         </mc:Fallback>
       </mc:AlternateContent>
-      <mc:AlternateContent xmlns:mc="http://schemas.openxmlformats.org/markup-compatibility/2006" xmlns:a14="http://schemas.microsoft.com/office/drawing/2010/main">
-        <mc:Choice Requires="a14">
+      <mc:AlternateContent xmlns:mc="http://schemas.openxmlformats.org/markup-compatibility/2006">
+        <mc:Choice xmlns:a14="http://schemas.microsoft.com/office/drawing/2010/main" Requires="a14">
           <p:sp>
             <p:nvSpPr>
               <p:cNvPr id="14" name="TextBox 13">
@@ -11848,7 +12866,11 @@
               <a:prstGeom prst="rect">
                 <a:avLst/>
               </a:prstGeom>
-              <a:ln w="38100"/>
+              <a:ln w="38100">
+                <a:solidFill>
+                  <a:srgbClr val="7030A0"/>
+                </a:solidFill>
+              </a:ln>
             </p:spPr>
             <p:style>
               <a:lnRef idx="2">
@@ -11968,7 +12990,7 @@
             </p:txBody>
           </p:sp>
         </mc:Choice>
-        <mc:Fallback xmlns="">
+        <mc:Fallback>
           <p:sp>
             <p:nvSpPr>
               <p:cNvPr id="14" name="TextBox 13">
@@ -11997,7 +13019,11 @@
                   <a:fillRect t="-2463" b="-8867"/>
                 </a:stretch>
               </a:blipFill>
-              <a:ln w="38100"/>
+              <a:ln w="38100">
+                <a:solidFill>
+                  <a:srgbClr val="7030A0"/>
+                </a:solidFill>
+              </a:ln>
             </p:spPr>
             <p:txBody>
               <a:bodyPr/>
@@ -12014,8 +13040,8 @@
           </p:sp>
         </mc:Fallback>
       </mc:AlternateContent>
-      <mc:AlternateContent xmlns:mc="http://schemas.openxmlformats.org/markup-compatibility/2006">
-        <mc:Choice xmlns:a14="http://schemas.microsoft.com/office/drawing/2010/main" Requires="a14">
+      <mc:AlternateContent xmlns:mc="http://schemas.openxmlformats.org/markup-compatibility/2006" xmlns:a14="http://schemas.microsoft.com/office/drawing/2010/main">
+        <mc:Choice Requires="a14">
           <p:sp>
             <p:nvSpPr>
               <p:cNvPr id="15" name="TextBox 14">
@@ -12187,7 +13213,7 @@
             </p:txBody>
           </p:sp>
         </mc:Choice>
-        <mc:Fallback>
+        <mc:Fallback xmlns="">
           <p:sp>
             <p:nvSpPr>
               <p:cNvPr id="15" name="TextBox 14">
@@ -12237,8 +13263,8 @@
           </p:sp>
         </mc:Fallback>
       </mc:AlternateContent>
-      <mc:AlternateContent xmlns:mc="http://schemas.openxmlformats.org/markup-compatibility/2006">
-        <mc:Choice xmlns:a14="http://schemas.microsoft.com/office/drawing/2010/main" Requires="a14">
+      <mc:AlternateContent xmlns:mc="http://schemas.openxmlformats.org/markup-compatibility/2006" xmlns:a14="http://schemas.microsoft.com/office/drawing/2010/main">
+        <mc:Choice Requires="a14">
           <p:sp>
             <p:nvSpPr>
               <p:cNvPr id="16" name="TextBox 15">
@@ -12448,7 +13474,7 @@
             </p:txBody>
           </p:sp>
         </mc:Choice>
-        <mc:Fallback>
+        <mc:Fallback xmlns="">
           <p:sp>
             <p:nvSpPr>
               <p:cNvPr id="16" name="TextBox 15">
@@ -14018,7 +15044,19 @@
           <a:p>
             <a:r>
               <a:rPr lang="en-US" sz="2400" dirty="0"/>
-              <a:t>The mathematical techniques and procedures that you have learned and used up until now are founded on this theoretical side of mathematics. </a:t>
+              <a:t>The mathematical techniques and procedures that you have learned and used up until now are founded on this </a:t>
+            </a:r>
+            <a:r>
+              <a:rPr lang="en-US" sz="2400" b="1" dirty="0">
+                <a:solidFill>
+                  <a:srgbClr val="0070C0"/>
+                </a:solidFill>
+              </a:rPr>
+              <a:t>theoretical side of mathematics</a:t>
+            </a:r>
+            <a:r>
+              <a:rPr lang="en-US" sz="2400" dirty="0"/>
+              <a:t>. </a:t>
             </a:r>
           </a:p>
           <a:p>
@@ -14036,16 +15074,36 @@
           <a:p>
             <a:r>
               <a:rPr lang="en-US" sz="2400" dirty="0"/>
-              <a:t>However, in learning calculus you were probably far more concerned with how that theorem could be applied than in understanding why it is true. But how do we know it is true? </a:t>
+              <a:t>However, in learning calculus you were probably far more concerned with how that theorem could be applied than in understanding why it is true. </a:t>
             </a:r>
-          </a:p>
-          <a:p>
-            <a:endParaRPr lang="en-US" sz="2400" dirty="0"/>
-          </a:p>
-          <a:p>
+            <a:r>
+              <a:rPr lang="en-US" sz="2400" b="1" dirty="0">
+                <a:solidFill>
+                  <a:srgbClr val="0070C0"/>
+                </a:solidFill>
+              </a:rPr>
+              <a:t>But how do we know it is true?</a:t>
+            </a:r>
             <a:r>
               <a:rPr lang="en-US" sz="2400" dirty="0"/>
-              <a:t>How can we convince ourselves or others of its validity? Questions of this nature belong to the theoretical realm of mathematics.</a:t>
+              <a:t> </a:t>
+            </a:r>
+          </a:p>
+          <a:p>
+            <a:endParaRPr lang="en-US" sz="2400" dirty="0"/>
+          </a:p>
+          <a:p>
+            <a:r>
+              <a:rPr lang="en-US" sz="2400" b="1" dirty="0">
+                <a:solidFill>
+                  <a:srgbClr val="0070C0"/>
+                </a:solidFill>
+              </a:rPr>
+              <a:t>How can we convince ourselves or others of its validity</a:t>
+            </a:r>
+            <a:r>
+              <a:rPr lang="en-US" sz="2400" dirty="0"/>
+              <a:t>? Questions of this nature belong to the theoretical realm of mathematics.</a:t>
             </a:r>
             <a:endParaRPr lang="el-GR" sz="2400" dirty="0"/>
           </a:p>
@@ -14176,8 +15234,8 @@
           </a:p>
         </p:txBody>
       </p:sp>
-      <mc:AlternateContent xmlns:mc="http://schemas.openxmlformats.org/markup-compatibility/2006" xmlns:a14="http://schemas.microsoft.com/office/drawing/2010/main">
-        <mc:Choice Requires="a14">
+      <mc:AlternateContent xmlns:mc="http://schemas.openxmlformats.org/markup-compatibility/2006">
+        <mc:Choice xmlns:a14="http://schemas.microsoft.com/office/drawing/2010/main" Requires="a14">
           <p:sp>
             <p:nvSpPr>
               <p:cNvPr id="3" name="TextBox 2">
@@ -14192,8 +15250,8 @@
             </p:nvSpPr>
             <p:spPr>
               <a:xfrm>
-                <a:off x="6596806" y="4498005"/>
-                <a:ext cx="3348834" cy="1200329"/>
+                <a:off x="6596805" y="4498005"/>
+                <a:ext cx="3550803" cy="1200329"/>
               </a:xfrm>
               <a:prstGeom prst="rect">
                 <a:avLst/>
@@ -14283,7 +15341,7 @@
             </p:txBody>
           </p:sp>
         </mc:Choice>
-        <mc:Fallback xmlns="">
+        <mc:Fallback>
           <p:sp>
             <p:nvSpPr>
               <p:cNvPr id="3" name="TextBox 2">
@@ -14300,8 +15358,8 @@
             </p:nvSpPr>
             <p:spPr>
               <a:xfrm>
-                <a:off x="6596806" y="4498005"/>
-                <a:ext cx="3348834" cy="1200329"/>
+                <a:off x="6596805" y="4498005"/>
+                <a:ext cx="3550803" cy="1200329"/>
               </a:xfrm>
               <a:prstGeom prst="rect">
                 <a:avLst/>
@@ -14309,7 +15367,7 @@
               <a:blipFill>
                 <a:blip r:embed="rId4"/>
                 <a:stretch>
-                  <a:fillRect l="-2158" t="-2463" b="-8867"/>
+                  <a:fillRect l="-2037" t="-2463" b="-8867"/>
                 </a:stretch>
               </a:blipFill>
               <a:ln w="38100">
@@ -14447,8 +15505,8 @@
           </p:sp>
         </mc:Fallback>
       </mc:AlternateContent>
-      <mc:AlternateContent xmlns:mc="http://schemas.openxmlformats.org/markup-compatibility/2006" xmlns:a14="http://schemas.microsoft.com/office/drawing/2010/main">
-        <mc:Choice Requires="a14">
+      <mc:AlternateContent xmlns:mc="http://schemas.openxmlformats.org/markup-compatibility/2006">
+        <mc:Choice xmlns:a14="http://schemas.microsoft.com/office/drawing/2010/main" Requires="a14">
           <p:sp>
             <p:nvSpPr>
               <p:cNvPr id="6" name="TextBox 5">
@@ -14464,7 +15522,7 @@
             <p:spPr>
               <a:xfrm>
                 <a:off x="2565032" y="2856469"/>
-                <a:ext cx="3348833" cy="1200329"/>
+                <a:ext cx="3530968" cy="1200329"/>
               </a:xfrm>
               <a:prstGeom prst="rect">
                 <a:avLst/>
@@ -14536,7 +15594,7 @@
             </p:txBody>
           </p:sp>
         </mc:Choice>
-        <mc:Fallback xmlns="">
+        <mc:Fallback>
           <p:sp>
             <p:nvSpPr>
               <p:cNvPr id="6" name="TextBox 5">
@@ -14554,7 +15612,7 @@
             <p:spPr>
               <a:xfrm>
                 <a:off x="2565032" y="2856469"/>
-                <a:ext cx="3348833" cy="1200329"/>
+                <a:ext cx="3530968" cy="1200329"/>
               </a:xfrm>
               <a:prstGeom prst="rect">
                 <a:avLst/>
@@ -14562,7 +15620,7 @@
               <a:blipFill>
                 <a:blip r:embed="rId6"/>
                 <a:stretch>
-                  <a:fillRect l="-2527" t="-2985" b="-9453"/>
+                  <a:fillRect l="-2397" t="-2985" b="-9453"/>
                 </a:stretch>
               </a:blipFill>
               <a:ln w="28575"/>
@@ -18054,6 +19112,21 @@
 </file>
 
 <file path=customXml/item1.xml><?xml version="1.0" encoding="utf-8"?>
+<?mso-contentType ?>
+<FormTemplates xmlns="http://schemas.microsoft.com/sharepoint/v3/contenttype/forms">
+  <Display>DocumentLibraryForm</Display>
+  <Edit>DocumentLibraryForm</Edit>
+  <New>DocumentLibraryForm</New>
+</FormTemplates>
+</file>
+
+<file path=customXml/item2.xml><?xml version="1.0" encoding="utf-8"?>
+<p:properties xmlns:p="http://schemas.microsoft.com/office/2006/metadata/properties" xmlns:xsi="http://www.w3.org/2001/XMLSchema-instance" xmlns:pc="http://schemas.microsoft.com/office/infopath/2007/PartnerControls">
+  <documentManagement/>
+</p:properties>
+</file>
+
+<file path=customXml/item3.xml><?xml version="1.0" encoding="utf-8"?>
 <ct:contentTypeSchema xmlns:ct="http://schemas.microsoft.com/office/2006/metadata/contentType" xmlns:ma="http://schemas.microsoft.com/office/2006/metadata/properties/metaAttributes" ct:_="" ma:_="" ma:contentTypeName="Document" ma:contentTypeID="0x0101007188BDCA587B344BBA6CB1A93FAE6998" ma:contentTypeVersion="2" ma:contentTypeDescription="Create a new document." ma:contentTypeScope="" ma:versionID="7a8e4b6720badb2566a0cfeddfaf2856">
   <xsd:schema xmlns:xsd="http://www.w3.org/2001/XMLSchema" xmlns:xs="http://www.w3.org/2001/XMLSchema" xmlns:p="http://schemas.microsoft.com/office/2006/metadata/properties" xmlns:ns2="ba111d12-426d-4af0-bcb6-460e36974645" targetNamespace="http://schemas.microsoft.com/office/2006/metadata/properties" ma:root="true" ma:fieldsID="989b05398519136c88ba0a8d54e3c3da" ns2:_="">
     <xsd:import namespace="ba111d12-426d-4af0-bcb6-460e36974645"/>
@@ -18185,22 +19258,24 @@
 </ct:contentTypeSchema>
 </file>
 
-<file path=customXml/item2.xml><?xml version="1.0" encoding="utf-8"?>
-<p:properties xmlns:p="http://schemas.microsoft.com/office/2006/metadata/properties" xmlns:xsi="http://www.w3.org/2001/XMLSchema-instance" xmlns:pc="http://schemas.microsoft.com/office/infopath/2007/PartnerControls">
-  <documentManagement/>
-</p:properties>
+<file path=customXml/itemProps1.xml><?xml version="1.0" encoding="utf-8"?>
+<ds:datastoreItem xmlns:ds="http://schemas.openxmlformats.org/officeDocument/2006/customXml" ds:itemID="{AE0C03B0-3DE5-4BD9-B3BB-6E4919CD06B4}">
+  <ds:schemaRefs>
+    <ds:schemaRef ds:uri="http://schemas.microsoft.com/sharepoint/v3/contenttype/forms"/>
+  </ds:schemaRefs>
+</ds:datastoreItem>
 </file>
 
-<file path=customXml/item3.xml><?xml version="1.0" encoding="utf-8"?>
-<?mso-contentType ?>
-<FormTemplates xmlns="http://schemas.microsoft.com/sharepoint/v3/contenttype/forms">
-  <Display>DocumentLibraryForm</Display>
-  <Edit>DocumentLibraryForm</Edit>
-  <New>DocumentLibraryForm</New>
-</FormTemplates>
+<file path=customXml/itemProps2.xml><?xml version="1.0" encoding="utf-8"?>
+<ds:datastoreItem xmlns:ds="http://schemas.openxmlformats.org/officeDocument/2006/customXml" ds:itemID="{A05518A6-09E4-4E11-AE7D-4C13722BEBC7}">
+  <ds:schemaRefs>
+    <ds:schemaRef ds:uri="http://schemas.microsoft.com/office/2006/metadata/properties"/>
+    <ds:schemaRef ds:uri="http://schemas.microsoft.com/office/infopath/2007/PartnerControls"/>
+  </ds:schemaRefs>
+</ds:datastoreItem>
 </file>
 
-<file path=customXml/itemProps1.xml><?xml version="1.0" encoding="utf-8"?>
+<file path=customXml/itemProps3.xml><?xml version="1.0" encoding="utf-8"?>
 <ds:datastoreItem xmlns:ds="http://schemas.openxmlformats.org/officeDocument/2006/customXml" ds:itemID="{46BFEDF5-8B64-4FF5-9637-4791A1C152B8}">
   <ds:schemaRefs>
     <ds:schemaRef ds:uri="http://schemas.microsoft.com/office/2006/metadata/contentType"/>
@@ -18216,21 +19291,4 @@
     <ds:schemaRef ds:uri="http://schemas.microsoft.com/internal/obd"/>
   </ds:schemaRefs>
 </ds:datastoreItem>
-</file>
-
-<file path=customXml/itemProps2.xml><?xml version="1.0" encoding="utf-8"?>
-<ds:datastoreItem xmlns:ds="http://schemas.openxmlformats.org/officeDocument/2006/customXml" ds:itemID="{A05518A6-09E4-4E11-AE7D-4C13722BEBC7}">
-  <ds:schemaRefs>
-    <ds:schemaRef ds:uri="http://schemas.microsoft.com/office/2006/metadata/properties"/>
-    <ds:schemaRef ds:uri="http://schemas.microsoft.com/office/infopath/2007/PartnerControls"/>
-  </ds:schemaRefs>
-</ds:datastoreItem>
-</file>
-
-<file path=customXml/itemProps3.xml><?xml version="1.0" encoding="utf-8"?>
-<ds:datastoreItem xmlns:ds="http://schemas.openxmlformats.org/officeDocument/2006/customXml" ds:itemID="{AE0C03B0-3DE5-4BD9-B3BB-6E4919CD06B4}">
-  <ds:schemaRefs>
-    <ds:schemaRef ds:uri="http://schemas.microsoft.com/sharepoint/v3/contenttype/forms"/>
-  </ds:schemaRefs>
-</ds:datastoreItem>
 </file>
--- a/Week 3 - Proofs/Proofs.pptx
+++ b/Week 3 - Proofs/Proofs.pptx
@@ -6117,8 +6117,8 @@
           </p:sp>
         </mc:Fallback>
       </mc:AlternateContent>
-      <mc:AlternateContent xmlns:mc="http://schemas.openxmlformats.org/markup-compatibility/2006">
-        <mc:Choice xmlns:a14="http://schemas.microsoft.com/office/drawing/2010/main" Requires="a14">
+      <mc:AlternateContent xmlns:mc="http://schemas.openxmlformats.org/markup-compatibility/2006" xmlns:a14="http://schemas.microsoft.com/office/drawing/2010/main">
+        <mc:Choice Requires="a14">
           <p:sp>
             <p:nvSpPr>
               <p:cNvPr id="8" name="TextBox 7">
@@ -6206,7 +6206,7 @@
             </p:txBody>
           </p:sp>
         </mc:Choice>
-        <mc:Fallback>
+        <mc:Fallback xmlns="">
           <p:sp>
             <p:nvSpPr>
               <p:cNvPr id="8" name="TextBox 7">
@@ -6431,8 +6431,8 @@
           </p:sp>
         </mc:Fallback>
       </mc:AlternateContent>
-      <mc:AlternateContent xmlns:mc="http://schemas.openxmlformats.org/markup-compatibility/2006">
-        <mc:Choice xmlns:a14="http://schemas.microsoft.com/office/drawing/2010/main" Requires="a14">
+      <mc:AlternateContent xmlns:mc="http://schemas.openxmlformats.org/markup-compatibility/2006" xmlns:a14="http://schemas.microsoft.com/office/drawing/2010/main">
+        <mc:Choice Requires="a14">
           <p:sp>
             <p:nvSpPr>
               <p:cNvPr id="12" name="TextBox 11">
@@ -6506,7 +6506,7 @@
             </p:txBody>
           </p:sp>
         </mc:Choice>
-        <mc:Fallback>
+        <mc:Fallback xmlns="">
           <p:sp>
             <p:nvSpPr>
               <p:cNvPr id="12" name="TextBox 11">
@@ -9334,8 +9334,8 @@
           </a:p>
         </p:txBody>
       </p:sp>
-      <mc:AlternateContent xmlns:mc="http://schemas.openxmlformats.org/markup-compatibility/2006" xmlns:a14="http://schemas.microsoft.com/office/drawing/2010/main">
-        <mc:Choice Requires="a14">
+      <mc:AlternateContent xmlns:mc="http://schemas.openxmlformats.org/markup-compatibility/2006">
+        <mc:Choice xmlns:a14="http://schemas.microsoft.com/office/drawing/2010/main" Requires="a14">
           <p:sp>
             <p:nvSpPr>
               <p:cNvPr id="6" name="TextBox 5">
@@ -9477,7 +9477,15 @@
                 </a:r>
                 <a:r>
                   <a:rPr lang="en-US" sz="2400" dirty="0"/>
-                  <a:t> for some basis case</a:t>
+                  <a:t> for some </a:t>
+                </a:r>
+                <a:r>
+                  <a:rPr lang="en-US" sz="2400" b="1" dirty="0">
+                    <a:solidFill>
+                      <a:srgbClr val="0070C0"/>
+                    </a:solidFill>
+                  </a:rPr>
+                  <a:t>basis case</a:t>
                 </a:r>
               </a:p>
               <a:p>
@@ -9662,7 +9670,7 @@
             </p:txBody>
           </p:sp>
         </mc:Choice>
-        <mc:Fallback xmlns="">
+        <mc:Fallback>
           <p:sp>
             <p:nvSpPr>
               <p:cNvPr id="6" name="TextBox 5">
@@ -9869,7 +9877,7 @@
               <a:p>
                 <a:r>
                   <a:rPr lang="en-US" sz="2100" b="1" dirty="0"/>
-                  <a:t>Best case: </a:t>
+                  <a:t>Basis case: </a:t>
                 </a:r>
               </a:p>
               <a:p>
@@ -10235,8 +10243,8 @@
           </p:sp>
         </mc:Fallback>
       </mc:AlternateContent>
-      <mc:AlternateContent xmlns:mc="http://schemas.openxmlformats.org/markup-compatibility/2006">
-        <mc:Choice xmlns:a14="http://schemas.microsoft.com/office/drawing/2010/main" Requires="a14">
+      <mc:AlternateContent xmlns:mc="http://schemas.openxmlformats.org/markup-compatibility/2006" xmlns:a14="http://schemas.microsoft.com/office/drawing/2010/main">
+        <mc:Choice Requires="a14">
           <p:sp>
             <p:nvSpPr>
               <p:cNvPr id="7" name="TextBox 6">
@@ -10386,7 +10394,7 @@
             </p:txBody>
           </p:sp>
         </mc:Choice>
-        <mc:Fallback>
+        <mc:Fallback xmlns="">
           <p:sp>
             <p:nvSpPr>
               <p:cNvPr id="7" name="TextBox 6">
@@ -10436,8 +10444,8 @@
           </p:sp>
         </mc:Fallback>
       </mc:AlternateContent>
-      <mc:AlternateContent xmlns:mc="http://schemas.openxmlformats.org/markup-compatibility/2006">
-        <mc:Choice xmlns:a14="http://schemas.microsoft.com/office/drawing/2010/main" Requires="a14">
+      <mc:AlternateContent xmlns:mc="http://schemas.openxmlformats.org/markup-compatibility/2006" xmlns:a14="http://schemas.microsoft.com/office/drawing/2010/main">
+        <mc:Choice Requires="a14">
           <p:sp>
             <p:nvSpPr>
               <p:cNvPr id="8" name="TextBox 7">
@@ -10660,7 +10668,7 @@
             </p:txBody>
           </p:sp>
         </mc:Choice>
-        <mc:Fallback>
+        <mc:Fallback xmlns="">
           <p:sp>
             <p:nvSpPr>
               <p:cNvPr id="8" name="TextBox 7">
@@ -10710,8 +10718,8 @@
           </p:sp>
         </mc:Fallback>
       </mc:AlternateContent>
-      <mc:AlternateContent xmlns:mc="http://schemas.openxmlformats.org/markup-compatibility/2006">
-        <mc:Choice xmlns:a14="http://schemas.microsoft.com/office/drawing/2010/main" Requires="a14">
+      <mc:AlternateContent xmlns:mc="http://schemas.openxmlformats.org/markup-compatibility/2006" xmlns:a14="http://schemas.microsoft.com/office/drawing/2010/main">
+        <mc:Choice Requires="a14">
           <p:sp>
             <p:nvSpPr>
               <p:cNvPr id="10" name="TextBox 9">
@@ -10810,7 +10818,7 @@
             </p:txBody>
           </p:sp>
         </mc:Choice>
-        <mc:Fallback>
+        <mc:Fallback xmlns="">
           <p:sp>
             <p:nvSpPr>
               <p:cNvPr id="10" name="TextBox 9">
@@ -10905,8 +10913,8 @@
           </a:p>
         </p:txBody>
       </p:sp>
-      <mc:AlternateContent xmlns:mc="http://schemas.openxmlformats.org/markup-compatibility/2006">
-        <mc:Choice xmlns:a14="http://schemas.microsoft.com/office/drawing/2010/main" Requires="a14">
+      <mc:AlternateContent xmlns:mc="http://schemas.openxmlformats.org/markup-compatibility/2006" xmlns:a14="http://schemas.microsoft.com/office/drawing/2010/main">
+        <mc:Choice Requires="a14">
           <p:sp>
             <p:nvSpPr>
               <p:cNvPr id="16" name="TextBox 15">
@@ -10957,7 +10965,7 @@
             </p:txBody>
           </p:sp>
         </mc:Choice>
-        <mc:Fallback>
+        <mc:Fallback xmlns="">
           <p:sp>
             <p:nvSpPr>
               <p:cNvPr id="16" name="TextBox 15">
@@ -11435,8 +11443,8 @@
           </a:p>
         </p:txBody>
       </p:sp>
-      <mc:AlternateContent xmlns:mc="http://schemas.openxmlformats.org/markup-compatibility/2006">
-        <mc:Choice xmlns:a14="http://schemas.microsoft.com/office/drawing/2010/main" Requires="a14">
+      <mc:AlternateContent xmlns:mc="http://schemas.openxmlformats.org/markup-compatibility/2006" xmlns:a14="http://schemas.microsoft.com/office/drawing/2010/main">
+        <mc:Choice Requires="a14">
           <p:sp>
             <p:nvSpPr>
               <p:cNvPr id="6" name="TextBox 5">
@@ -11666,7 +11674,7 @@
             </p:txBody>
           </p:sp>
         </mc:Choice>
-        <mc:Fallback>
+        <mc:Fallback xmlns="">
           <p:sp>
             <p:nvSpPr>
               <p:cNvPr id="6" name="TextBox 5">
@@ -12844,8 +12852,8 @@
           </p:sp>
         </mc:Fallback>
       </mc:AlternateContent>
-      <mc:AlternateContent xmlns:mc="http://schemas.openxmlformats.org/markup-compatibility/2006">
-        <mc:Choice xmlns:a14="http://schemas.microsoft.com/office/drawing/2010/main" Requires="a14">
+      <mc:AlternateContent xmlns:mc="http://schemas.openxmlformats.org/markup-compatibility/2006" xmlns:a14="http://schemas.microsoft.com/office/drawing/2010/main">
+        <mc:Choice Requires="a14">
           <p:sp>
             <p:nvSpPr>
               <p:cNvPr id="14" name="TextBox 13">
@@ -12990,7 +12998,7 @@
             </p:txBody>
           </p:sp>
         </mc:Choice>
-        <mc:Fallback>
+        <mc:Fallback xmlns="">
           <p:sp>
             <p:nvSpPr>
               <p:cNvPr id="14" name="TextBox 13">
@@ -15234,8 +15242,8 @@
           </a:p>
         </p:txBody>
       </p:sp>
-      <mc:AlternateContent xmlns:mc="http://schemas.openxmlformats.org/markup-compatibility/2006">
-        <mc:Choice xmlns:a14="http://schemas.microsoft.com/office/drawing/2010/main" Requires="a14">
+      <mc:AlternateContent xmlns:mc="http://schemas.openxmlformats.org/markup-compatibility/2006" xmlns:a14="http://schemas.microsoft.com/office/drawing/2010/main">
+        <mc:Choice Requires="a14">
           <p:sp>
             <p:nvSpPr>
               <p:cNvPr id="3" name="TextBox 2">
@@ -15341,7 +15349,7 @@
             </p:txBody>
           </p:sp>
         </mc:Choice>
-        <mc:Fallback>
+        <mc:Fallback xmlns="">
           <p:sp>
             <p:nvSpPr>
               <p:cNvPr id="3" name="TextBox 2">
@@ -15505,8 +15513,8 @@
           </p:sp>
         </mc:Fallback>
       </mc:AlternateContent>
-      <mc:AlternateContent xmlns:mc="http://schemas.openxmlformats.org/markup-compatibility/2006">
-        <mc:Choice xmlns:a14="http://schemas.microsoft.com/office/drawing/2010/main" Requires="a14">
+      <mc:AlternateContent xmlns:mc="http://schemas.openxmlformats.org/markup-compatibility/2006" xmlns:a14="http://schemas.microsoft.com/office/drawing/2010/main">
+        <mc:Choice Requires="a14">
           <p:sp>
             <p:nvSpPr>
               <p:cNvPr id="6" name="TextBox 5">
@@ -15594,7 +15602,7 @@
             </p:txBody>
           </p:sp>
         </mc:Choice>
-        <mc:Fallback>
+        <mc:Fallback xmlns="">
           <p:sp>
             <p:nvSpPr>
               <p:cNvPr id="6" name="TextBox 5">
@@ -19112,21 +19120,6 @@
 </file>
 
 <file path=customXml/item1.xml><?xml version="1.0" encoding="utf-8"?>
-<?mso-contentType ?>
-<FormTemplates xmlns="http://schemas.microsoft.com/sharepoint/v3/contenttype/forms">
-  <Display>DocumentLibraryForm</Display>
-  <Edit>DocumentLibraryForm</Edit>
-  <New>DocumentLibraryForm</New>
-</FormTemplates>
-</file>
-
-<file path=customXml/item2.xml><?xml version="1.0" encoding="utf-8"?>
-<p:properties xmlns:p="http://schemas.microsoft.com/office/2006/metadata/properties" xmlns:xsi="http://www.w3.org/2001/XMLSchema-instance" xmlns:pc="http://schemas.microsoft.com/office/infopath/2007/PartnerControls">
-  <documentManagement/>
-</p:properties>
-</file>
-
-<file path=customXml/item3.xml><?xml version="1.0" encoding="utf-8"?>
 <ct:contentTypeSchema xmlns:ct="http://schemas.microsoft.com/office/2006/metadata/contentType" xmlns:ma="http://schemas.microsoft.com/office/2006/metadata/properties/metaAttributes" ct:_="" ma:_="" ma:contentTypeName="Document" ma:contentTypeID="0x0101007188BDCA587B344BBA6CB1A93FAE6998" ma:contentTypeVersion="2" ma:contentTypeDescription="Create a new document." ma:contentTypeScope="" ma:versionID="7a8e4b6720badb2566a0cfeddfaf2856">
   <xsd:schema xmlns:xsd="http://www.w3.org/2001/XMLSchema" xmlns:xs="http://www.w3.org/2001/XMLSchema" xmlns:p="http://schemas.microsoft.com/office/2006/metadata/properties" xmlns:ns2="ba111d12-426d-4af0-bcb6-460e36974645" targetNamespace="http://schemas.microsoft.com/office/2006/metadata/properties" ma:root="true" ma:fieldsID="989b05398519136c88ba0a8d54e3c3da" ns2:_="">
     <xsd:import namespace="ba111d12-426d-4af0-bcb6-460e36974645"/>
@@ -19258,24 +19251,22 @@
 </ct:contentTypeSchema>
 </file>
 
-<file path=customXml/itemProps1.xml><?xml version="1.0" encoding="utf-8"?>
-<ds:datastoreItem xmlns:ds="http://schemas.openxmlformats.org/officeDocument/2006/customXml" ds:itemID="{AE0C03B0-3DE5-4BD9-B3BB-6E4919CD06B4}">
-  <ds:schemaRefs>
-    <ds:schemaRef ds:uri="http://schemas.microsoft.com/sharepoint/v3/contenttype/forms"/>
-  </ds:schemaRefs>
-</ds:datastoreItem>
+<file path=customXml/item2.xml><?xml version="1.0" encoding="utf-8"?>
+<p:properties xmlns:p="http://schemas.microsoft.com/office/2006/metadata/properties" xmlns:xsi="http://www.w3.org/2001/XMLSchema-instance" xmlns:pc="http://schemas.microsoft.com/office/infopath/2007/PartnerControls">
+  <documentManagement/>
+</p:properties>
 </file>
 
-<file path=customXml/itemProps2.xml><?xml version="1.0" encoding="utf-8"?>
-<ds:datastoreItem xmlns:ds="http://schemas.openxmlformats.org/officeDocument/2006/customXml" ds:itemID="{A05518A6-09E4-4E11-AE7D-4C13722BEBC7}">
-  <ds:schemaRefs>
-    <ds:schemaRef ds:uri="http://schemas.microsoft.com/office/2006/metadata/properties"/>
-    <ds:schemaRef ds:uri="http://schemas.microsoft.com/office/infopath/2007/PartnerControls"/>
-  </ds:schemaRefs>
-</ds:datastoreItem>
+<file path=customXml/item3.xml><?xml version="1.0" encoding="utf-8"?>
+<?mso-contentType ?>
+<FormTemplates xmlns="http://schemas.microsoft.com/sharepoint/v3/contenttype/forms">
+  <Display>DocumentLibraryForm</Display>
+  <Edit>DocumentLibraryForm</Edit>
+  <New>DocumentLibraryForm</New>
+</FormTemplates>
 </file>
 
-<file path=customXml/itemProps3.xml><?xml version="1.0" encoding="utf-8"?>
+<file path=customXml/itemProps1.xml><?xml version="1.0" encoding="utf-8"?>
 <ds:datastoreItem xmlns:ds="http://schemas.openxmlformats.org/officeDocument/2006/customXml" ds:itemID="{46BFEDF5-8B64-4FF5-9637-4791A1C152B8}">
   <ds:schemaRefs>
     <ds:schemaRef ds:uri="http://schemas.microsoft.com/office/2006/metadata/contentType"/>
@@ -19291,4 +19282,21 @@
     <ds:schemaRef ds:uri="http://schemas.microsoft.com/internal/obd"/>
   </ds:schemaRefs>
 </ds:datastoreItem>
+</file>
+
+<file path=customXml/itemProps2.xml><?xml version="1.0" encoding="utf-8"?>
+<ds:datastoreItem xmlns:ds="http://schemas.openxmlformats.org/officeDocument/2006/customXml" ds:itemID="{A05518A6-09E4-4E11-AE7D-4C13722BEBC7}">
+  <ds:schemaRefs>
+    <ds:schemaRef ds:uri="http://schemas.microsoft.com/office/2006/metadata/properties"/>
+    <ds:schemaRef ds:uri="http://schemas.microsoft.com/office/infopath/2007/PartnerControls"/>
+  </ds:schemaRefs>
+</ds:datastoreItem>
+</file>
+
+<file path=customXml/itemProps3.xml><?xml version="1.0" encoding="utf-8"?>
+<ds:datastoreItem xmlns:ds="http://schemas.openxmlformats.org/officeDocument/2006/customXml" ds:itemID="{AE0C03B0-3DE5-4BD9-B3BB-6E4919CD06B4}">
+  <ds:schemaRefs>
+    <ds:schemaRef ds:uri="http://schemas.microsoft.com/sharepoint/v3/contenttype/forms"/>
+  </ds:schemaRefs>
+</ds:datastoreItem>
 </file>
--- a/Week 3 - Proofs/Proofs.pptx
+++ b/Week 3 - Proofs/Proofs.pptx
@@ -214,7 +214,7 @@
           <a:p>
             <a:fld id="{F666E1FD-E7A0-497B-BBC0-740BAAC97C64}" type="datetimeFigureOut">
               <a:rPr lang="en-PH" smtClean="0"/>
-              <a:t>19/04/2024</a:t>
+              <a:t>4/23/24</a:t>
             </a:fld>
             <a:endParaRPr lang="en-PH"/>
           </a:p>
@@ -2143,7 +2143,7 @@
           <a:p>
             <a:fld id="{0CCF0B81-6BD8-4C65-9459-815598C5F1F4}" type="datetimeFigureOut">
               <a:rPr lang="en-PH" smtClean="0"/>
-              <a:t>19/04/2024</a:t>
+              <a:t>4/23/24</a:t>
             </a:fld>
             <a:endParaRPr lang="en-PH"/>
           </a:p>
@@ -2343,7 +2343,7 @@
           <a:p>
             <a:fld id="{0CCF0B81-6BD8-4C65-9459-815598C5F1F4}" type="datetimeFigureOut">
               <a:rPr lang="en-PH" smtClean="0"/>
-              <a:t>19/04/2024</a:t>
+              <a:t>4/23/24</a:t>
             </a:fld>
             <a:endParaRPr lang="en-PH"/>
           </a:p>
@@ -2553,7 +2553,7 @@
           <a:p>
             <a:fld id="{0CCF0B81-6BD8-4C65-9459-815598C5F1F4}" type="datetimeFigureOut">
               <a:rPr lang="en-PH" smtClean="0"/>
-              <a:t>19/04/2024</a:t>
+              <a:t>4/23/24</a:t>
             </a:fld>
             <a:endParaRPr lang="en-PH"/>
           </a:p>
@@ -2753,7 +2753,7 @@
           <a:p>
             <a:fld id="{0CCF0B81-6BD8-4C65-9459-815598C5F1F4}" type="datetimeFigureOut">
               <a:rPr lang="en-PH" smtClean="0"/>
-              <a:t>19/04/2024</a:t>
+              <a:t>4/23/24</a:t>
             </a:fld>
             <a:endParaRPr lang="en-PH"/>
           </a:p>
@@ -3029,7 +3029,7 @@
           <a:p>
             <a:fld id="{0CCF0B81-6BD8-4C65-9459-815598C5F1F4}" type="datetimeFigureOut">
               <a:rPr lang="en-PH" smtClean="0"/>
-              <a:t>19/04/2024</a:t>
+              <a:t>4/23/24</a:t>
             </a:fld>
             <a:endParaRPr lang="en-PH"/>
           </a:p>
@@ -3297,7 +3297,7 @@
           <a:p>
             <a:fld id="{0CCF0B81-6BD8-4C65-9459-815598C5F1F4}" type="datetimeFigureOut">
               <a:rPr lang="en-PH" smtClean="0"/>
-              <a:t>19/04/2024</a:t>
+              <a:t>4/23/24</a:t>
             </a:fld>
             <a:endParaRPr lang="en-PH"/>
           </a:p>
@@ -3712,7 +3712,7 @@
           <a:p>
             <a:fld id="{0CCF0B81-6BD8-4C65-9459-815598C5F1F4}" type="datetimeFigureOut">
               <a:rPr lang="en-PH" smtClean="0"/>
-              <a:t>19/04/2024</a:t>
+              <a:t>4/23/24</a:t>
             </a:fld>
             <a:endParaRPr lang="en-PH"/>
           </a:p>
@@ -3854,7 +3854,7 @@
           <a:p>
             <a:fld id="{0CCF0B81-6BD8-4C65-9459-815598C5F1F4}" type="datetimeFigureOut">
               <a:rPr lang="en-PH" smtClean="0"/>
-              <a:t>19/04/2024</a:t>
+              <a:t>4/23/24</a:t>
             </a:fld>
             <a:endParaRPr lang="en-PH"/>
           </a:p>
@@ -3967,7 +3967,7 @@
           <a:p>
             <a:fld id="{0CCF0B81-6BD8-4C65-9459-815598C5F1F4}" type="datetimeFigureOut">
               <a:rPr lang="en-PH" smtClean="0"/>
-              <a:t>19/04/2024</a:t>
+              <a:t>4/23/24</a:t>
             </a:fld>
             <a:endParaRPr lang="en-PH"/>
           </a:p>
@@ -4280,7 +4280,7 @@
           <a:p>
             <a:fld id="{0CCF0B81-6BD8-4C65-9459-815598C5F1F4}" type="datetimeFigureOut">
               <a:rPr lang="en-PH" smtClean="0"/>
-              <a:t>19/04/2024</a:t>
+              <a:t>4/23/24</a:t>
             </a:fld>
             <a:endParaRPr lang="en-PH"/>
           </a:p>
@@ -4569,7 +4569,7 @@
           <a:p>
             <a:fld id="{0CCF0B81-6BD8-4C65-9459-815598C5F1F4}" type="datetimeFigureOut">
               <a:rPr lang="en-PH" smtClean="0"/>
-              <a:t>19/04/2024</a:t>
+              <a:t>4/23/24</a:t>
             </a:fld>
             <a:endParaRPr lang="en-PH"/>
           </a:p>
@@ -4812,7 +4812,7 @@
           <a:p>
             <a:fld id="{0CCF0B81-6BD8-4C65-9459-815598C5F1F4}" type="datetimeFigureOut">
               <a:rPr lang="en-PH" smtClean="0"/>
-              <a:t>19/04/2024</a:t>
+              <a:t>4/23/24</a:t>
             </a:fld>
             <a:endParaRPr lang="en-PH"/>
           </a:p>
@@ -9334,8 +9334,8 @@
           </a:p>
         </p:txBody>
       </p:sp>
-      <mc:AlternateContent xmlns:mc="http://schemas.openxmlformats.org/markup-compatibility/2006">
-        <mc:Choice xmlns:a14="http://schemas.microsoft.com/office/drawing/2010/main" Requires="a14">
+      <mc:AlternateContent xmlns:mc="http://schemas.openxmlformats.org/markup-compatibility/2006" xmlns:a14="http://schemas.microsoft.com/office/drawing/2010/main">
+        <mc:Choice Requires="a14">
           <p:sp>
             <p:nvSpPr>
               <p:cNvPr id="6" name="TextBox 5">
@@ -9670,7 +9670,7 @@
             </p:txBody>
           </p:sp>
         </mc:Choice>
-        <mc:Fallback>
+        <mc:Fallback xmlns="">
           <p:sp>
             <p:nvSpPr>
               <p:cNvPr id="6" name="TextBox 5">
@@ -9840,8 +9840,8 @@
           </a:p>
         </p:txBody>
       </p:sp>
-      <mc:AlternateContent xmlns:mc="http://schemas.openxmlformats.org/markup-compatibility/2006">
-        <mc:Choice xmlns:a14="http://schemas.microsoft.com/office/drawing/2010/main" Requires="a14">
+      <mc:AlternateContent xmlns:mc="http://schemas.openxmlformats.org/markup-compatibility/2006" xmlns:a14="http://schemas.microsoft.com/office/drawing/2010/main">
+        <mc:Choice Requires="a14">
           <p:sp>
             <p:nvSpPr>
               <p:cNvPr id="6" name="TextBox 5">
@@ -10014,7 +10014,7 @@
             </p:txBody>
           </p:sp>
         </mc:Choice>
-        <mc:Fallback>
+        <mc:Fallback xmlns="">
           <p:sp>
             <p:nvSpPr>
               <p:cNvPr id="6" name="TextBox 5">
@@ -10444,8 +10444,8 @@
           </p:sp>
         </mc:Fallback>
       </mc:AlternateContent>
-      <mc:AlternateContent xmlns:mc="http://schemas.openxmlformats.org/markup-compatibility/2006" xmlns:a14="http://schemas.microsoft.com/office/drawing/2010/main">
-        <mc:Choice Requires="a14">
+      <mc:AlternateContent xmlns:mc="http://schemas.openxmlformats.org/markup-compatibility/2006">
+        <mc:Choice xmlns:a14="http://schemas.microsoft.com/office/drawing/2010/main" Requires="a14">
           <p:sp>
             <p:nvSpPr>
               <p:cNvPr id="8" name="TextBox 7">
@@ -10461,7 +10461,7 @@
             <p:spPr>
               <a:xfrm>
                 <a:off x="446048" y="4486054"/>
-                <a:ext cx="6757640" cy="461665"/>
+                <a:ext cx="8338878" cy="461665"/>
               </a:xfrm>
               <a:prstGeom prst="rect">
                 <a:avLst/>
@@ -10512,6 +10512,16 @@
                           <a:ea typeface="Cambria Math" panose="02040503050406030204" pitchFamily="18" charset="0"/>
                         </a:rPr>
                         <m:t>𝟏</m:t>
+                      </m:r>
+                      <m:r>
+                        <a:rPr lang="en-GB" sz="2400" b="1" i="1" smtClean="0">
+                          <a:solidFill>
+                            <a:schemeClr val="tx1"/>
+                          </a:solidFill>
+                          <a:latin typeface="Cambria Math" panose="02040503050406030204" pitchFamily="18" charset="0"/>
+                          <a:ea typeface="Cambria Math" panose="02040503050406030204" pitchFamily="18" charset="0"/>
+                        </a:rPr>
+                        <m:t>+</m:t>
                       </m:r>
                       <m:d>
                         <m:dPr>
@@ -10668,7 +10678,7 @@
             </p:txBody>
           </p:sp>
         </mc:Choice>
-        <mc:Fallback xmlns="">
+        <mc:Fallback>
           <p:sp>
             <p:nvSpPr>
               <p:cNvPr id="8" name="TextBox 7">
@@ -10686,7 +10696,7 @@
             <p:spPr>
               <a:xfrm>
                 <a:off x="446048" y="4486054"/>
-                <a:ext cx="6757640" cy="461665"/>
+                <a:ext cx="8338878" cy="461665"/>
               </a:xfrm>
               <a:prstGeom prst="rect">
                 <a:avLst/>
@@ -10694,7 +10704,7 @@
               <a:blipFill>
                 <a:blip r:embed="rId7"/>
                 <a:stretch>
-                  <a:fillRect b="-12195"/>
+                  <a:fillRect b="-9756"/>
                 </a:stretch>
               </a:blipFill>
               <a:ln w="38100">
@@ -10708,7 +10718,7 @@
               <a:lstStyle/>
               <a:p>
                 <a:r>
-                  <a:rPr lang="en-PH">
+                  <a:rPr lang="en-US">
                     <a:noFill/>
                   </a:rPr>
                   <a:t> </a:t>
@@ -10718,8 +10728,8 @@
           </p:sp>
         </mc:Fallback>
       </mc:AlternateContent>
-      <mc:AlternateContent xmlns:mc="http://schemas.openxmlformats.org/markup-compatibility/2006" xmlns:a14="http://schemas.microsoft.com/office/drawing/2010/main">
-        <mc:Choice Requires="a14">
+      <mc:AlternateContent xmlns:mc="http://schemas.openxmlformats.org/markup-compatibility/2006">
+        <mc:Choice xmlns:a14="http://schemas.microsoft.com/office/drawing/2010/main" Requires="a14">
           <p:sp>
             <p:nvSpPr>
               <p:cNvPr id="10" name="TextBox 9">
@@ -10734,8 +10744,8 @@
             </p:nvSpPr>
             <p:spPr>
               <a:xfrm>
-                <a:off x="446049" y="5372967"/>
-                <a:ext cx="9144930" cy="400110"/>
+                <a:off x="446048" y="5372967"/>
+                <a:ext cx="8697952" cy="400110"/>
               </a:xfrm>
               <a:prstGeom prst="rect">
                 <a:avLst/>
@@ -10767,6 +10777,13 @@
                         <a:ea typeface="Cambria Math" panose="02040503050406030204" pitchFamily="18" charset="0"/>
                       </a:rPr>
                       <m:t>𝑥</m:t>
+                    </m:r>
+                    <m:r>
+                      <a:rPr lang="en-GB" sz="2000" b="0" i="1" smtClean="0">
+                        <a:latin typeface="Cambria Math" panose="02040503050406030204" pitchFamily="18" charset="0"/>
+                        <a:ea typeface="Cambria Math" panose="02040503050406030204" pitchFamily="18" charset="0"/>
+                      </a:rPr>
+                      <m:t>+ </m:t>
                     </m:r>
                     <m:d>
                       <m:dPr>
@@ -10812,13 +10829,13 @@
                 </a14:m>
                 <a:r>
                   <a:rPr lang="en-US" sz="2000" dirty="0"/>
-                  <a:t> to this value again gives an odd number</a:t>
+                  <a:t> to this value again gives an odd number.</a:t>
                 </a:r>
               </a:p>
             </p:txBody>
           </p:sp>
         </mc:Choice>
-        <mc:Fallback xmlns="">
+        <mc:Fallback>
           <p:sp>
             <p:nvSpPr>
               <p:cNvPr id="10" name="TextBox 9">
@@ -10835,8 +10852,8 @@
             </p:nvSpPr>
             <p:spPr>
               <a:xfrm>
-                <a:off x="446049" y="5372967"/>
-                <a:ext cx="9144930" cy="400110"/>
+                <a:off x="446048" y="5372967"/>
+                <a:ext cx="8697952" cy="400110"/>
               </a:xfrm>
               <a:prstGeom prst="rect">
                 <a:avLst/>
@@ -10844,7 +10861,7 @@
               <a:blipFill>
                 <a:blip r:embed="rId8"/>
                 <a:stretch>
-                  <a:fillRect l="-465" t="-2778" b="-19444"/>
+                  <a:fillRect l="-435" t="-2778" r="-145" b="-16667"/>
                 </a:stretch>
               </a:blipFill>
               <a:ln w="38100">
@@ -10858,7 +10875,7 @@
               <a:lstStyle/>
               <a:p>
                 <a:r>
-                  <a:rPr lang="en-PH">
+                  <a:rPr lang="en-US">
                     <a:noFill/>
                   </a:rPr>
                   <a:t> </a:t>
@@ -10913,8 +10930,8 @@
           </a:p>
         </p:txBody>
       </p:sp>
-      <mc:AlternateContent xmlns:mc="http://schemas.openxmlformats.org/markup-compatibility/2006" xmlns:a14="http://schemas.microsoft.com/office/drawing/2010/main">
-        <mc:Choice Requires="a14">
+      <mc:AlternateContent xmlns:mc="http://schemas.openxmlformats.org/markup-compatibility/2006">
+        <mc:Choice xmlns:a14="http://schemas.microsoft.com/office/drawing/2010/main" Requires="a14">
           <p:sp>
             <p:nvSpPr>
               <p:cNvPr id="16" name="TextBox 15">
@@ -10929,8 +10946,8 @@
             </p:nvSpPr>
             <p:spPr>
               <a:xfrm>
-                <a:off x="8784926" y="5434522"/>
-                <a:ext cx="234038" cy="276999"/>
+                <a:off x="9284460" y="5449911"/>
+                <a:ext cx="215141" cy="276999"/>
               </a:xfrm>
               <a:prstGeom prst="rect">
                 <a:avLst/>
@@ -10938,7 +10955,7 @@
               <a:noFill/>
             </p:spPr>
             <p:txBody>
-              <a:bodyPr wrap="none" lIns="0" tIns="0" rIns="0" bIns="0" rtlCol="0">
+              <a:bodyPr wrap="square" lIns="0" tIns="0" rIns="0" bIns="0" rtlCol="0">
                 <a:spAutoFit/>
               </a:bodyPr>
               <a:lstStyle/>
@@ -10965,7 +10982,7 @@
             </p:txBody>
           </p:sp>
         </mc:Choice>
-        <mc:Fallback xmlns="">
+        <mc:Fallback>
           <p:sp>
             <p:nvSpPr>
               <p:cNvPr id="16" name="TextBox 15">
@@ -10982,8 +10999,8 @@
             </p:nvSpPr>
             <p:spPr>
               <a:xfrm>
-                <a:off x="8784926" y="5434522"/>
-                <a:ext cx="234038" cy="276999"/>
+                <a:off x="9284460" y="5449911"/>
+                <a:ext cx="215141" cy="276999"/>
               </a:xfrm>
               <a:prstGeom prst="rect">
                 <a:avLst/>
@@ -10991,7 +11008,7 @@
               <a:blipFill>
                 <a:blip r:embed="rId9"/>
                 <a:stretch>
-                  <a:fillRect l="-15789" r="-15789"/>
+                  <a:fillRect l="-23529" r="-23529"/>
                 </a:stretch>
               </a:blipFill>
             </p:spPr>
@@ -11000,7 +11017,7 @@
               <a:lstStyle/>
               <a:p>
                 <a:r>
-                  <a:rPr lang="en-PH">
+                  <a:rPr lang="en-US">
                     <a:noFill/>
                   </a:rPr>
                   <a:t> </a:t>
@@ -19120,6 +19137,21 @@
 </file>
 
 <file path=customXml/item1.xml><?xml version="1.0" encoding="utf-8"?>
+<p:properties xmlns:p="http://schemas.microsoft.com/office/2006/metadata/properties" xmlns:xsi="http://www.w3.org/2001/XMLSchema-instance" xmlns:pc="http://schemas.microsoft.com/office/infopath/2007/PartnerControls">
+  <documentManagement/>
+</p:properties>
+</file>
+
+<file path=customXml/item2.xml><?xml version="1.0" encoding="utf-8"?>
+<?mso-contentType ?>
+<FormTemplates xmlns="http://schemas.microsoft.com/sharepoint/v3/contenttype/forms">
+  <Display>DocumentLibraryForm</Display>
+  <Edit>DocumentLibraryForm</Edit>
+  <New>DocumentLibraryForm</New>
+</FormTemplates>
+</file>
+
+<file path=customXml/item3.xml><?xml version="1.0" encoding="utf-8"?>
 <ct:contentTypeSchema xmlns:ct="http://schemas.microsoft.com/office/2006/metadata/contentType" xmlns:ma="http://schemas.microsoft.com/office/2006/metadata/properties/metaAttributes" ct:_="" ma:_="" ma:contentTypeName="Document" ma:contentTypeID="0x0101007188BDCA587B344BBA6CB1A93FAE6998" ma:contentTypeVersion="2" ma:contentTypeDescription="Create a new document." ma:contentTypeScope="" ma:versionID="7a8e4b6720badb2566a0cfeddfaf2856">
   <xsd:schema xmlns:xsd="http://www.w3.org/2001/XMLSchema" xmlns:xs="http://www.w3.org/2001/XMLSchema" xmlns:p="http://schemas.microsoft.com/office/2006/metadata/properties" xmlns:ns2="ba111d12-426d-4af0-bcb6-460e36974645" targetNamespace="http://schemas.microsoft.com/office/2006/metadata/properties" ma:root="true" ma:fieldsID="989b05398519136c88ba0a8d54e3c3da" ns2:_="">
     <xsd:import namespace="ba111d12-426d-4af0-bcb6-460e36974645"/>
@@ -19251,22 +19283,24 @@
 </ct:contentTypeSchema>
 </file>
 
-<file path=customXml/item2.xml><?xml version="1.0" encoding="utf-8"?>
-<p:properties xmlns:p="http://schemas.microsoft.com/office/2006/metadata/properties" xmlns:xsi="http://www.w3.org/2001/XMLSchema-instance" xmlns:pc="http://schemas.microsoft.com/office/infopath/2007/PartnerControls">
-  <documentManagement/>
-</p:properties>
+<file path=customXml/itemProps1.xml><?xml version="1.0" encoding="utf-8"?>
+<ds:datastoreItem xmlns:ds="http://schemas.openxmlformats.org/officeDocument/2006/customXml" ds:itemID="{A05518A6-09E4-4E11-AE7D-4C13722BEBC7}">
+  <ds:schemaRefs>
+    <ds:schemaRef ds:uri="http://schemas.microsoft.com/office/2006/metadata/properties"/>
+    <ds:schemaRef ds:uri="http://schemas.microsoft.com/office/infopath/2007/PartnerControls"/>
+  </ds:schemaRefs>
+</ds:datastoreItem>
 </file>
 
-<file path=customXml/item3.xml><?xml version="1.0" encoding="utf-8"?>
-<?mso-contentType ?>
-<FormTemplates xmlns="http://schemas.microsoft.com/sharepoint/v3/contenttype/forms">
-  <Display>DocumentLibraryForm</Display>
-  <Edit>DocumentLibraryForm</Edit>
-  <New>DocumentLibraryForm</New>
-</FormTemplates>
+<file path=customXml/itemProps2.xml><?xml version="1.0" encoding="utf-8"?>
+<ds:datastoreItem xmlns:ds="http://schemas.openxmlformats.org/officeDocument/2006/customXml" ds:itemID="{AE0C03B0-3DE5-4BD9-B3BB-6E4919CD06B4}">
+  <ds:schemaRefs>
+    <ds:schemaRef ds:uri="http://schemas.microsoft.com/sharepoint/v3/contenttype/forms"/>
+  </ds:schemaRefs>
+</ds:datastoreItem>
 </file>
 
-<file path=customXml/itemProps1.xml><?xml version="1.0" encoding="utf-8"?>
+<file path=customXml/itemProps3.xml><?xml version="1.0" encoding="utf-8"?>
 <ds:datastoreItem xmlns:ds="http://schemas.openxmlformats.org/officeDocument/2006/customXml" ds:itemID="{46BFEDF5-8B64-4FF5-9637-4791A1C152B8}">
   <ds:schemaRefs>
     <ds:schemaRef ds:uri="http://schemas.microsoft.com/office/2006/metadata/contentType"/>
@@ -19282,21 +19316,4 @@
     <ds:schemaRef ds:uri="http://schemas.microsoft.com/internal/obd"/>
   </ds:schemaRefs>
 </ds:datastoreItem>
-</file>
-
-<file path=customXml/itemProps2.xml><?xml version="1.0" encoding="utf-8"?>
-<ds:datastoreItem xmlns:ds="http://schemas.openxmlformats.org/officeDocument/2006/customXml" ds:itemID="{A05518A6-09E4-4E11-AE7D-4C13722BEBC7}">
-  <ds:schemaRefs>
-    <ds:schemaRef ds:uri="http://schemas.microsoft.com/office/2006/metadata/properties"/>
-    <ds:schemaRef ds:uri="http://schemas.microsoft.com/office/infopath/2007/PartnerControls"/>
-  </ds:schemaRefs>
-</ds:datastoreItem>
-</file>
-
-<file path=customXml/itemProps3.xml><?xml version="1.0" encoding="utf-8"?>
-<ds:datastoreItem xmlns:ds="http://schemas.openxmlformats.org/officeDocument/2006/customXml" ds:itemID="{AE0C03B0-3DE5-4BD9-B3BB-6E4919CD06B4}">
-  <ds:schemaRefs>
-    <ds:schemaRef ds:uri="http://schemas.microsoft.com/sharepoint/v3/contenttype/forms"/>
-  </ds:schemaRefs>
-</ds:datastoreItem>
 </file>